--- a/Slides/15. 개발 프로세스 실습 3.pptx
+++ b/Slides/15. 개발 프로세스 실습 3.pptx
@@ -5,7 +5,7 @@
     <p:sldMasterId id="2147483660" r:id="rId1"/>
   </p:sldMasterIdLst>
   <p:notesMasterIdLst>
-    <p:notesMasterId r:id="rId59"/>
+    <p:notesMasterId r:id="rId61"/>
   </p:notesMasterIdLst>
   <p:sldIdLst>
     <p:sldId id="431" r:id="rId2"/>
@@ -35,36 +35,38 @@
     <p:sldId id="690" r:id="rId26"/>
     <p:sldId id="688" r:id="rId27"/>
     <p:sldId id="691" r:id="rId28"/>
-    <p:sldId id="692" r:id="rId29"/>
-    <p:sldId id="693" r:id="rId30"/>
-    <p:sldId id="630" r:id="rId31"/>
-    <p:sldId id="694" r:id="rId32"/>
-    <p:sldId id="695" r:id="rId33"/>
-    <p:sldId id="696" r:id="rId34"/>
-    <p:sldId id="699" r:id="rId35"/>
-    <p:sldId id="697" r:id="rId36"/>
-    <p:sldId id="701" r:id="rId37"/>
-    <p:sldId id="700" r:id="rId38"/>
-    <p:sldId id="698" r:id="rId39"/>
-    <p:sldId id="703" r:id="rId40"/>
-    <p:sldId id="704" r:id="rId41"/>
-    <p:sldId id="705" r:id="rId42"/>
-    <p:sldId id="706" r:id="rId43"/>
-    <p:sldId id="707" r:id="rId44"/>
-    <p:sldId id="702" r:id="rId45"/>
-    <p:sldId id="683" r:id="rId46"/>
-    <p:sldId id="708" r:id="rId47"/>
-    <p:sldId id="714" r:id="rId48"/>
-    <p:sldId id="710" r:id="rId49"/>
-    <p:sldId id="719" r:id="rId50"/>
-    <p:sldId id="712" r:id="rId51"/>
-    <p:sldId id="716" r:id="rId52"/>
-    <p:sldId id="711" r:id="rId53"/>
-    <p:sldId id="715" r:id="rId54"/>
-    <p:sldId id="717" r:id="rId55"/>
-    <p:sldId id="720" r:id="rId56"/>
-    <p:sldId id="718" r:id="rId57"/>
-    <p:sldId id="571" r:id="rId58"/>
+    <p:sldId id="721" r:id="rId29"/>
+    <p:sldId id="722" r:id="rId30"/>
+    <p:sldId id="692" r:id="rId31"/>
+    <p:sldId id="693" r:id="rId32"/>
+    <p:sldId id="630" r:id="rId33"/>
+    <p:sldId id="694" r:id="rId34"/>
+    <p:sldId id="695" r:id="rId35"/>
+    <p:sldId id="696" r:id="rId36"/>
+    <p:sldId id="699" r:id="rId37"/>
+    <p:sldId id="697" r:id="rId38"/>
+    <p:sldId id="701" r:id="rId39"/>
+    <p:sldId id="700" r:id="rId40"/>
+    <p:sldId id="698" r:id="rId41"/>
+    <p:sldId id="703" r:id="rId42"/>
+    <p:sldId id="704" r:id="rId43"/>
+    <p:sldId id="705" r:id="rId44"/>
+    <p:sldId id="706" r:id="rId45"/>
+    <p:sldId id="707" r:id="rId46"/>
+    <p:sldId id="702" r:id="rId47"/>
+    <p:sldId id="683" r:id="rId48"/>
+    <p:sldId id="708" r:id="rId49"/>
+    <p:sldId id="714" r:id="rId50"/>
+    <p:sldId id="710" r:id="rId51"/>
+    <p:sldId id="719" r:id="rId52"/>
+    <p:sldId id="712" r:id="rId53"/>
+    <p:sldId id="716" r:id="rId54"/>
+    <p:sldId id="711" r:id="rId55"/>
+    <p:sldId id="715" r:id="rId56"/>
+    <p:sldId id="717" r:id="rId57"/>
+    <p:sldId id="720" r:id="rId58"/>
+    <p:sldId id="718" r:id="rId59"/>
+    <p:sldId id="571" r:id="rId60"/>
   </p:sldIdLst>
   <p:sldSz cx="9144000" cy="6858000" type="screen4x3"/>
   <p:notesSz cx="6858000" cy="9144000"/>
@@ -253,7 +255,7 @@
           <a:p>
             <a:fld id="{3A51E6CB-1B67-49CD-819C-CBD1F8F15839}" type="datetimeFigureOut">
               <a:rPr lang="ko-KR" altLang="en-US" smtClean="0"/>
-              <a:t>2019-11-18</a:t>
+              <a:t>2019-12-11</a:t>
             </a:fld>
             <a:endParaRPr lang="ko-KR" altLang="en-US"/>
           </a:p>
@@ -735,7 +737,7 @@
           <a:p>
             <a:fld id="{1EA80F27-E9B9-4A8E-9A59-01CCB3F43850}" type="datetime1">
               <a:rPr lang="ko-KR" altLang="en-US" smtClean="0"/>
-              <a:t>2019-11-18</a:t>
+              <a:t>2019-12-11</a:t>
             </a:fld>
             <a:endParaRPr lang="ko-KR" altLang="en-US"/>
           </a:p>
@@ -951,7 +953,7 @@
           <a:p>
             <a:fld id="{7E5363F8-22A8-407F-82B0-EFC1D1C22895}" type="datetime1">
               <a:rPr lang="ko-KR" altLang="en-US" smtClean="0"/>
-              <a:t>2019-11-18</a:t>
+              <a:t>2019-12-11</a:t>
             </a:fld>
             <a:endParaRPr lang="ko-KR" altLang="en-US"/>
           </a:p>
@@ -1131,7 +1133,7 @@
           <a:p>
             <a:fld id="{8187739B-8E74-4F06-BBD0-F6D670C1F7A1}" type="datetime1">
               <a:rPr lang="ko-KR" altLang="en-US" smtClean="0"/>
-              <a:t>2019-11-18</a:t>
+              <a:t>2019-12-11</a:t>
             </a:fld>
             <a:endParaRPr lang="ko-KR" altLang="en-US"/>
           </a:p>
@@ -1301,7 +1303,7 @@
           <a:p>
             <a:fld id="{947C39E4-F1C0-46F5-93CB-857C8C3AEB8D}" type="datetime1">
               <a:rPr lang="ko-KR" altLang="en-US" smtClean="0"/>
-              <a:t>2019-11-18</a:t>
+              <a:t>2019-12-11</a:t>
             </a:fld>
             <a:endParaRPr lang="ko-KR" altLang="en-US"/>
           </a:p>
@@ -1545,7 +1547,7 @@
           <a:p>
             <a:fld id="{7818271D-E6C7-4286-B2FD-D9AA53F1E428}" type="datetime1">
               <a:rPr lang="ko-KR" altLang="en-US" smtClean="0"/>
-              <a:t>2019-11-18</a:t>
+              <a:t>2019-12-11</a:t>
             </a:fld>
             <a:endParaRPr lang="ko-KR" altLang="en-US"/>
           </a:p>
@@ -1777,7 +1779,7 @@
           <a:p>
             <a:fld id="{8CE3C26B-F624-420D-BF9D-391E2E695B27}" type="datetime1">
               <a:rPr lang="ko-KR" altLang="en-US" smtClean="0"/>
-              <a:t>2019-11-18</a:t>
+              <a:t>2019-12-11</a:t>
             </a:fld>
             <a:endParaRPr lang="ko-KR" altLang="en-US"/>
           </a:p>
@@ -2144,7 +2146,7 @@
           <a:p>
             <a:fld id="{A1FC83CE-7AD5-4A20-9998-54C7F9F05545}" type="datetime1">
               <a:rPr lang="ko-KR" altLang="en-US" smtClean="0"/>
-              <a:t>2019-11-18</a:t>
+              <a:t>2019-12-11</a:t>
             </a:fld>
             <a:endParaRPr lang="ko-KR" altLang="en-US"/>
           </a:p>
@@ -2262,7 +2264,7 @@
           <a:p>
             <a:fld id="{3A3E22EA-EB96-4ADF-ABA9-A693E5F7BB1E}" type="datetime1">
               <a:rPr lang="ko-KR" altLang="en-US" smtClean="0"/>
-              <a:t>2019-11-18</a:t>
+              <a:t>2019-12-11</a:t>
             </a:fld>
             <a:endParaRPr lang="ko-KR" altLang="en-US"/>
           </a:p>
@@ -2357,7 +2359,7 @@
           <a:p>
             <a:fld id="{0D5BD961-86A8-440A-8C4E-52B6CA6FECED}" type="datetime1">
               <a:rPr lang="ko-KR" altLang="en-US" smtClean="0"/>
-              <a:t>2019-11-18</a:t>
+              <a:t>2019-12-11</a:t>
             </a:fld>
             <a:endParaRPr lang="ko-KR" altLang="en-US"/>
           </a:p>
@@ -2634,7 +2636,7 @@
           <a:p>
             <a:fld id="{CD151CC0-1347-483B-8708-01772054FA68}" type="datetime1">
               <a:rPr lang="ko-KR" altLang="en-US" smtClean="0"/>
-              <a:t>2019-11-18</a:t>
+              <a:t>2019-12-11</a:t>
             </a:fld>
             <a:endParaRPr lang="ko-KR" altLang="en-US"/>
           </a:p>
@@ -2891,7 +2893,7 @@
           <a:p>
             <a:fld id="{57185993-49E6-4096-BF26-930E741DA796}" type="datetime1">
               <a:rPr lang="ko-KR" altLang="en-US" smtClean="0"/>
-              <a:t>2019-11-18</a:t>
+              <a:t>2019-12-11</a:t>
             </a:fld>
             <a:endParaRPr lang="ko-KR" altLang="en-US"/>
           </a:p>
@@ -3107,7 +3109,7 @@
           <a:p>
             <a:fld id="{170798F3-F6A9-4876-8D5A-30BE2843F4A2}" type="datetime1">
               <a:rPr lang="ko-KR" altLang="en-US" smtClean="0"/>
-              <a:t>2019-11-18</a:t>
+              <a:t>2019-12-11</a:t>
             </a:fld>
             <a:endParaRPr lang="ko-KR" altLang="en-US"/>
           </a:p>
@@ -8745,42 +8747,10 @@
       </p:grpSpPr>
       <p:sp>
         <p:nvSpPr>
-          <p:cNvPr id="2" name="제목 1">
-            <a:extLst>
-              <a:ext uri="{FF2B5EF4-FFF2-40B4-BE49-F238E27FC236}">
-                <a16:creationId xmlns:a16="http://schemas.microsoft.com/office/drawing/2014/main" id="{3339752A-4AB0-46ED-92A3-5AB3769150AA}"/>
-              </a:ext>
-            </a:extLst>
-          </p:cNvPr>
-          <p:cNvSpPr>
-            <a:spLocks noGrp="1"/>
-          </p:cNvSpPr>
-          <p:nvPr>
-            <p:ph type="title"/>
-          </p:nvPr>
-        </p:nvSpPr>
-        <p:spPr/>
-        <p:txBody>
-          <a:bodyPr/>
-          <a:lstStyle/>
-          <a:p>
-            <a:r>
-              <a:rPr lang="en-US" altLang="ko-KR" dirty="0"/>
-              <a:t>SSH </a:t>
-            </a:r>
-            <a:r>
-              <a:rPr lang="ko-KR" altLang="en-US" dirty="0"/>
-              <a:t>서버 등록</a:t>
-            </a:r>
-          </a:p>
-        </p:txBody>
-      </p:sp>
-      <p:sp>
-        <p:nvSpPr>
           <p:cNvPr id="4" name="슬라이드 번호 개체 틀 3">
             <a:extLst>
               <a:ext uri="{FF2B5EF4-FFF2-40B4-BE49-F238E27FC236}">
-                <a16:creationId xmlns:a16="http://schemas.microsoft.com/office/drawing/2014/main" id="{954198BD-6899-44CE-A2CC-86FE2DAE16F1}"/>
+                <a16:creationId xmlns:a16="http://schemas.microsoft.com/office/drawing/2014/main" id="{64923E03-6681-4E99-AFE5-A632FD532242}"/>
               </a:ext>
             </a:extLst>
           </p:cNvPr>
@@ -8799,6 +8769,895 @@
             <a:fld id="{64F0D409-D3F6-4EEC-8C77-1F5E89989FFB}" type="slidenum">
               <a:rPr lang="ko-KR" altLang="en-US" smtClean="0"/>
               <a:t>28</a:t>
+            </a:fld>
+            <a:endParaRPr lang="ko-KR" altLang="en-US"/>
+          </a:p>
+        </p:txBody>
+      </p:sp>
+      <p:sp>
+        <p:nvSpPr>
+          <p:cNvPr id="5" name="TextBox 4">
+            <a:extLst>
+              <a:ext uri="{FF2B5EF4-FFF2-40B4-BE49-F238E27FC236}">
+                <a16:creationId xmlns:a16="http://schemas.microsoft.com/office/drawing/2014/main" id="{D49EC4BE-CBCB-48FE-A4B2-6130EDA2CFF2}"/>
+              </a:ext>
+            </a:extLst>
+          </p:cNvPr>
+          <p:cNvSpPr txBox="1"/>
+          <p:nvPr/>
+        </p:nvSpPr>
+        <p:spPr>
+          <a:xfrm>
+            <a:off x="395536" y="1098958"/>
+            <a:ext cx="8352928" cy="646331"/>
+          </a:xfrm>
+          <a:prstGeom prst="rect">
+            <a:avLst/>
+          </a:prstGeom>
+          <a:noFill/>
+        </p:spPr>
+        <p:txBody>
+          <a:bodyPr wrap="square" rtlCol="0">
+            <a:spAutoFit/>
+          </a:bodyPr>
+          <a:lstStyle/>
+          <a:p>
+            <a:pPr marL="285750" indent="-285750">
+              <a:buFont typeface="Arial" panose="020B0604020202020204" pitchFamily="34" charset="0"/>
+              <a:buChar char="•"/>
+            </a:pPr>
+            <a:r>
+              <a:rPr lang="en-US" altLang="ko-KR" dirty="0"/>
+              <a:t>2</a:t>
+            </a:r>
+            <a:r>
+              <a:rPr lang="ko-KR" altLang="en-US" dirty="0"/>
+              <a:t>개의 </a:t>
+            </a:r>
+            <a:r>
+              <a:rPr lang="en-US" altLang="ko-KR" dirty="0"/>
+              <a:t>key </a:t>
+            </a:r>
+            <a:r>
+              <a:rPr lang="ko-KR" altLang="en-US" dirty="0"/>
+              <a:t>를 입력하고 각각 </a:t>
+            </a:r>
+            <a:r>
+              <a:rPr lang="en-US" altLang="ko-KR" dirty="0"/>
+              <a:t>test</a:t>
+            </a:r>
+            <a:r>
+              <a:rPr lang="ko-KR" altLang="en-US" dirty="0"/>
+              <a:t>를 진행해야 됨</a:t>
+            </a:r>
+            <a:r>
+              <a:rPr lang="en-US" altLang="ko-KR" dirty="0"/>
+              <a:t>.</a:t>
+            </a:r>
+          </a:p>
+          <a:p>
+            <a:pPr marL="285750" indent="-285750">
+              <a:buFont typeface="Arial" panose="020B0604020202020204" pitchFamily="34" charset="0"/>
+              <a:buChar char="•"/>
+            </a:pPr>
+            <a:r>
+              <a:rPr lang="ko-KR" altLang="en-US" dirty="0"/>
+              <a:t>먼저 </a:t>
+            </a:r>
+            <a:r>
+              <a:rPr lang="en-US" altLang="ko-KR" dirty="0" err="1"/>
+              <a:t>Intergration</a:t>
+            </a:r>
+            <a:r>
+              <a:rPr lang="en-US" altLang="ko-KR" dirty="0"/>
+              <a:t> Server</a:t>
+            </a:r>
+            <a:r>
+              <a:rPr lang="ko-KR" altLang="en-US" dirty="0"/>
+              <a:t>에 대한 </a:t>
+            </a:r>
+            <a:r>
+              <a:rPr lang="en-US" altLang="ko-KR" dirty="0"/>
+              <a:t>key </a:t>
+            </a:r>
+            <a:endParaRPr lang="ko-KR" altLang="en-US" dirty="0"/>
+          </a:p>
+        </p:txBody>
+      </p:sp>
+      <p:pic>
+        <p:nvPicPr>
+          <p:cNvPr id="10" name="그림 9">
+            <a:extLst>
+              <a:ext uri="{FF2B5EF4-FFF2-40B4-BE49-F238E27FC236}">
+                <a16:creationId xmlns:a16="http://schemas.microsoft.com/office/drawing/2014/main" id="{5B54544D-AFE3-4C1F-8A16-54224C13CAB5}"/>
+              </a:ext>
+            </a:extLst>
+          </p:cNvPr>
+          <p:cNvPicPr>
+            <a:picLocks noChangeAspect="1"/>
+          </p:cNvPicPr>
+          <p:nvPr/>
+        </p:nvPicPr>
+        <p:blipFill>
+          <a:blip r:embed="rId2">
+            <a:extLst>
+              <a:ext uri="{28A0092B-C50C-407E-A947-70E740481C1C}">
+                <a14:useLocalDpi xmlns:a14="http://schemas.microsoft.com/office/drawing/2010/main" val="0"/>
+              </a:ext>
+            </a:extLst>
+          </a:blip>
+          <a:stretch>
+            <a:fillRect/>
+          </a:stretch>
+        </p:blipFill>
+        <p:spPr>
+          <a:xfrm>
+            <a:off x="1486104" y="1921782"/>
+            <a:ext cx="5708632" cy="3837260"/>
+          </a:xfrm>
+          <a:prstGeom prst="rect">
+            <a:avLst/>
+          </a:prstGeom>
+        </p:spPr>
+      </p:pic>
+    </p:spTree>
+    <p:extLst>
+      <p:ext uri="{BB962C8B-B14F-4D97-AF65-F5344CB8AC3E}">
+        <p14:creationId xmlns:p14="http://schemas.microsoft.com/office/powerpoint/2010/main" val="1749861001"/>
+      </p:ext>
+    </p:extLst>
+  </p:cSld>
+  <p:clrMapOvr>
+    <a:masterClrMapping/>
+  </p:clrMapOvr>
+</p:sld>
+</file>
+
+<file path=ppt/slides/slide29.xml><?xml version="1.0" encoding="utf-8"?>
+<p:sld xmlns:a="http://schemas.openxmlformats.org/drawingml/2006/main" xmlns:r="http://schemas.openxmlformats.org/officeDocument/2006/relationships" xmlns:p="http://schemas.openxmlformats.org/presentationml/2006/main">
+  <p:cSld>
+    <p:spTree>
+      <p:nvGrpSpPr>
+        <p:cNvPr id="1" name=""/>
+        <p:cNvGrpSpPr/>
+        <p:nvPr/>
+      </p:nvGrpSpPr>
+      <p:grpSpPr>
+        <a:xfrm>
+          <a:off x="0" y="0"/>
+          <a:ext cx="0" cy="0"/>
+          <a:chOff x="0" y="0"/>
+          <a:chExt cx="0" cy="0"/>
+        </a:xfrm>
+      </p:grpSpPr>
+      <p:pic>
+        <p:nvPicPr>
+          <p:cNvPr id="17" name="그림 16">
+            <a:extLst>
+              <a:ext uri="{FF2B5EF4-FFF2-40B4-BE49-F238E27FC236}">
+                <a16:creationId xmlns:a16="http://schemas.microsoft.com/office/drawing/2014/main" id="{2832B0A6-061C-448A-9869-FFDA4DC7374F}"/>
+              </a:ext>
+            </a:extLst>
+          </p:cNvPr>
+          <p:cNvPicPr>
+            <a:picLocks noChangeAspect="1"/>
+          </p:cNvPicPr>
+          <p:nvPr/>
+        </p:nvPicPr>
+        <p:blipFill>
+          <a:blip r:embed="rId2">
+            <a:extLst>
+              <a:ext uri="{28A0092B-C50C-407E-A947-70E740481C1C}">
+                <a14:useLocalDpi xmlns:a14="http://schemas.microsoft.com/office/drawing/2010/main" val="0"/>
+              </a:ext>
+            </a:extLst>
+          </a:blip>
+          <a:stretch>
+            <a:fillRect/>
+          </a:stretch>
+        </p:blipFill>
+        <p:spPr>
+          <a:xfrm>
+            <a:off x="1293835" y="1761091"/>
+            <a:ext cx="6052457" cy="3261773"/>
+          </a:xfrm>
+          <a:prstGeom prst="rect">
+            <a:avLst/>
+          </a:prstGeom>
+        </p:spPr>
+      </p:pic>
+      <p:sp>
+        <p:nvSpPr>
+          <p:cNvPr id="4" name="슬라이드 번호 개체 틀 3">
+            <a:extLst>
+              <a:ext uri="{FF2B5EF4-FFF2-40B4-BE49-F238E27FC236}">
+                <a16:creationId xmlns:a16="http://schemas.microsoft.com/office/drawing/2014/main" id="{740B0D5F-10A9-4101-BF5A-191792B4E02F}"/>
+              </a:ext>
+            </a:extLst>
+          </p:cNvPr>
+          <p:cNvSpPr>
+            <a:spLocks noGrp="1"/>
+          </p:cNvSpPr>
+          <p:nvPr>
+            <p:ph type="sldNum" sz="quarter" idx="12"/>
+          </p:nvPr>
+        </p:nvSpPr>
+        <p:spPr/>
+        <p:txBody>
+          <a:bodyPr/>
+          <a:lstStyle/>
+          <a:p>
+            <a:fld id="{64F0D409-D3F6-4EEC-8C77-1F5E89989FFB}" type="slidenum">
+              <a:rPr lang="ko-KR" altLang="en-US" smtClean="0"/>
+              <a:t>29</a:t>
+            </a:fld>
+            <a:endParaRPr lang="ko-KR" altLang="en-US"/>
+          </a:p>
+        </p:txBody>
+      </p:sp>
+      <p:sp>
+        <p:nvSpPr>
+          <p:cNvPr id="6" name="TextBox 5">
+            <a:extLst>
+              <a:ext uri="{FF2B5EF4-FFF2-40B4-BE49-F238E27FC236}">
+                <a16:creationId xmlns:a16="http://schemas.microsoft.com/office/drawing/2014/main" id="{F0CEDF50-C495-4E66-83D1-143F2C30B7E4}"/>
+              </a:ext>
+            </a:extLst>
+          </p:cNvPr>
+          <p:cNvSpPr txBox="1"/>
+          <p:nvPr/>
+        </p:nvSpPr>
+        <p:spPr>
+          <a:xfrm>
+            <a:off x="419450" y="1098958"/>
+            <a:ext cx="8305100" cy="923330"/>
+          </a:xfrm>
+          <a:prstGeom prst="rect">
+            <a:avLst/>
+          </a:prstGeom>
+          <a:noFill/>
+        </p:spPr>
+        <p:txBody>
+          <a:bodyPr wrap="square" rtlCol="0">
+            <a:spAutoFit/>
+          </a:bodyPr>
+          <a:lstStyle/>
+          <a:p>
+            <a:pPr marL="285750" indent="-285750">
+              <a:buFont typeface="Arial" panose="020B0604020202020204" pitchFamily="34" charset="0"/>
+              <a:buChar char="•"/>
+            </a:pPr>
+            <a:r>
+              <a:rPr lang="en-US" altLang="ko-KR" dirty="0" err="1"/>
+              <a:t>Devlopment</a:t>
+            </a:r>
+            <a:r>
+              <a:rPr lang="en-US" altLang="ko-KR" dirty="0"/>
+              <a:t> Server</a:t>
+            </a:r>
+            <a:r>
+              <a:rPr lang="ko-KR" altLang="en-US" dirty="0"/>
+              <a:t>에 대한 </a:t>
+            </a:r>
+            <a:r>
+              <a:rPr lang="en-US" altLang="ko-KR" dirty="0"/>
+              <a:t>key</a:t>
+            </a:r>
+            <a:r>
+              <a:rPr lang="ko-KR" altLang="en-US" dirty="0"/>
+              <a:t>를 입력하기 위해서 </a:t>
+            </a:r>
+            <a:r>
+              <a:rPr lang="en-US" altLang="ko-KR" dirty="0"/>
+              <a:t>[</a:t>
+            </a:r>
+            <a:r>
+              <a:rPr lang="ko-KR" altLang="en-US" dirty="0"/>
+              <a:t>고급</a:t>
+            </a:r>
+            <a:r>
+              <a:rPr lang="en-US" altLang="ko-KR" dirty="0"/>
+              <a:t>]</a:t>
+            </a:r>
+            <a:r>
+              <a:rPr lang="ko-KR" altLang="en-US" dirty="0"/>
+              <a:t>을 선택한 후</a:t>
+            </a:r>
+            <a:endParaRPr lang="en-US" altLang="ko-KR" dirty="0"/>
+          </a:p>
+          <a:p>
+            <a:r>
+              <a:rPr lang="en-US" altLang="ko-KR" dirty="0"/>
+              <a:t>Use password authentication, or use a different key</a:t>
+            </a:r>
+            <a:r>
+              <a:rPr lang="ko-KR" altLang="en-US" dirty="0"/>
+              <a:t> 를 </a:t>
+            </a:r>
+            <a:r>
+              <a:rPr lang="en-US" altLang="ko-KR" dirty="0"/>
+              <a:t>“</a:t>
+            </a:r>
+            <a:r>
+              <a:rPr lang="ko-KR" altLang="en-US" dirty="0" err="1"/>
+              <a:t>체크＂할</a:t>
+            </a:r>
+            <a:r>
+              <a:rPr lang="ko-KR" altLang="en-US" dirty="0"/>
+              <a:t> 것</a:t>
+            </a:r>
+            <a:r>
+              <a:rPr lang="en-US" altLang="ko-KR" dirty="0"/>
+              <a:t>.</a:t>
+            </a:r>
+          </a:p>
+          <a:p>
+            <a:endParaRPr lang="ko-KR" altLang="en-US" dirty="0"/>
+          </a:p>
+        </p:txBody>
+      </p:sp>
+      <p:sp>
+        <p:nvSpPr>
+          <p:cNvPr id="12" name="사각형: 둥근 모서리 11">
+            <a:extLst>
+              <a:ext uri="{FF2B5EF4-FFF2-40B4-BE49-F238E27FC236}">
+                <a16:creationId xmlns:a16="http://schemas.microsoft.com/office/drawing/2014/main" id="{5949F473-CECE-42D7-8793-987057DED96F}"/>
+              </a:ext>
+            </a:extLst>
+          </p:cNvPr>
+          <p:cNvSpPr/>
+          <p:nvPr/>
+        </p:nvSpPr>
+        <p:spPr>
+          <a:xfrm>
+            <a:off x="6874745" y="4653772"/>
+            <a:ext cx="411061" cy="159390"/>
+          </a:xfrm>
+          <a:prstGeom prst="roundRect">
+            <a:avLst/>
+          </a:prstGeom>
+          <a:noFill/>
+          <a:ln>
+            <a:solidFill>
+              <a:srgbClr val="FF0000"/>
+            </a:solidFill>
+          </a:ln>
+        </p:spPr>
+        <p:style>
+          <a:lnRef idx="2">
+            <a:schemeClr val="accent1">
+              <a:shade val="50000"/>
+            </a:schemeClr>
+          </a:lnRef>
+          <a:fillRef idx="1">
+            <a:schemeClr val="accent1"/>
+          </a:fillRef>
+          <a:effectRef idx="0">
+            <a:schemeClr val="accent1"/>
+          </a:effectRef>
+          <a:fontRef idx="minor">
+            <a:schemeClr val="lt1"/>
+          </a:fontRef>
+        </p:style>
+        <p:txBody>
+          <a:bodyPr rtlCol="0" anchor="ctr"/>
+          <a:lstStyle/>
+          <a:p>
+            <a:pPr algn="ctr"/>
+            <a:endParaRPr lang="ko-KR" altLang="en-US"/>
+          </a:p>
+        </p:txBody>
+      </p:sp>
+      <p:pic>
+        <p:nvPicPr>
+          <p:cNvPr id="14" name="그림 13">
+            <a:extLst>
+              <a:ext uri="{FF2B5EF4-FFF2-40B4-BE49-F238E27FC236}">
+                <a16:creationId xmlns:a16="http://schemas.microsoft.com/office/drawing/2014/main" id="{E5353E41-A208-4F64-9604-1A46BF45FACD}"/>
+              </a:ext>
+            </a:extLst>
+          </p:cNvPr>
+          <p:cNvPicPr>
+            <a:picLocks noChangeAspect="1"/>
+          </p:cNvPicPr>
+          <p:nvPr/>
+        </p:nvPicPr>
+        <p:blipFill>
+          <a:blip r:embed="rId3">
+            <a:extLst>
+              <a:ext uri="{28A0092B-C50C-407E-A947-70E740481C1C}">
+                <a14:useLocalDpi xmlns:a14="http://schemas.microsoft.com/office/drawing/2010/main" val="0"/>
+              </a:ext>
+            </a:extLst>
+          </a:blip>
+          <a:stretch>
+            <a:fillRect/>
+          </a:stretch>
+        </p:blipFill>
+        <p:spPr>
+          <a:xfrm>
+            <a:off x="419450" y="5096909"/>
+            <a:ext cx="9144000" cy="625231"/>
+          </a:xfrm>
+          <a:prstGeom prst="rect">
+            <a:avLst/>
+          </a:prstGeom>
+        </p:spPr>
+      </p:pic>
+      <p:sp>
+        <p:nvSpPr>
+          <p:cNvPr id="15" name="타원 14">
+            <a:extLst>
+              <a:ext uri="{FF2B5EF4-FFF2-40B4-BE49-F238E27FC236}">
+                <a16:creationId xmlns:a16="http://schemas.microsoft.com/office/drawing/2014/main" id="{09CB0AA4-5B40-449C-A6A6-85A7BBDBD21B}"/>
+              </a:ext>
+            </a:extLst>
+          </p:cNvPr>
+          <p:cNvSpPr/>
+          <p:nvPr/>
+        </p:nvSpPr>
+        <p:spPr>
+          <a:xfrm>
+            <a:off x="360727" y="5096909"/>
+            <a:ext cx="268447" cy="263656"/>
+          </a:xfrm>
+          <a:prstGeom prst="ellipse">
+            <a:avLst/>
+          </a:prstGeom>
+          <a:noFill/>
+          <a:ln>
+            <a:solidFill>
+              <a:srgbClr val="FF0000"/>
+            </a:solidFill>
+          </a:ln>
+        </p:spPr>
+        <p:style>
+          <a:lnRef idx="2">
+            <a:schemeClr val="accent1">
+              <a:shade val="50000"/>
+            </a:schemeClr>
+          </a:lnRef>
+          <a:fillRef idx="1">
+            <a:schemeClr val="accent1"/>
+          </a:fillRef>
+          <a:effectRef idx="0">
+            <a:schemeClr val="accent1"/>
+          </a:effectRef>
+          <a:fontRef idx="minor">
+            <a:schemeClr val="lt1"/>
+          </a:fontRef>
+        </p:style>
+        <p:txBody>
+          <a:bodyPr rtlCol="0" anchor="ctr"/>
+          <a:lstStyle/>
+          <a:p>
+            <a:pPr algn="ctr"/>
+            <a:endParaRPr lang="ko-KR" altLang="en-US"/>
+          </a:p>
+        </p:txBody>
+      </p:sp>
+    </p:spTree>
+    <p:extLst>
+      <p:ext uri="{BB962C8B-B14F-4D97-AF65-F5344CB8AC3E}">
+        <p14:creationId xmlns:p14="http://schemas.microsoft.com/office/powerpoint/2010/main" val="148524709"/>
+      </p:ext>
+    </p:extLst>
+  </p:cSld>
+  <p:clrMapOvr>
+    <a:masterClrMapping/>
+  </p:clrMapOvr>
+</p:sld>
+</file>
+
+<file path=ppt/slides/slide3.xml><?xml version="1.0" encoding="utf-8"?>
+<p:sld xmlns:a="http://schemas.openxmlformats.org/drawingml/2006/main" xmlns:r="http://schemas.openxmlformats.org/officeDocument/2006/relationships" xmlns:p="http://schemas.openxmlformats.org/presentationml/2006/main">
+  <p:cSld>
+    <p:spTree>
+      <p:nvGrpSpPr>
+        <p:cNvPr id="1" name=""/>
+        <p:cNvGrpSpPr/>
+        <p:nvPr/>
+      </p:nvGrpSpPr>
+      <p:grpSpPr>
+        <a:xfrm>
+          <a:off x="0" y="0"/>
+          <a:ext cx="0" cy="0"/>
+          <a:chOff x="0" y="0"/>
+          <a:chExt cx="0" cy="0"/>
+        </a:xfrm>
+      </p:grpSpPr>
+      <p:sp>
+        <p:nvSpPr>
+          <p:cNvPr id="5" name="제목 4">
+            <a:extLst>
+              <a:ext uri="{FF2B5EF4-FFF2-40B4-BE49-F238E27FC236}">
+                <a16:creationId xmlns:a16="http://schemas.microsoft.com/office/drawing/2014/main" id="{16083B0F-FAC7-461A-BA20-38F2113C57F4}"/>
+              </a:ext>
+            </a:extLst>
+          </p:cNvPr>
+          <p:cNvSpPr>
+            <a:spLocks noGrp="1"/>
+          </p:cNvSpPr>
+          <p:nvPr>
+            <p:ph type="title"/>
+          </p:nvPr>
+        </p:nvSpPr>
+        <p:spPr/>
+        <p:txBody>
+          <a:bodyPr/>
+          <a:lstStyle/>
+          <a:p>
+            <a:r>
+              <a:rPr lang="en-US" altLang="ko-KR" dirty="0"/>
+              <a:t>(System) Integration</a:t>
+            </a:r>
+            <a:endParaRPr lang="ko-KR" altLang="en-US" dirty="0"/>
+          </a:p>
+        </p:txBody>
+      </p:sp>
+      <p:sp>
+        <p:nvSpPr>
+          <p:cNvPr id="6" name="내용 개체 틀 5">
+            <a:extLst>
+              <a:ext uri="{FF2B5EF4-FFF2-40B4-BE49-F238E27FC236}">
+                <a16:creationId xmlns:a16="http://schemas.microsoft.com/office/drawing/2014/main" id="{7A0F26E1-6555-41F8-B029-074FAD3AF829}"/>
+              </a:ext>
+            </a:extLst>
+          </p:cNvPr>
+          <p:cNvSpPr>
+            <a:spLocks noGrp="1"/>
+          </p:cNvSpPr>
+          <p:nvPr>
+            <p:ph idx="1"/>
+          </p:nvPr>
+        </p:nvSpPr>
+        <p:spPr/>
+        <p:txBody>
+          <a:bodyPr/>
+          <a:lstStyle/>
+          <a:p>
+            <a:r>
+              <a:rPr lang="ko-KR" altLang="en-US" sz="2200" dirty="0"/>
+              <a:t>시스템의 구성</a:t>
+            </a:r>
+            <a:endParaRPr lang="en-US" altLang="ko-KR" sz="2200" dirty="0"/>
+          </a:p>
+          <a:p>
+            <a:pPr lvl="1"/>
+            <a:r>
+              <a:rPr lang="ko-KR" altLang="en-US" sz="1800" dirty="0"/>
+              <a:t>최종 시스템은 여러 서브 시스템 혹은 서비스로 구성되고</a:t>
+            </a:r>
+            <a:r>
+              <a:rPr lang="en-US" altLang="ko-KR" sz="1800" dirty="0"/>
+              <a:t>,</a:t>
+            </a:r>
+          </a:p>
+          <a:p>
+            <a:pPr lvl="1"/>
+            <a:r>
+              <a:rPr lang="ko-KR" altLang="en-US" sz="1800" dirty="0"/>
+              <a:t>서브시스템</a:t>
+            </a:r>
+            <a:r>
+              <a:rPr lang="en-US" altLang="ko-KR" sz="1800" dirty="0"/>
+              <a:t>, </a:t>
+            </a:r>
+            <a:r>
+              <a:rPr lang="ko-KR" altLang="en-US" sz="1800" dirty="0"/>
+              <a:t>서비스는 여러 컴포넌트들로 구성되고</a:t>
+            </a:r>
+            <a:r>
+              <a:rPr lang="en-US" altLang="ko-KR" sz="1800" dirty="0"/>
+              <a:t>,</a:t>
+            </a:r>
+          </a:p>
+          <a:p>
+            <a:pPr lvl="1"/>
+            <a:r>
+              <a:rPr lang="ko-KR" altLang="en-US" sz="1800" dirty="0"/>
+              <a:t>컴포넌트는 여러 파일 및 함수들로 구성됨</a:t>
+            </a:r>
+            <a:endParaRPr lang="en-US" altLang="ko-KR" sz="1800" dirty="0"/>
+          </a:p>
+          <a:p>
+            <a:pPr lvl="2"/>
+            <a:r>
+              <a:rPr lang="en-US" altLang="ko-KR" sz="1600" dirty="0"/>
+              <a:t>(</a:t>
+            </a:r>
+            <a:r>
+              <a:rPr lang="ko-KR" altLang="en-US" sz="1600" dirty="0"/>
+              <a:t>용어는 환경에 따라 다를 수 있음</a:t>
+            </a:r>
+            <a:r>
+              <a:rPr lang="en-US" altLang="ko-KR" sz="1600" dirty="0"/>
+              <a:t>)</a:t>
+            </a:r>
+          </a:p>
+          <a:p>
+            <a:r>
+              <a:rPr lang="ko-KR" altLang="en-US" sz="2000" dirty="0"/>
+              <a:t>시스템의 여러 구성 요소들을 통합하여 최종 시스템으로 빌드하는 작업</a:t>
+            </a:r>
+            <a:endParaRPr lang="en-US" altLang="ko-KR" sz="2000" dirty="0"/>
+          </a:p>
+          <a:p>
+            <a:pPr lvl="1"/>
+            <a:r>
+              <a:rPr lang="ko-KR" altLang="en-US" sz="1800" dirty="0"/>
+              <a:t>모든 구성요소들을 </a:t>
+            </a:r>
+            <a:r>
+              <a:rPr lang="en-US" altLang="ko-KR" sz="1800" dirty="0"/>
+              <a:t>bottom-up </a:t>
+            </a:r>
+            <a:r>
+              <a:rPr lang="ko-KR" altLang="en-US" sz="1800" dirty="0"/>
+              <a:t>으로 조립하며</a:t>
+            </a:r>
+            <a:r>
+              <a:rPr lang="en-US" altLang="ko-KR" sz="1800" dirty="0"/>
+              <a:t>, </a:t>
+            </a:r>
+            <a:r>
+              <a:rPr lang="ko-KR" altLang="en-US" sz="1800" dirty="0"/>
+              <a:t>최종 시스템을 빌드</a:t>
+            </a:r>
+            <a:endParaRPr lang="en-US" altLang="ko-KR" sz="1800" dirty="0"/>
+          </a:p>
+          <a:p>
+            <a:pPr lvl="1"/>
+            <a:r>
+              <a:rPr lang="en-US" altLang="ko-KR" sz="1800" dirty="0"/>
+              <a:t>Integration test: </a:t>
+            </a:r>
+            <a:r>
+              <a:rPr lang="ko-KR" altLang="en-US" sz="1800" dirty="0"/>
+              <a:t>각 통합 단계 별로 테스트를 진행</a:t>
+            </a:r>
+            <a:endParaRPr lang="en-US" altLang="ko-KR" sz="1800" dirty="0"/>
+          </a:p>
+          <a:p>
+            <a:pPr lvl="2"/>
+            <a:r>
+              <a:rPr lang="ko-KR" altLang="en-US" sz="1600" dirty="0"/>
+              <a:t>최하위 컴포넌트</a:t>
+            </a:r>
+            <a:r>
+              <a:rPr lang="en-US" altLang="ko-KR" sz="1600" dirty="0"/>
+              <a:t>, </a:t>
+            </a:r>
+            <a:r>
+              <a:rPr lang="ko-KR" altLang="en-US" sz="1600" dirty="0"/>
+              <a:t>모듈들은 각기 </a:t>
+            </a:r>
+            <a:r>
+              <a:rPr lang="en-US" altLang="ko-KR" sz="1600" dirty="0"/>
+              <a:t>Unit test</a:t>
+            </a:r>
+            <a:r>
+              <a:rPr lang="ko-KR" altLang="en-US" sz="1600" dirty="0"/>
+              <a:t>를 통과한 상태</a:t>
+            </a:r>
+            <a:endParaRPr lang="en-US" altLang="ko-KR" sz="1600" dirty="0"/>
+          </a:p>
+          <a:p>
+            <a:pPr marL="0" indent="0">
+              <a:buNone/>
+            </a:pPr>
+            <a:r>
+              <a:rPr lang="en-US" altLang="ko-KR" sz="1800" dirty="0"/>
+              <a:t>* </a:t>
+            </a:r>
+            <a:r>
+              <a:rPr lang="ko-KR" altLang="en-US" sz="1800" dirty="0"/>
+              <a:t>참고</a:t>
+            </a:r>
+            <a:r>
+              <a:rPr lang="en-US" altLang="ko-KR" sz="1800" dirty="0"/>
+              <a:t>: System Integration(SI) </a:t>
+            </a:r>
+            <a:r>
+              <a:rPr lang="ko-KR" altLang="en-US" sz="1800" dirty="0"/>
+              <a:t>업체</a:t>
+            </a:r>
+            <a:endParaRPr lang="en-US" altLang="ko-KR" sz="1800" dirty="0"/>
+          </a:p>
+          <a:p>
+            <a:pPr lvl="1"/>
+            <a:r>
+              <a:rPr lang="ko-KR" altLang="en-US" sz="1600" dirty="0"/>
+              <a:t>고객사에 납품할 최종 시스템을 구축하기 위해 기획</a:t>
+            </a:r>
+            <a:r>
+              <a:rPr lang="en-US" altLang="ko-KR" sz="1600" dirty="0"/>
+              <a:t>, </a:t>
+            </a:r>
+            <a:r>
+              <a:rPr lang="ko-KR" altLang="en-US" sz="1600" dirty="0"/>
+              <a:t>개발</a:t>
+            </a:r>
+            <a:r>
+              <a:rPr lang="en-US" altLang="ko-KR" sz="1600" dirty="0"/>
+              <a:t>, </a:t>
+            </a:r>
+            <a:r>
+              <a:rPr lang="ko-KR" altLang="en-US" sz="1600" dirty="0"/>
+              <a:t>유지보수</a:t>
+            </a:r>
+            <a:r>
+              <a:rPr lang="en-US" altLang="ko-KR" sz="1600" dirty="0"/>
+              <a:t>, </a:t>
+            </a:r>
+            <a:r>
+              <a:rPr lang="ko-KR" altLang="en-US" sz="1600" dirty="0"/>
+              <a:t>운영 등을 수행하는 업체</a:t>
+            </a:r>
+            <a:endParaRPr lang="en-US" altLang="ko-KR" sz="1600" dirty="0"/>
+          </a:p>
+          <a:p>
+            <a:pPr lvl="1"/>
+            <a:r>
+              <a:rPr lang="ko-KR" altLang="en-US" sz="1600" dirty="0"/>
+              <a:t>보통 </a:t>
+            </a:r>
+            <a:r>
+              <a:rPr lang="en-US" altLang="ko-KR" sz="1600" dirty="0"/>
+              <a:t>SI</a:t>
+            </a:r>
+            <a:r>
+              <a:rPr lang="ko-KR" altLang="en-US" sz="1600" dirty="0"/>
+              <a:t>업체가 수주하고</a:t>
+            </a:r>
+            <a:r>
+              <a:rPr lang="en-US" altLang="ko-KR" sz="1600" dirty="0"/>
+              <a:t>, </a:t>
+            </a:r>
+            <a:r>
+              <a:rPr lang="ko-KR" altLang="en-US" sz="1600" dirty="0"/>
+              <a:t>전체 시스템의 설계를 수행하고</a:t>
+            </a:r>
+            <a:r>
+              <a:rPr lang="en-US" altLang="ko-KR" sz="1600" dirty="0"/>
+              <a:t>, </a:t>
+            </a:r>
+            <a:r>
+              <a:rPr lang="ko-KR" altLang="en-US" sz="1600" dirty="0"/>
+              <a:t>필요한 구성 요소들은 다시 하청을 통해 개발하는 경우가 많음 </a:t>
+            </a:r>
+            <a:r>
+              <a:rPr lang="en-US" altLang="ko-KR" sz="1600" dirty="0"/>
+              <a:t>-&gt; </a:t>
+            </a:r>
+            <a:r>
+              <a:rPr lang="ko-KR" altLang="en-US" sz="1600" dirty="0"/>
+              <a:t>각 하청에서 올라온 컴포넌트들을 </a:t>
+            </a:r>
+            <a:r>
+              <a:rPr lang="en-US" altLang="ko-KR" sz="1600" dirty="0"/>
+              <a:t>Integration</a:t>
+            </a:r>
+            <a:endParaRPr lang="ko-KR" altLang="en-US" sz="1600" dirty="0"/>
+          </a:p>
+        </p:txBody>
+      </p:sp>
+      <p:sp>
+        <p:nvSpPr>
+          <p:cNvPr id="4" name="슬라이드 번호 개체 틀 3">
+            <a:extLst>
+              <a:ext uri="{FF2B5EF4-FFF2-40B4-BE49-F238E27FC236}">
+                <a16:creationId xmlns:a16="http://schemas.microsoft.com/office/drawing/2014/main" id="{3593B8DB-69C3-4A5E-BE38-2B7509749376}"/>
+              </a:ext>
+            </a:extLst>
+          </p:cNvPr>
+          <p:cNvSpPr>
+            <a:spLocks noGrp="1"/>
+          </p:cNvSpPr>
+          <p:nvPr>
+            <p:ph type="sldNum" sz="quarter" idx="12"/>
+          </p:nvPr>
+        </p:nvSpPr>
+        <p:spPr/>
+        <p:txBody>
+          <a:bodyPr/>
+          <a:lstStyle/>
+          <a:p>
+            <a:fld id="{64F0D409-D3F6-4EEC-8C77-1F5E89989FFB}" type="slidenum">
+              <a:rPr lang="ko-KR" altLang="en-US" smtClean="0"/>
+              <a:pPr/>
+              <a:t>3</a:t>
+            </a:fld>
+            <a:endParaRPr lang="ko-KR" altLang="en-US"/>
+          </a:p>
+        </p:txBody>
+      </p:sp>
+    </p:spTree>
+    <p:extLst>
+      <p:ext uri="{BB962C8B-B14F-4D97-AF65-F5344CB8AC3E}">
+        <p14:creationId xmlns:p14="http://schemas.microsoft.com/office/powerpoint/2010/main" val="1666620557"/>
+      </p:ext>
+    </p:extLst>
+  </p:cSld>
+  <p:clrMapOvr>
+    <a:masterClrMapping/>
+  </p:clrMapOvr>
+</p:sld>
+</file>
+
+<file path=ppt/slides/slide30.xml><?xml version="1.0" encoding="utf-8"?>
+<p:sld xmlns:a="http://schemas.openxmlformats.org/drawingml/2006/main" xmlns:r="http://schemas.openxmlformats.org/officeDocument/2006/relationships" xmlns:p="http://schemas.openxmlformats.org/presentationml/2006/main">
+  <p:cSld>
+    <p:spTree>
+      <p:nvGrpSpPr>
+        <p:cNvPr id="1" name=""/>
+        <p:cNvGrpSpPr/>
+        <p:nvPr/>
+      </p:nvGrpSpPr>
+      <p:grpSpPr>
+        <a:xfrm>
+          <a:off x="0" y="0"/>
+          <a:ext cx="0" cy="0"/>
+          <a:chOff x="0" y="0"/>
+          <a:chExt cx="0" cy="0"/>
+        </a:xfrm>
+      </p:grpSpPr>
+      <p:sp>
+        <p:nvSpPr>
+          <p:cNvPr id="2" name="제목 1">
+            <a:extLst>
+              <a:ext uri="{FF2B5EF4-FFF2-40B4-BE49-F238E27FC236}">
+                <a16:creationId xmlns:a16="http://schemas.microsoft.com/office/drawing/2014/main" id="{3339752A-4AB0-46ED-92A3-5AB3769150AA}"/>
+              </a:ext>
+            </a:extLst>
+          </p:cNvPr>
+          <p:cNvSpPr>
+            <a:spLocks noGrp="1"/>
+          </p:cNvSpPr>
+          <p:nvPr>
+            <p:ph type="title"/>
+          </p:nvPr>
+        </p:nvSpPr>
+        <p:spPr/>
+        <p:txBody>
+          <a:bodyPr/>
+          <a:lstStyle/>
+          <a:p>
+            <a:r>
+              <a:rPr lang="en-US" altLang="ko-KR" dirty="0"/>
+              <a:t>SSH </a:t>
+            </a:r>
+            <a:r>
+              <a:rPr lang="ko-KR" altLang="en-US" dirty="0"/>
+              <a:t>서버 등록</a:t>
+            </a:r>
+          </a:p>
+        </p:txBody>
+      </p:sp>
+      <p:sp>
+        <p:nvSpPr>
+          <p:cNvPr id="4" name="슬라이드 번호 개체 틀 3">
+            <a:extLst>
+              <a:ext uri="{FF2B5EF4-FFF2-40B4-BE49-F238E27FC236}">
+                <a16:creationId xmlns:a16="http://schemas.microsoft.com/office/drawing/2014/main" id="{954198BD-6899-44CE-A2CC-86FE2DAE16F1}"/>
+              </a:ext>
+            </a:extLst>
+          </p:cNvPr>
+          <p:cNvSpPr>
+            <a:spLocks noGrp="1"/>
+          </p:cNvSpPr>
+          <p:nvPr>
+            <p:ph type="sldNum" sz="quarter" idx="12"/>
+          </p:nvPr>
+        </p:nvSpPr>
+        <p:spPr/>
+        <p:txBody>
+          <a:bodyPr/>
+          <a:lstStyle/>
+          <a:p>
+            <a:fld id="{64F0D409-D3F6-4EEC-8C77-1F5E89989FFB}" type="slidenum">
+              <a:rPr lang="ko-KR" altLang="en-US" smtClean="0"/>
+              <a:t>30</a:t>
             </a:fld>
             <a:endParaRPr lang="ko-KR" altLang="en-US"/>
           </a:p>
@@ -9122,7 +9981,7 @@
             </a:r>
             <a:r>
               <a:rPr lang="en-US" altLang="ko-KR" sz="2000" dirty="0"/>
-              <a:t>Test </a:t>
+              <a:t>Test Configuration</a:t>
             </a:r>
             <a:r>
               <a:rPr lang="ko-KR" altLang="en-US" sz="2000" dirty="0"/>
@@ -9161,7 +10020,7 @@
         </p:blipFill>
         <p:spPr>
           <a:xfrm>
-            <a:off x="5357812" y="529481"/>
+            <a:off x="5514883" y="161935"/>
             <a:ext cx="3068709" cy="1946815"/>
           </a:xfrm>
           <a:prstGeom prst="rect">
@@ -9187,7 +10046,7 @@
 </p:sld>
 </file>
 
-<file path=ppt/slides/slide29.xml><?xml version="1.0" encoding="utf-8"?>
+<file path=ppt/slides/slide31.xml><?xml version="1.0" encoding="utf-8"?>
 <p:sld xmlns:a="http://schemas.openxmlformats.org/drawingml/2006/main" xmlns:r="http://schemas.openxmlformats.org/officeDocument/2006/relationships" xmlns:p="http://schemas.openxmlformats.org/presentationml/2006/main">
   <p:cSld>
     <p:spTree>
@@ -9287,7 +10146,7 @@
           <a:p>
             <a:fld id="{64F0D409-D3F6-4EEC-8C77-1F5E89989FFB}" type="slidenum">
               <a:rPr lang="ko-KR" altLang="en-US" smtClean="0"/>
-              <a:t>29</a:t>
+              <a:t>31</a:t>
             </a:fld>
             <a:endParaRPr lang="ko-KR" altLang="en-US"/>
           </a:p>
@@ -9410,343 +10269,7 @@
 </p:sld>
 </file>
 
-<file path=ppt/slides/slide3.xml><?xml version="1.0" encoding="utf-8"?>
-<p:sld xmlns:a="http://schemas.openxmlformats.org/drawingml/2006/main" xmlns:r="http://schemas.openxmlformats.org/officeDocument/2006/relationships" xmlns:p="http://schemas.openxmlformats.org/presentationml/2006/main">
-  <p:cSld>
-    <p:spTree>
-      <p:nvGrpSpPr>
-        <p:cNvPr id="1" name=""/>
-        <p:cNvGrpSpPr/>
-        <p:nvPr/>
-      </p:nvGrpSpPr>
-      <p:grpSpPr>
-        <a:xfrm>
-          <a:off x="0" y="0"/>
-          <a:ext cx="0" cy="0"/>
-          <a:chOff x="0" y="0"/>
-          <a:chExt cx="0" cy="0"/>
-        </a:xfrm>
-      </p:grpSpPr>
-      <p:sp>
-        <p:nvSpPr>
-          <p:cNvPr id="5" name="제목 4">
-            <a:extLst>
-              <a:ext uri="{FF2B5EF4-FFF2-40B4-BE49-F238E27FC236}">
-                <a16:creationId xmlns:a16="http://schemas.microsoft.com/office/drawing/2014/main" id="{16083B0F-FAC7-461A-BA20-38F2113C57F4}"/>
-              </a:ext>
-            </a:extLst>
-          </p:cNvPr>
-          <p:cNvSpPr>
-            <a:spLocks noGrp="1"/>
-          </p:cNvSpPr>
-          <p:nvPr>
-            <p:ph type="title"/>
-          </p:nvPr>
-        </p:nvSpPr>
-        <p:spPr/>
-        <p:txBody>
-          <a:bodyPr/>
-          <a:lstStyle/>
-          <a:p>
-            <a:r>
-              <a:rPr lang="en-US" altLang="ko-KR" dirty="0"/>
-              <a:t>(System) Integration</a:t>
-            </a:r>
-            <a:endParaRPr lang="ko-KR" altLang="en-US" dirty="0"/>
-          </a:p>
-        </p:txBody>
-      </p:sp>
-      <p:sp>
-        <p:nvSpPr>
-          <p:cNvPr id="6" name="내용 개체 틀 5">
-            <a:extLst>
-              <a:ext uri="{FF2B5EF4-FFF2-40B4-BE49-F238E27FC236}">
-                <a16:creationId xmlns:a16="http://schemas.microsoft.com/office/drawing/2014/main" id="{7A0F26E1-6555-41F8-B029-074FAD3AF829}"/>
-              </a:ext>
-            </a:extLst>
-          </p:cNvPr>
-          <p:cNvSpPr>
-            <a:spLocks noGrp="1"/>
-          </p:cNvSpPr>
-          <p:nvPr>
-            <p:ph idx="1"/>
-          </p:nvPr>
-        </p:nvSpPr>
-        <p:spPr/>
-        <p:txBody>
-          <a:bodyPr/>
-          <a:lstStyle/>
-          <a:p>
-            <a:r>
-              <a:rPr lang="ko-KR" altLang="en-US" sz="2200" dirty="0"/>
-              <a:t>시스템의 구성</a:t>
-            </a:r>
-            <a:endParaRPr lang="en-US" altLang="ko-KR" sz="2200" dirty="0"/>
-          </a:p>
-          <a:p>
-            <a:pPr lvl="1"/>
-            <a:r>
-              <a:rPr lang="ko-KR" altLang="en-US" sz="1800" dirty="0"/>
-              <a:t>최종 시스템은 여러 서브 시스템 혹은 서비스로 구성되고</a:t>
-            </a:r>
-            <a:r>
-              <a:rPr lang="en-US" altLang="ko-KR" sz="1800" dirty="0"/>
-              <a:t>,</a:t>
-            </a:r>
-          </a:p>
-          <a:p>
-            <a:pPr lvl="1"/>
-            <a:r>
-              <a:rPr lang="ko-KR" altLang="en-US" sz="1800" dirty="0"/>
-              <a:t>서브시스템</a:t>
-            </a:r>
-            <a:r>
-              <a:rPr lang="en-US" altLang="ko-KR" sz="1800" dirty="0"/>
-              <a:t>, </a:t>
-            </a:r>
-            <a:r>
-              <a:rPr lang="ko-KR" altLang="en-US" sz="1800" dirty="0"/>
-              <a:t>서비스는 여러 컴포넌트들로 구성되고</a:t>
-            </a:r>
-            <a:r>
-              <a:rPr lang="en-US" altLang="ko-KR" sz="1800" dirty="0"/>
-              <a:t>,</a:t>
-            </a:r>
-          </a:p>
-          <a:p>
-            <a:pPr lvl="1"/>
-            <a:r>
-              <a:rPr lang="ko-KR" altLang="en-US" sz="1800" dirty="0"/>
-              <a:t>컴포넌트는 여러 파일 및 함수들로 구성됨</a:t>
-            </a:r>
-            <a:endParaRPr lang="en-US" altLang="ko-KR" sz="1800" dirty="0"/>
-          </a:p>
-          <a:p>
-            <a:pPr lvl="2"/>
-            <a:r>
-              <a:rPr lang="en-US" altLang="ko-KR" sz="1600" dirty="0"/>
-              <a:t>(</a:t>
-            </a:r>
-            <a:r>
-              <a:rPr lang="ko-KR" altLang="en-US" sz="1600" dirty="0"/>
-              <a:t>용어는 환경에 따라 다를 수 있음</a:t>
-            </a:r>
-            <a:r>
-              <a:rPr lang="en-US" altLang="ko-KR" sz="1600" dirty="0"/>
-              <a:t>)</a:t>
-            </a:r>
-          </a:p>
-          <a:p>
-            <a:r>
-              <a:rPr lang="ko-KR" altLang="en-US" sz="2000" dirty="0"/>
-              <a:t>시스템의 여러 구성 요소들을 통합하여 최종 시스템으로 빌드하는 작업</a:t>
-            </a:r>
-            <a:endParaRPr lang="en-US" altLang="ko-KR" sz="2000" dirty="0"/>
-          </a:p>
-          <a:p>
-            <a:pPr lvl="1"/>
-            <a:r>
-              <a:rPr lang="ko-KR" altLang="en-US" sz="1800" dirty="0"/>
-              <a:t>모든 구성요소들을 </a:t>
-            </a:r>
-            <a:r>
-              <a:rPr lang="en-US" altLang="ko-KR" sz="1800" dirty="0"/>
-              <a:t>bottom-up </a:t>
-            </a:r>
-            <a:r>
-              <a:rPr lang="ko-KR" altLang="en-US" sz="1800" dirty="0"/>
-              <a:t>으로 조립하며</a:t>
-            </a:r>
-            <a:r>
-              <a:rPr lang="en-US" altLang="ko-KR" sz="1800" dirty="0"/>
-              <a:t>, </a:t>
-            </a:r>
-            <a:r>
-              <a:rPr lang="ko-KR" altLang="en-US" sz="1800" dirty="0"/>
-              <a:t>최종 시스템을 빌드</a:t>
-            </a:r>
-            <a:endParaRPr lang="en-US" altLang="ko-KR" sz="1800" dirty="0"/>
-          </a:p>
-          <a:p>
-            <a:pPr lvl="1"/>
-            <a:r>
-              <a:rPr lang="en-US" altLang="ko-KR" sz="1800" dirty="0"/>
-              <a:t>Integration test: </a:t>
-            </a:r>
-            <a:r>
-              <a:rPr lang="ko-KR" altLang="en-US" sz="1800" dirty="0"/>
-              <a:t>각 통합 단계 별로 테스트를 진행</a:t>
-            </a:r>
-            <a:endParaRPr lang="en-US" altLang="ko-KR" sz="1800" dirty="0"/>
-          </a:p>
-          <a:p>
-            <a:pPr lvl="2"/>
-            <a:r>
-              <a:rPr lang="ko-KR" altLang="en-US" sz="1600" dirty="0"/>
-              <a:t>최하위 컴포넌트</a:t>
-            </a:r>
-            <a:r>
-              <a:rPr lang="en-US" altLang="ko-KR" sz="1600" dirty="0"/>
-              <a:t>, </a:t>
-            </a:r>
-            <a:r>
-              <a:rPr lang="ko-KR" altLang="en-US" sz="1600" dirty="0"/>
-              <a:t>모듈들은 각기 </a:t>
-            </a:r>
-            <a:r>
-              <a:rPr lang="en-US" altLang="ko-KR" sz="1600" dirty="0"/>
-              <a:t>Unit test</a:t>
-            </a:r>
-            <a:r>
-              <a:rPr lang="ko-KR" altLang="en-US" sz="1600" dirty="0"/>
-              <a:t>를 통과한 상태</a:t>
-            </a:r>
-            <a:endParaRPr lang="en-US" altLang="ko-KR" sz="1600" dirty="0"/>
-          </a:p>
-          <a:p>
-            <a:pPr marL="0" indent="0">
-              <a:buNone/>
-            </a:pPr>
-            <a:r>
-              <a:rPr lang="en-US" altLang="ko-KR" sz="1800" dirty="0"/>
-              <a:t>* </a:t>
-            </a:r>
-            <a:r>
-              <a:rPr lang="ko-KR" altLang="en-US" sz="1800" dirty="0"/>
-              <a:t>참고</a:t>
-            </a:r>
-            <a:r>
-              <a:rPr lang="en-US" altLang="ko-KR" sz="1800" dirty="0"/>
-              <a:t>: System Integration(SI) </a:t>
-            </a:r>
-            <a:r>
-              <a:rPr lang="ko-KR" altLang="en-US" sz="1800" dirty="0"/>
-              <a:t>업체</a:t>
-            </a:r>
-            <a:endParaRPr lang="en-US" altLang="ko-KR" sz="1800" dirty="0"/>
-          </a:p>
-          <a:p>
-            <a:pPr lvl="1"/>
-            <a:r>
-              <a:rPr lang="ko-KR" altLang="en-US" sz="1600" dirty="0"/>
-              <a:t>고객사에 납품할 최종 시스템을 구축하기 위해 기획</a:t>
-            </a:r>
-            <a:r>
-              <a:rPr lang="en-US" altLang="ko-KR" sz="1600" dirty="0"/>
-              <a:t>, </a:t>
-            </a:r>
-            <a:r>
-              <a:rPr lang="ko-KR" altLang="en-US" sz="1600" dirty="0"/>
-              <a:t>개발</a:t>
-            </a:r>
-            <a:r>
-              <a:rPr lang="en-US" altLang="ko-KR" sz="1600" dirty="0"/>
-              <a:t>, </a:t>
-            </a:r>
-            <a:r>
-              <a:rPr lang="ko-KR" altLang="en-US" sz="1600" dirty="0"/>
-              <a:t>유지보수</a:t>
-            </a:r>
-            <a:r>
-              <a:rPr lang="en-US" altLang="ko-KR" sz="1600" dirty="0"/>
-              <a:t>, </a:t>
-            </a:r>
-            <a:r>
-              <a:rPr lang="ko-KR" altLang="en-US" sz="1600" dirty="0"/>
-              <a:t>운영 등을 수행하는 업체</a:t>
-            </a:r>
-            <a:endParaRPr lang="en-US" altLang="ko-KR" sz="1600" dirty="0"/>
-          </a:p>
-          <a:p>
-            <a:pPr lvl="1"/>
-            <a:r>
-              <a:rPr lang="ko-KR" altLang="en-US" sz="1600" dirty="0"/>
-              <a:t>보통 </a:t>
-            </a:r>
-            <a:r>
-              <a:rPr lang="en-US" altLang="ko-KR" sz="1600" dirty="0"/>
-              <a:t>SI</a:t>
-            </a:r>
-            <a:r>
-              <a:rPr lang="ko-KR" altLang="en-US" sz="1600" dirty="0"/>
-              <a:t>업체가 수주하고</a:t>
-            </a:r>
-            <a:r>
-              <a:rPr lang="en-US" altLang="ko-KR" sz="1600" dirty="0"/>
-              <a:t>, </a:t>
-            </a:r>
-            <a:r>
-              <a:rPr lang="ko-KR" altLang="en-US" sz="1600" dirty="0"/>
-              <a:t>전체 시스템의 설계를 수행하고</a:t>
-            </a:r>
-            <a:r>
-              <a:rPr lang="en-US" altLang="ko-KR" sz="1600" dirty="0"/>
-              <a:t>, </a:t>
-            </a:r>
-            <a:r>
-              <a:rPr lang="ko-KR" altLang="en-US" sz="1600" dirty="0"/>
-              <a:t>필요한 구성 요소들은 다시 하청을 통해 개발하는 경우가 많음 </a:t>
-            </a:r>
-            <a:r>
-              <a:rPr lang="en-US" altLang="ko-KR" sz="1600" dirty="0"/>
-              <a:t>-&gt; </a:t>
-            </a:r>
-            <a:r>
-              <a:rPr lang="ko-KR" altLang="en-US" sz="1600" dirty="0"/>
-              <a:t>각 하청에서 올라온 컴포넌트들을 </a:t>
-            </a:r>
-            <a:r>
-              <a:rPr lang="en-US" altLang="ko-KR" sz="1600" dirty="0"/>
-              <a:t>Integration</a:t>
-            </a:r>
-            <a:endParaRPr lang="ko-KR" altLang="en-US" sz="1600" dirty="0"/>
-          </a:p>
-        </p:txBody>
-      </p:sp>
-      <p:sp>
-        <p:nvSpPr>
-          <p:cNvPr id="4" name="슬라이드 번호 개체 틀 3">
-            <a:extLst>
-              <a:ext uri="{FF2B5EF4-FFF2-40B4-BE49-F238E27FC236}">
-                <a16:creationId xmlns:a16="http://schemas.microsoft.com/office/drawing/2014/main" id="{3593B8DB-69C3-4A5E-BE38-2B7509749376}"/>
-              </a:ext>
-            </a:extLst>
-          </p:cNvPr>
-          <p:cNvSpPr>
-            <a:spLocks noGrp="1"/>
-          </p:cNvSpPr>
-          <p:nvPr>
-            <p:ph type="sldNum" sz="quarter" idx="12"/>
-          </p:nvPr>
-        </p:nvSpPr>
-        <p:spPr/>
-        <p:txBody>
-          <a:bodyPr/>
-          <a:lstStyle/>
-          <a:p>
-            <a:fld id="{64F0D409-D3F6-4EEC-8C77-1F5E89989FFB}" type="slidenum">
-              <a:rPr lang="ko-KR" altLang="en-US" smtClean="0"/>
-              <a:pPr/>
-              <a:t>3</a:t>
-            </a:fld>
-            <a:endParaRPr lang="ko-KR" altLang="en-US"/>
-          </a:p>
-        </p:txBody>
-      </p:sp>
-    </p:spTree>
-    <p:extLst>
-      <p:ext uri="{BB962C8B-B14F-4D97-AF65-F5344CB8AC3E}">
-        <p14:creationId xmlns:p14="http://schemas.microsoft.com/office/powerpoint/2010/main" val="1666620557"/>
-      </p:ext>
-    </p:extLst>
-  </p:cSld>
-  <p:clrMapOvr>
-    <a:masterClrMapping/>
-  </p:clrMapOvr>
-</p:sld>
-</file>
-
-<file path=ppt/slides/slide30.xml><?xml version="1.0" encoding="utf-8"?>
+<file path=ppt/slides/slide32.xml><?xml version="1.0" encoding="utf-8"?>
 <p:sld xmlns:a="http://schemas.openxmlformats.org/drawingml/2006/main" xmlns:r="http://schemas.openxmlformats.org/officeDocument/2006/relationships" xmlns:p="http://schemas.openxmlformats.org/presentationml/2006/main">
   <p:cSld>
     <p:spTree>
@@ -9846,7 +10369,7 @@
           <a:p>
             <a:fld id="{64F0D409-D3F6-4EEC-8C77-1F5E89989FFB}" type="slidenum">
               <a:rPr lang="ko-KR" altLang="en-US" smtClean="0"/>
-              <a:t>30</a:t>
+              <a:t>32</a:t>
             </a:fld>
             <a:endParaRPr lang="ko-KR" altLang="en-US"/>
           </a:p>
@@ -9969,7 +10492,7 @@
 </p:sld>
 </file>
 
-<file path=ppt/slides/slide31.xml><?xml version="1.0" encoding="utf-8"?>
+<file path=ppt/slides/slide33.xml><?xml version="1.0" encoding="utf-8"?>
 <p:sld xmlns:a="http://schemas.openxmlformats.org/drawingml/2006/main" xmlns:r="http://schemas.openxmlformats.org/officeDocument/2006/relationships" xmlns:p="http://schemas.openxmlformats.org/presentationml/2006/main">
   <p:cSld>
     <p:spTree>
@@ -10070,7 +10593,7 @@
           <a:p>
             <a:fld id="{64F0D409-D3F6-4EEC-8C77-1F5E89989FFB}" type="slidenum">
               <a:rPr lang="ko-KR" altLang="en-US" smtClean="0"/>
-              <a:t>31</a:t>
+              <a:t>33</a:t>
             </a:fld>
             <a:endParaRPr lang="ko-KR" altLang="en-US"/>
           </a:p>
@@ -10089,7 +10612,7 @@
 </p:sld>
 </file>
 
-<file path=ppt/slides/slide32.xml><?xml version="1.0" encoding="utf-8"?>
+<file path=ppt/slides/slide34.xml><?xml version="1.0" encoding="utf-8"?>
 <p:sld xmlns:a="http://schemas.openxmlformats.org/drawingml/2006/main" xmlns:r="http://schemas.openxmlformats.org/officeDocument/2006/relationships" xmlns:p="http://schemas.openxmlformats.org/presentationml/2006/main">
   <p:cSld>
     <p:spTree>
@@ -10189,7 +10712,7 @@
           <a:p>
             <a:fld id="{64F0D409-D3F6-4EEC-8C77-1F5E89989FFB}" type="slidenum">
               <a:rPr lang="ko-KR" altLang="en-US" smtClean="0"/>
-              <a:t>32</a:t>
+              <a:t>34</a:t>
             </a:fld>
             <a:endParaRPr lang="ko-KR" altLang="en-US"/>
           </a:p>
@@ -10312,7 +10835,7 @@
 </p:sld>
 </file>
 
-<file path=ppt/slides/slide33.xml><?xml version="1.0" encoding="utf-8"?>
+<file path=ppt/slides/slide35.xml><?xml version="1.0" encoding="utf-8"?>
 <p:sld xmlns:a="http://schemas.openxmlformats.org/drawingml/2006/main" xmlns:r="http://schemas.openxmlformats.org/officeDocument/2006/relationships" xmlns:p="http://schemas.openxmlformats.org/presentationml/2006/main">
   <p:cSld>
     <p:spTree>
@@ -10441,7 +10964,7 @@
           <a:p>
             <a:fld id="{64F0D409-D3F6-4EEC-8C77-1F5E89989FFB}" type="slidenum">
               <a:rPr lang="ko-KR" altLang="en-US" smtClean="0"/>
-              <a:t>33</a:t>
+              <a:t>35</a:t>
             </a:fld>
             <a:endParaRPr lang="ko-KR" altLang="en-US"/>
           </a:p>
@@ -10512,7 +11035,7 @@
 </p:sld>
 </file>
 
-<file path=ppt/slides/slide34.xml><?xml version="1.0" encoding="utf-8"?>
+<file path=ppt/slides/slide36.xml><?xml version="1.0" encoding="utf-8"?>
 <p:sld xmlns:a="http://schemas.openxmlformats.org/drawingml/2006/main" xmlns:r="http://schemas.openxmlformats.org/officeDocument/2006/relationships" xmlns:p="http://schemas.openxmlformats.org/presentationml/2006/main">
   <p:cSld>
     <p:spTree>
@@ -10616,7 +11139,7 @@
           <a:p>
             <a:fld id="{64F0D409-D3F6-4EEC-8C77-1F5E89989FFB}" type="slidenum">
               <a:rPr lang="ko-KR" altLang="en-US" smtClean="0"/>
-              <a:t>34</a:t>
+              <a:t>36</a:t>
             </a:fld>
             <a:endParaRPr lang="ko-KR" altLang="en-US"/>
           </a:p>
@@ -10687,7 +11210,7 @@
 </p:sld>
 </file>
 
-<file path=ppt/slides/slide35.xml><?xml version="1.0" encoding="utf-8"?>
+<file path=ppt/slides/slide37.xml><?xml version="1.0" encoding="utf-8"?>
 <p:sld xmlns:a="http://schemas.openxmlformats.org/drawingml/2006/main" xmlns:r="http://schemas.openxmlformats.org/officeDocument/2006/relationships" xmlns:p="http://schemas.openxmlformats.org/presentationml/2006/main">
   <p:cSld>
     <p:spTree>
@@ -10796,7 +11319,7 @@
           <a:p>
             <a:fld id="{64F0D409-D3F6-4EEC-8C77-1F5E89989FFB}" type="slidenum">
               <a:rPr lang="ko-KR" altLang="en-US" smtClean="0"/>
-              <a:t>35</a:t>
+              <a:t>37</a:t>
             </a:fld>
             <a:endParaRPr lang="ko-KR" altLang="en-US"/>
           </a:p>
@@ -10867,7 +11390,7 @@
 </p:sld>
 </file>
 
-<file path=ppt/slides/slide36.xml><?xml version="1.0" encoding="utf-8"?>
+<file path=ppt/slides/slide38.xml><?xml version="1.0" encoding="utf-8"?>
 <p:sld xmlns:a="http://schemas.openxmlformats.org/drawingml/2006/main" xmlns:r="http://schemas.openxmlformats.org/officeDocument/2006/relationships" xmlns:p="http://schemas.openxmlformats.org/presentationml/2006/main">
   <p:cSld>
     <p:spTree>
@@ -10967,7 +11490,7 @@
           <a:p>
             <a:fld id="{64F0D409-D3F6-4EEC-8C77-1F5E89989FFB}" type="slidenum">
               <a:rPr lang="ko-KR" altLang="en-US" smtClean="0"/>
-              <a:t>36</a:t>
+              <a:t>38</a:t>
             </a:fld>
             <a:endParaRPr lang="ko-KR" altLang="en-US"/>
           </a:p>
@@ -10977,311 +11500,6 @@
     <p:extLst>
       <p:ext uri="{BB962C8B-B14F-4D97-AF65-F5344CB8AC3E}">
         <p14:creationId xmlns:p14="http://schemas.microsoft.com/office/powerpoint/2010/main" val="3566446308"/>
-      </p:ext>
-    </p:extLst>
-  </p:cSld>
-  <p:clrMapOvr>
-    <a:masterClrMapping/>
-  </p:clrMapOvr>
-</p:sld>
-</file>
-
-<file path=ppt/slides/slide37.xml><?xml version="1.0" encoding="utf-8"?>
-<p:sld xmlns:a="http://schemas.openxmlformats.org/drawingml/2006/main" xmlns:r="http://schemas.openxmlformats.org/officeDocument/2006/relationships" xmlns:p="http://schemas.openxmlformats.org/presentationml/2006/main">
-  <p:cSld>
-    <p:spTree>
-      <p:nvGrpSpPr>
-        <p:cNvPr id="1" name=""/>
-        <p:cNvGrpSpPr/>
-        <p:nvPr/>
-      </p:nvGrpSpPr>
-      <p:grpSpPr>
-        <a:xfrm>
-          <a:off x="0" y="0"/>
-          <a:ext cx="0" cy="0"/>
-          <a:chOff x="0" y="0"/>
-          <a:chExt cx="0" cy="0"/>
-        </a:xfrm>
-      </p:grpSpPr>
-      <p:sp>
-        <p:nvSpPr>
-          <p:cNvPr id="2" name="제목 1">
-            <a:extLst>
-              <a:ext uri="{FF2B5EF4-FFF2-40B4-BE49-F238E27FC236}">
-                <a16:creationId xmlns:a16="http://schemas.microsoft.com/office/drawing/2014/main" id="{58933D1B-948A-4FED-B785-B4D44E533E98}"/>
-              </a:ext>
-            </a:extLst>
-          </p:cNvPr>
-          <p:cNvSpPr>
-            <a:spLocks noGrp="1"/>
-          </p:cNvSpPr>
-          <p:nvPr>
-            <p:ph type="title"/>
-          </p:nvPr>
-        </p:nvSpPr>
-        <p:spPr/>
-        <p:txBody>
-          <a:bodyPr/>
-          <a:lstStyle/>
-          <a:p>
-            <a:r>
-              <a:rPr lang="en-US" altLang="ko-KR" dirty="0"/>
-              <a:t>Build (</a:t>
-            </a:r>
-            <a:r>
-              <a:rPr lang="ko-KR" altLang="en-US" dirty="0"/>
-              <a:t>실제 수행할 작업들</a:t>
-            </a:r>
-            <a:r>
-              <a:rPr lang="en-US" altLang="ko-KR" dirty="0"/>
-              <a:t>)</a:t>
-            </a:r>
-            <a:endParaRPr lang="ko-KR" altLang="en-US" dirty="0"/>
-          </a:p>
-        </p:txBody>
-      </p:sp>
-      <p:pic>
-        <p:nvPicPr>
-          <p:cNvPr id="5" name="내용 개체 틀 4">
-            <a:extLst>
-              <a:ext uri="{FF2B5EF4-FFF2-40B4-BE49-F238E27FC236}">
-                <a16:creationId xmlns:a16="http://schemas.microsoft.com/office/drawing/2014/main" id="{E2BA9561-D437-4198-BDA5-9A2DEB3E29D7}"/>
-              </a:ext>
-            </a:extLst>
-          </p:cNvPr>
-          <p:cNvPicPr>
-            <a:picLocks noGrp="1" noChangeAspect="1"/>
-          </p:cNvPicPr>
-          <p:nvPr>
-            <p:ph idx="1"/>
-          </p:nvPr>
-        </p:nvPicPr>
-        <p:blipFill>
-          <a:blip r:embed="rId2"/>
-          <a:stretch>
-            <a:fillRect/>
-          </a:stretch>
-        </p:blipFill>
-        <p:spPr>
-          <a:xfrm>
-            <a:off x="395288" y="1921640"/>
-            <a:ext cx="8353425" cy="3543358"/>
-          </a:xfrm>
-          <a:prstGeom prst="rect">
-            <a:avLst/>
-          </a:prstGeom>
-        </p:spPr>
-      </p:pic>
-      <p:sp>
-        <p:nvSpPr>
-          <p:cNvPr id="4" name="슬라이드 번호 개체 틀 3">
-            <a:extLst>
-              <a:ext uri="{FF2B5EF4-FFF2-40B4-BE49-F238E27FC236}">
-                <a16:creationId xmlns:a16="http://schemas.microsoft.com/office/drawing/2014/main" id="{354591C9-5AB7-4AE8-8DDC-3AFADD33082F}"/>
-              </a:ext>
-            </a:extLst>
-          </p:cNvPr>
-          <p:cNvSpPr>
-            <a:spLocks noGrp="1"/>
-          </p:cNvSpPr>
-          <p:nvPr>
-            <p:ph type="sldNum" sz="quarter" idx="12"/>
-          </p:nvPr>
-        </p:nvSpPr>
-        <p:spPr/>
-        <p:txBody>
-          <a:bodyPr/>
-          <a:lstStyle/>
-          <a:p>
-            <a:fld id="{64F0D409-D3F6-4EEC-8C77-1F5E89989FFB}" type="slidenum">
-              <a:rPr lang="ko-KR" altLang="en-US" smtClean="0"/>
-              <a:t>37</a:t>
-            </a:fld>
-            <a:endParaRPr lang="ko-KR" altLang="en-US"/>
-          </a:p>
-        </p:txBody>
-      </p:sp>
-      <p:sp>
-        <p:nvSpPr>
-          <p:cNvPr id="7" name="직사각형 6">
-            <a:extLst>
-              <a:ext uri="{FF2B5EF4-FFF2-40B4-BE49-F238E27FC236}">
-                <a16:creationId xmlns:a16="http://schemas.microsoft.com/office/drawing/2014/main" id="{3884B4EF-2770-43A7-8EC8-BB91017704D8}"/>
-              </a:ext>
-            </a:extLst>
-          </p:cNvPr>
-          <p:cNvSpPr/>
-          <p:nvPr/>
-        </p:nvSpPr>
-        <p:spPr>
-          <a:xfrm>
-            <a:off x="1408328" y="1393002"/>
-            <a:ext cx="6801862" cy="369332"/>
-          </a:xfrm>
-          <a:prstGeom prst="rect">
-            <a:avLst/>
-          </a:prstGeom>
-        </p:spPr>
-        <p:txBody>
-          <a:bodyPr wrap="none">
-            <a:spAutoFit/>
-          </a:bodyPr>
-          <a:lstStyle/>
-          <a:p>
-            <a:r>
-              <a:rPr lang="en-US" altLang="ko-KR" dirty="0"/>
-              <a:t>* </a:t>
-            </a:r>
-            <a:r>
-              <a:rPr lang="ko-KR" altLang="en-US" dirty="0"/>
-              <a:t>일단 </a:t>
-            </a:r>
-            <a:r>
-              <a:rPr lang="en-US" altLang="ko-KR" dirty="0"/>
-              <a:t>GitHub </a:t>
-            </a:r>
-            <a:r>
-              <a:rPr lang="ko-KR" altLang="en-US" dirty="0"/>
-              <a:t>와의 연동 테스트를 위해 간단한 메시지 출력만 수행</a:t>
-            </a:r>
-          </a:p>
-        </p:txBody>
-      </p:sp>
-    </p:spTree>
-    <p:extLst>
-      <p:ext uri="{BB962C8B-B14F-4D97-AF65-F5344CB8AC3E}">
-        <p14:creationId xmlns:p14="http://schemas.microsoft.com/office/powerpoint/2010/main" val="869932589"/>
-      </p:ext>
-    </p:extLst>
-  </p:cSld>
-  <p:clrMapOvr>
-    <a:masterClrMapping/>
-  </p:clrMapOvr>
-</p:sld>
-</file>
-
-<file path=ppt/slides/slide38.xml><?xml version="1.0" encoding="utf-8"?>
-<p:sld xmlns:a="http://schemas.openxmlformats.org/drawingml/2006/main" xmlns:r="http://schemas.openxmlformats.org/officeDocument/2006/relationships" xmlns:p="http://schemas.openxmlformats.org/presentationml/2006/main">
-  <p:cSld>
-    <p:spTree>
-      <p:nvGrpSpPr>
-        <p:cNvPr id="1" name=""/>
-        <p:cNvGrpSpPr/>
-        <p:nvPr/>
-      </p:nvGrpSpPr>
-      <p:grpSpPr>
-        <a:xfrm>
-          <a:off x="0" y="0"/>
-          <a:ext cx="0" cy="0"/>
-          <a:chOff x="0" y="0"/>
-          <a:chExt cx="0" cy="0"/>
-        </a:xfrm>
-      </p:grpSpPr>
-      <p:sp>
-        <p:nvSpPr>
-          <p:cNvPr id="2" name="제목 1">
-            <a:extLst>
-              <a:ext uri="{FF2B5EF4-FFF2-40B4-BE49-F238E27FC236}">
-                <a16:creationId xmlns:a16="http://schemas.microsoft.com/office/drawing/2014/main" id="{2CA04278-A0DF-42CA-A1B3-DD675F950C6E}"/>
-              </a:ext>
-            </a:extLst>
-          </p:cNvPr>
-          <p:cNvSpPr>
-            <a:spLocks noGrp="1"/>
-          </p:cNvSpPr>
-          <p:nvPr>
-            <p:ph type="title"/>
-          </p:nvPr>
-        </p:nvSpPr>
-        <p:spPr/>
-        <p:txBody>
-          <a:bodyPr/>
-          <a:lstStyle/>
-          <a:p>
-            <a:r>
-              <a:rPr lang="en-US" altLang="ko-KR" dirty="0"/>
-              <a:t>GitHub Webhook </a:t>
-            </a:r>
-            <a:r>
-              <a:rPr lang="ko-KR" altLang="en-US" dirty="0"/>
-              <a:t>을 통한 </a:t>
-            </a:r>
-            <a:r>
-              <a:rPr lang="en-US" altLang="ko-KR" dirty="0"/>
-              <a:t>Jenkins </a:t>
-            </a:r>
-            <a:r>
-              <a:rPr lang="ko-KR" altLang="en-US" dirty="0"/>
-              <a:t>연동</a:t>
-            </a:r>
-          </a:p>
-        </p:txBody>
-      </p:sp>
-      <p:pic>
-        <p:nvPicPr>
-          <p:cNvPr id="5" name="내용 개체 틀 4">
-            <a:extLst>
-              <a:ext uri="{FF2B5EF4-FFF2-40B4-BE49-F238E27FC236}">
-                <a16:creationId xmlns:a16="http://schemas.microsoft.com/office/drawing/2014/main" id="{436CE153-B25B-4818-ABEA-B34F929DF4D1}"/>
-              </a:ext>
-            </a:extLst>
-          </p:cNvPr>
-          <p:cNvPicPr>
-            <a:picLocks noGrp="1" noChangeAspect="1"/>
-          </p:cNvPicPr>
-          <p:nvPr>
-            <p:ph idx="1"/>
-          </p:nvPr>
-        </p:nvPicPr>
-        <p:blipFill>
-          <a:blip r:embed="rId2"/>
-          <a:stretch>
-            <a:fillRect/>
-          </a:stretch>
-        </p:blipFill>
-        <p:spPr>
-          <a:xfrm>
-            <a:off x="395288" y="1526092"/>
-            <a:ext cx="8353425" cy="4334453"/>
-          </a:xfrm>
-          <a:prstGeom prst="rect">
-            <a:avLst/>
-          </a:prstGeom>
-        </p:spPr>
-      </p:pic>
-      <p:sp>
-        <p:nvSpPr>
-          <p:cNvPr id="4" name="슬라이드 번호 개체 틀 3">
-            <a:extLst>
-              <a:ext uri="{FF2B5EF4-FFF2-40B4-BE49-F238E27FC236}">
-                <a16:creationId xmlns:a16="http://schemas.microsoft.com/office/drawing/2014/main" id="{2CB74FB3-305B-4FB7-AA96-B745527E2388}"/>
-              </a:ext>
-            </a:extLst>
-          </p:cNvPr>
-          <p:cNvSpPr>
-            <a:spLocks noGrp="1"/>
-          </p:cNvSpPr>
-          <p:nvPr>
-            <p:ph type="sldNum" sz="quarter" idx="12"/>
-          </p:nvPr>
-        </p:nvSpPr>
-        <p:spPr/>
-        <p:txBody>
-          <a:bodyPr/>
-          <a:lstStyle/>
-          <a:p>
-            <a:fld id="{64F0D409-D3F6-4EEC-8C77-1F5E89989FFB}" type="slidenum">
-              <a:rPr lang="ko-KR" altLang="en-US" smtClean="0"/>
-              <a:t>38</a:t>
-            </a:fld>
-            <a:endParaRPr lang="ko-KR" altLang="en-US"/>
-          </a:p>
-        </p:txBody>
-      </p:sp>
-    </p:spTree>
-    <p:extLst>
-      <p:ext uri="{BB962C8B-B14F-4D97-AF65-F5344CB8AC3E}">
-        <p14:creationId xmlns:p14="http://schemas.microsoft.com/office/powerpoint/2010/main" val="3086328396"/>
       </p:ext>
     </p:extLst>
   </p:cSld>
@@ -11313,6 +11531,765 @@
           <p:cNvPr id="2" name="제목 1">
             <a:extLst>
               <a:ext uri="{FF2B5EF4-FFF2-40B4-BE49-F238E27FC236}">
+                <a16:creationId xmlns:a16="http://schemas.microsoft.com/office/drawing/2014/main" id="{58933D1B-948A-4FED-B785-B4D44E533E98}"/>
+              </a:ext>
+            </a:extLst>
+          </p:cNvPr>
+          <p:cNvSpPr>
+            <a:spLocks noGrp="1"/>
+          </p:cNvSpPr>
+          <p:nvPr>
+            <p:ph type="title"/>
+          </p:nvPr>
+        </p:nvSpPr>
+        <p:spPr/>
+        <p:txBody>
+          <a:bodyPr/>
+          <a:lstStyle/>
+          <a:p>
+            <a:r>
+              <a:rPr lang="en-US" altLang="ko-KR" dirty="0"/>
+              <a:t>Build (</a:t>
+            </a:r>
+            <a:r>
+              <a:rPr lang="ko-KR" altLang="en-US" dirty="0"/>
+              <a:t>실제 수행할 작업들</a:t>
+            </a:r>
+            <a:r>
+              <a:rPr lang="en-US" altLang="ko-KR" dirty="0"/>
+              <a:t>)</a:t>
+            </a:r>
+            <a:endParaRPr lang="ko-KR" altLang="en-US" dirty="0"/>
+          </a:p>
+        </p:txBody>
+      </p:sp>
+      <p:pic>
+        <p:nvPicPr>
+          <p:cNvPr id="5" name="내용 개체 틀 4">
+            <a:extLst>
+              <a:ext uri="{FF2B5EF4-FFF2-40B4-BE49-F238E27FC236}">
+                <a16:creationId xmlns:a16="http://schemas.microsoft.com/office/drawing/2014/main" id="{E2BA9561-D437-4198-BDA5-9A2DEB3E29D7}"/>
+              </a:ext>
+            </a:extLst>
+          </p:cNvPr>
+          <p:cNvPicPr>
+            <a:picLocks noGrp="1" noChangeAspect="1"/>
+          </p:cNvPicPr>
+          <p:nvPr>
+            <p:ph idx="1"/>
+          </p:nvPr>
+        </p:nvPicPr>
+        <p:blipFill>
+          <a:blip r:embed="rId2"/>
+          <a:stretch>
+            <a:fillRect/>
+          </a:stretch>
+        </p:blipFill>
+        <p:spPr>
+          <a:xfrm>
+            <a:off x="395288" y="1921640"/>
+            <a:ext cx="8353425" cy="3543358"/>
+          </a:xfrm>
+          <a:prstGeom prst="rect">
+            <a:avLst/>
+          </a:prstGeom>
+        </p:spPr>
+      </p:pic>
+      <p:sp>
+        <p:nvSpPr>
+          <p:cNvPr id="4" name="슬라이드 번호 개체 틀 3">
+            <a:extLst>
+              <a:ext uri="{FF2B5EF4-FFF2-40B4-BE49-F238E27FC236}">
+                <a16:creationId xmlns:a16="http://schemas.microsoft.com/office/drawing/2014/main" id="{354591C9-5AB7-4AE8-8DDC-3AFADD33082F}"/>
+              </a:ext>
+            </a:extLst>
+          </p:cNvPr>
+          <p:cNvSpPr>
+            <a:spLocks noGrp="1"/>
+          </p:cNvSpPr>
+          <p:nvPr>
+            <p:ph type="sldNum" sz="quarter" idx="12"/>
+          </p:nvPr>
+        </p:nvSpPr>
+        <p:spPr/>
+        <p:txBody>
+          <a:bodyPr/>
+          <a:lstStyle/>
+          <a:p>
+            <a:fld id="{64F0D409-D3F6-4EEC-8C77-1F5E89989FFB}" type="slidenum">
+              <a:rPr lang="ko-KR" altLang="en-US" smtClean="0"/>
+              <a:t>39</a:t>
+            </a:fld>
+            <a:endParaRPr lang="ko-KR" altLang="en-US"/>
+          </a:p>
+        </p:txBody>
+      </p:sp>
+      <p:sp>
+        <p:nvSpPr>
+          <p:cNvPr id="7" name="직사각형 6">
+            <a:extLst>
+              <a:ext uri="{FF2B5EF4-FFF2-40B4-BE49-F238E27FC236}">
+                <a16:creationId xmlns:a16="http://schemas.microsoft.com/office/drawing/2014/main" id="{3884B4EF-2770-43A7-8EC8-BB91017704D8}"/>
+              </a:ext>
+            </a:extLst>
+          </p:cNvPr>
+          <p:cNvSpPr/>
+          <p:nvPr/>
+        </p:nvSpPr>
+        <p:spPr>
+          <a:xfrm>
+            <a:off x="1408328" y="1393002"/>
+            <a:ext cx="6801862" cy="369332"/>
+          </a:xfrm>
+          <a:prstGeom prst="rect">
+            <a:avLst/>
+          </a:prstGeom>
+        </p:spPr>
+        <p:txBody>
+          <a:bodyPr wrap="none">
+            <a:spAutoFit/>
+          </a:bodyPr>
+          <a:lstStyle/>
+          <a:p>
+            <a:r>
+              <a:rPr lang="en-US" altLang="ko-KR" dirty="0"/>
+              <a:t>* </a:t>
+            </a:r>
+            <a:r>
+              <a:rPr lang="ko-KR" altLang="en-US" dirty="0"/>
+              <a:t>일단 </a:t>
+            </a:r>
+            <a:r>
+              <a:rPr lang="en-US" altLang="ko-KR" dirty="0"/>
+              <a:t>GitHub </a:t>
+            </a:r>
+            <a:r>
+              <a:rPr lang="ko-KR" altLang="en-US" dirty="0"/>
+              <a:t>와의 연동 테스트를 위해 간단한 메시지 출력만 수행</a:t>
+            </a:r>
+          </a:p>
+        </p:txBody>
+      </p:sp>
+    </p:spTree>
+    <p:extLst>
+      <p:ext uri="{BB962C8B-B14F-4D97-AF65-F5344CB8AC3E}">
+        <p14:creationId xmlns:p14="http://schemas.microsoft.com/office/powerpoint/2010/main" val="869932589"/>
+      </p:ext>
+    </p:extLst>
+  </p:cSld>
+  <p:clrMapOvr>
+    <a:masterClrMapping/>
+  </p:clrMapOvr>
+</p:sld>
+</file>
+
+<file path=ppt/slides/slide4.xml><?xml version="1.0" encoding="utf-8"?>
+<p:sld xmlns:a="http://schemas.openxmlformats.org/drawingml/2006/main" xmlns:r="http://schemas.openxmlformats.org/officeDocument/2006/relationships" xmlns:p="http://schemas.openxmlformats.org/presentationml/2006/main">
+  <p:cSld>
+    <p:spTree>
+      <p:nvGrpSpPr>
+        <p:cNvPr id="1" name=""/>
+        <p:cNvGrpSpPr/>
+        <p:nvPr/>
+      </p:nvGrpSpPr>
+      <p:grpSpPr>
+        <a:xfrm>
+          <a:off x="0" y="0"/>
+          <a:ext cx="0" cy="0"/>
+          <a:chOff x="0" y="0"/>
+          <a:chExt cx="0" cy="0"/>
+        </a:xfrm>
+      </p:grpSpPr>
+      <p:sp>
+        <p:nvSpPr>
+          <p:cNvPr id="2" name="제목 1">
+            <a:extLst>
+              <a:ext uri="{FF2B5EF4-FFF2-40B4-BE49-F238E27FC236}">
+                <a16:creationId xmlns:a16="http://schemas.microsoft.com/office/drawing/2014/main" id="{411B5B24-B7F7-4C1E-AFF3-C770596B4669}"/>
+              </a:ext>
+            </a:extLst>
+          </p:cNvPr>
+          <p:cNvSpPr>
+            <a:spLocks noGrp="1"/>
+          </p:cNvSpPr>
+          <p:nvPr>
+            <p:ph type="title"/>
+          </p:nvPr>
+        </p:nvSpPr>
+        <p:spPr/>
+        <p:txBody>
+          <a:bodyPr/>
+          <a:lstStyle/>
+          <a:p>
+            <a:r>
+              <a:rPr lang="en-US" altLang="ko-KR" dirty="0"/>
+              <a:t>Deployment (or</a:t>
+            </a:r>
+            <a:r>
+              <a:rPr lang="ko-KR" altLang="en-US" dirty="0"/>
+              <a:t> </a:t>
+            </a:r>
+            <a:r>
+              <a:rPr lang="en-US" altLang="ko-KR" dirty="0"/>
+              <a:t>Delivery)</a:t>
+            </a:r>
+            <a:endParaRPr lang="ko-KR" altLang="en-US" dirty="0"/>
+          </a:p>
+        </p:txBody>
+      </p:sp>
+      <p:sp>
+        <p:nvSpPr>
+          <p:cNvPr id="3" name="내용 개체 틀 2">
+            <a:extLst>
+              <a:ext uri="{FF2B5EF4-FFF2-40B4-BE49-F238E27FC236}">
+                <a16:creationId xmlns:a16="http://schemas.microsoft.com/office/drawing/2014/main" id="{8DDCAD60-8E9F-4C4A-B625-51E7593057BF}"/>
+              </a:ext>
+            </a:extLst>
+          </p:cNvPr>
+          <p:cNvSpPr>
+            <a:spLocks noGrp="1"/>
+          </p:cNvSpPr>
+          <p:nvPr>
+            <p:ph idx="1"/>
+          </p:nvPr>
+        </p:nvSpPr>
+        <p:spPr/>
+        <p:txBody>
+          <a:bodyPr/>
+          <a:lstStyle/>
+          <a:p>
+            <a:r>
+              <a:rPr lang="ko-KR" altLang="en-US" sz="2000" dirty="0"/>
+              <a:t>고객에게 서비스를 제공하는 </a:t>
+            </a:r>
+            <a:r>
+              <a:rPr lang="en-US" altLang="ko-KR" sz="2000" dirty="0"/>
+              <a:t>Production </a:t>
+            </a:r>
+            <a:r>
+              <a:rPr lang="ko-KR" altLang="en-US" sz="2000" dirty="0"/>
+              <a:t>환경에 새로운 서비스를 배포</a:t>
+            </a:r>
+            <a:endParaRPr lang="en-US" altLang="ko-KR" sz="2000" dirty="0"/>
+          </a:p>
+          <a:p>
+            <a:pPr lvl="1"/>
+            <a:r>
+              <a:rPr lang="ko-KR" altLang="en-US" sz="1800" dirty="0"/>
+              <a:t>배포 이슈</a:t>
+            </a:r>
+            <a:endParaRPr lang="en-US" altLang="ko-KR" sz="1800" dirty="0"/>
+          </a:p>
+          <a:p>
+            <a:pPr lvl="2"/>
+            <a:r>
+              <a:rPr lang="ko-KR" altLang="en-US" sz="1600" dirty="0"/>
+              <a:t>가동 중지 시간으로 인한 서비스 가용성 </a:t>
+            </a:r>
+            <a:r>
+              <a:rPr lang="en-US" altLang="ko-KR" sz="1600" dirty="0"/>
+              <a:t>(availability) </a:t>
+            </a:r>
+            <a:r>
+              <a:rPr lang="ko-KR" altLang="en-US" sz="1600" dirty="0"/>
+              <a:t>저하</a:t>
+            </a:r>
+            <a:endParaRPr lang="en-US" altLang="ko-KR" sz="1600" dirty="0"/>
+          </a:p>
+          <a:p>
+            <a:pPr lvl="2"/>
+            <a:r>
+              <a:rPr lang="ko-KR" altLang="en-US" sz="1600" dirty="0"/>
+              <a:t>서비스의 연속성</a:t>
+            </a:r>
+            <a:r>
+              <a:rPr lang="en-US" altLang="ko-KR" sz="1600" dirty="0"/>
+              <a:t> </a:t>
+            </a:r>
+            <a:r>
+              <a:rPr lang="ko-KR" altLang="en-US" sz="1600" dirty="0"/>
+              <a:t>보장</a:t>
+            </a:r>
+            <a:r>
+              <a:rPr lang="en-US" altLang="ko-KR" sz="1600" dirty="0"/>
+              <a:t>: </a:t>
+            </a:r>
+            <a:r>
+              <a:rPr lang="ko-KR" altLang="en-US" sz="1600" dirty="0"/>
+              <a:t>정확한 데이터의 보존 및 이전</a:t>
+            </a:r>
+            <a:endParaRPr lang="en-US" altLang="ko-KR" sz="1600" dirty="0"/>
+          </a:p>
+          <a:p>
+            <a:pPr lvl="2"/>
+            <a:r>
+              <a:rPr lang="ko-KR" altLang="en-US" sz="1600" dirty="0"/>
+              <a:t>새로운 환경</a:t>
+            </a:r>
+            <a:r>
+              <a:rPr lang="en-US" altLang="ko-KR" sz="1600" dirty="0"/>
+              <a:t>(OS, DB </a:t>
+            </a:r>
+            <a:r>
+              <a:rPr lang="ko-KR" altLang="en-US" sz="1600" dirty="0"/>
+              <a:t>업데이트 등</a:t>
+            </a:r>
+            <a:r>
+              <a:rPr lang="en-US" altLang="ko-KR" sz="1600" dirty="0"/>
+              <a:t>)</a:t>
+            </a:r>
+            <a:r>
+              <a:rPr lang="ko-KR" altLang="en-US" sz="1600" dirty="0"/>
+              <a:t>을 적용하는 경우</a:t>
+            </a:r>
+            <a:r>
+              <a:rPr lang="en-US" altLang="ko-KR" sz="1600" dirty="0"/>
+              <a:t>, </a:t>
+            </a:r>
+            <a:r>
+              <a:rPr lang="ko-KR" altLang="en-US" sz="1600" dirty="0"/>
+              <a:t>그로 인한 문제점 발생 가능</a:t>
+            </a:r>
+            <a:endParaRPr lang="en-US" altLang="ko-KR" sz="1600" dirty="0"/>
+          </a:p>
+          <a:p>
+            <a:pPr lvl="2"/>
+            <a:r>
+              <a:rPr lang="ko-KR" altLang="en-US" sz="1600" dirty="0"/>
+              <a:t>배포 이전에 실제 사용 환경과 유사한 종류</a:t>
+            </a:r>
+            <a:r>
+              <a:rPr lang="en-US" altLang="ko-KR" sz="1600" dirty="0"/>
+              <a:t>, </a:t>
+            </a:r>
+            <a:r>
+              <a:rPr lang="ko-KR" altLang="en-US" sz="1600" dirty="0"/>
+              <a:t>강도의 테스트가 필수</a:t>
+            </a:r>
+            <a:endParaRPr lang="en-US" altLang="ko-KR" sz="1600" dirty="0"/>
+          </a:p>
+          <a:p>
+            <a:pPr lvl="2"/>
+            <a:endParaRPr lang="en-US" altLang="ko-KR" sz="1600" dirty="0"/>
+          </a:p>
+          <a:p>
+            <a:pPr lvl="1"/>
+            <a:r>
+              <a:rPr lang="ko-KR" altLang="en-US" sz="1800" dirty="0" err="1"/>
+              <a:t>무중단</a:t>
+            </a:r>
+            <a:r>
+              <a:rPr lang="ko-KR" altLang="en-US" sz="1800" dirty="0"/>
+              <a:t> 배포</a:t>
+            </a:r>
+            <a:r>
+              <a:rPr lang="en-US" altLang="ko-KR" sz="1800" dirty="0"/>
+              <a:t>: </a:t>
+            </a:r>
+            <a:r>
+              <a:rPr lang="ko-KR" altLang="en-US" sz="1800" dirty="0"/>
+              <a:t>완전히 새로운 환경을 구성하는 것이 핵심</a:t>
+            </a:r>
+            <a:endParaRPr lang="en-US" altLang="ko-KR" sz="1800" dirty="0"/>
+          </a:p>
+          <a:p>
+            <a:pPr lvl="2"/>
+            <a:r>
+              <a:rPr lang="ko-KR" altLang="en-US" sz="1600" dirty="0"/>
+              <a:t>예</a:t>
+            </a:r>
+            <a:r>
+              <a:rPr lang="en-US" altLang="ko-KR" sz="1600" dirty="0"/>
+              <a:t>) A, B </a:t>
+            </a:r>
+            <a:r>
+              <a:rPr lang="ko-KR" altLang="en-US" sz="1600" dirty="0"/>
+              <a:t>환경이 있다고 할 때</a:t>
+            </a:r>
+            <a:r>
+              <a:rPr lang="en-US" altLang="ko-KR" sz="1600" dirty="0"/>
+              <a:t>, </a:t>
+            </a:r>
+            <a:r>
+              <a:rPr lang="ko-KR" altLang="en-US" sz="1600" dirty="0"/>
+              <a:t>기존 배포는 </a:t>
+            </a:r>
+            <a:r>
+              <a:rPr lang="en-US" altLang="ko-KR" sz="1600" dirty="0"/>
+              <a:t>A, </a:t>
+            </a:r>
+            <a:r>
+              <a:rPr lang="ko-KR" altLang="en-US" sz="1600" dirty="0"/>
+              <a:t>새로운 버전의 테스트는 </a:t>
+            </a:r>
+            <a:r>
+              <a:rPr lang="en-US" altLang="ko-KR" sz="1600" dirty="0"/>
+              <a:t>B</a:t>
+            </a:r>
+            <a:r>
+              <a:rPr lang="ko-KR" altLang="en-US" sz="1600" dirty="0"/>
+              <a:t>에서 진행</a:t>
+            </a:r>
+            <a:endParaRPr lang="en-US" altLang="ko-KR" sz="1600" dirty="0"/>
+          </a:p>
+          <a:p>
+            <a:pPr lvl="2"/>
+            <a:r>
+              <a:rPr lang="en-US" altLang="ko-KR" sz="1600" dirty="0"/>
+              <a:t>B</a:t>
+            </a:r>
+            <a:r>
+              <a:rPr lang="ko-KR" altLang="en-US" sz="1600" dirty="0"/>
+              <a:t>환경에서 테스트 완료 후</a:t>
+            </a:r>
+            <a:r>
+              <a:rPr lang="en-US" altLang="ko-KR" sz="1600" dirty="0"/>
+              <a:t>, </a:t>
+            </a:r>
+            <a:r>
+              <a:rPr lang="ko-KR" altLang="en-US" sz="1600" dirty="0"/>
+              <a:t>서비스 </a:t>
+            </a:r>
+            <a:r>
+              <a:rPr lang="ko-KR" altLang="en-US" sz="1600" dirty="0" err="1"/>
+              <a:t>엔드포인트를</a:t>
+            </a:r>
+            <a:r>
+              <a:rPr lang="ko-KR" altLang="en-US" sz="1600" dirty="0"/>
+              <a:t> </a:t>
+            </a:r>
+            <a:r>
+              <a:rPr lang="en-US" altLang="ko-KR" sz="1600" dirty="0"/>
+              <a:t>A</a:t>
+            </a:r>
+            <a:r>
+              <a:rPr lang="ko-KR" altLang="en-US" sz="1600" dirty="0"/>
+              <a:t>에서 </a:t>
+            </a:r>
+            <a:r>
+              <a:rPr lang="en-US" altLang="ko-KR" sz="1600" dirty="0"/>
+              <a:t>B</a:t>
+            </a:r>
+            <a:r>
+              <a:rPr lang="ko-KR" altLang="en-US" sz="1600" dirty="0"/>
+              <a:t>로 변경해주면 </a:t>
+            </a:r>
+            <a:br>
+              <a:rPr lang="en-US" altLang="ko-KR" sz="1600" dirty="0"/>
+            </a:br>
+            <a:r>
+              <a:rPr lang="ko-KR" altLang="en-US" sz="1600" dirty="0"/>
+              <a:t>즉각 업데이트가 완료됨</a:t>
+            </a:r>
+            <a:r>
+              <a:rPr lang="en-US" altLang="ko-KR" sz="1600" dirty="0"/>
+              <a:t>. </a:t>
+            </a:r>
+            <a:r>
+              <a:rPr lang="ko-KR" altLang="en-US" sz="1600" dirty="0"/>
+              <a:t>이후 </a:t>
+            </a:r>
+            <a:r>
+              <a:rPr lang="en-US" altLang="ko-KR" sz="1600" dirty="0"/>
+              <a:t>A</a:t>
+            </a:r>
+            <a:r>
+              <a:rPr lang="ko-KR" altLang="en-US" sz="1600" dirty="0"/>
+              <a:t>환경은 정리하고</a:t>
+            </a:r>
+            <a:r>
+              <a:rPr lang="en-US" altLang="ko-KR" sz="1600" dirty="0"/>
+              <a:t>,</a:t>
+            </a:r>
+            <a:r>
+              <a:rPr lang="ko-KR" altLang="en-US" sz="1600" dirty="0"/>
+              <a:t> 다시 테스트 용도로 사용</a:t>
+            </a:r>
+            <a:endParaRPr lang="en-US" altLang="ko-KR" sz="1600" dirty="0"/>
+          </a:p>
+          <a:p>
+            <a:pPr lvl="3"/>
+            <a:r>
+              <a:rPr lang="en-US" altLang="ko-KR" sz="1400" dirty="0"/>
+              <a:t>IP</a:t>
+            </a:r>
+            <a:r>
+              <a:rPr lang="ko-KR" altLang="en-US" sz="1400" dirty="0"/>
+              <a:t> 주소 할당을 변경하거나</a:t>
+            </a:r>
+            <a:r>
+              <a:rPr lang="en-US" altLang="ko-KR" sz="1400" dirty="0"/>
+              <a:t>, </a:t>
+            </a:r>
+            <a:r>
+              <a:rPr lang="ko-KR" altLang="en-US" sz="1400" dirty="0"/>
+              <a:t>혹은 </a:t>
+            </a:r>
+            <a:r>
+              <a:rPr lang="en-US" altLang="ko-KR" sz="1400" dirty="0"/>
+              <a:t>DNS </a:t>
+            </a:r>
+            <a:r>
+              <a:rPr lang="ko-KR" altLang="en-US" sz="1400" dirty="0"/>
+              <a:t>레코드를 변경</a:t>
+            </a:r>
+            <a:endParaRPr lang="en-US" altLang="ko-KR" sz="1400" dirty="0"/>
+          </a:p>
+          <a:p>
+            <a:pPr lvl="3"/>
+            <a:r>
+              <a:rPr lang="ko-KR" altLang="en-US" sz="1400" dirty="0"/>
+              <a:t>두 시스템이 동일한 데이터로 작업하도록 시스템이 설계되어 있어야 함</a:t>
+            </a:r>
+            <a:endParaRPr lang="en-US" altLang="ko-KR" sz="1400" dirty="0"/>
+          </a:p>
+          <a:p>
+            <a:pPr lvl="2"/>
+            <a:r>
+              <a:rPr lang="ko-KR" altLang="en-US" sz="1600" dirty="0"/>
+              <a:t>혹은 완전히 새로운 환경을 배포 때마다 구성 </a:t>
+            </a:r>
+            <a:r>
+              <a:rPr lang="en-US" altLang="ko-KR" sz="1600" dirty="0"/>
+              <a:t>(Cloud </a:t>
+            </a:r>
+            <a:r>
+              <a:rPr lang="ko-KR" altLang="en-US" sz="1600" dirty="0"/>
+              <a:t>기반의 </a:t>
+            </a:r>
+            <a:r>
+              <a:rPr lang="en-US" altLang="ko-KR" sz="1600" dirty="0"/>
+              <a:t>VM, Container </a:t>
+            </a:r>
+            <a:r>
+              <a:rPr lang="ko-KR" altLang="en-US" sz="1600" dirty="0"/>
+              <a:t>환경</a:t>
+            </a:r>
+            <a:r>
+              <a:rPr lang="en-US" altLang="ko-KR" sz="1600" dirty="0"/>
+              <a:t>)</a:t>
+            </a:r>
+          </a:p>
+          <a:p>
+            <a:endParaRPr lang="en-US" altLang="ko-KR" sz="2200" dirty="0"/>
+          </a:p>
+          <a:p>
+            <a:pPr lvl="1"/>
+            <a:endParaRPr lang="en-US" altLang="ko-KR" sz="1800" dirty="0"/>
+          </a:p>
+          <a:p>
+            <a:pPr lvl="2"/>
+            <a:endParaRPr lang="en-US" altLang="ko-KR" sz="1600" dirty="0"/>
+          </a:p>
+          <a:p>
+            <a:pPr lvl="2"/>
+            <a:endParaRPr lang="en-US" altLang="ko-KR" sz="1600" dirty="0"/>
+          </a:p>
+          <a:p>
+            <a:pPr lvl="1"/>
+            <a:endParaRPr lang="en-US" altLang="ko-KR" sz="1800" dirty="0"/>
+          </a:p>
+          <a:p>
+            <a:endParaRPr lang="ko-KR" altLang="en-US" sz="2000" dirty="0"/>
+          </a:p>
+        </p:txBody>
+      </p:sp>
+      <p:sp>
+        <p:nvSpPr>
+          <p:cNvPr id="4" name="슬라이드 번호 개체 틀 3">
+            <a:extLst>
+              <a:ext uri="{FF2B5EF4-FFF2-40B4-BE49-F238E27FC236}">
+                <a16:creationId xmlns:a16="http://schemas.microsoft.com/office/drawing/2014/main" id="{76205DC8-024E-4210-A48D-A211DF18A37B}"/>
+              </a:ext>
+            </a:extLst>
+          </p:cNvPr>
+          <p:cNvSpPr>
+            <a:spLocks noGrp="1"/>
+          </p:cNvSpPr>
+          <p:nvPr>
+            <p:ph type="sldNum" sz="quarter" idx="12"/>
+          </p:nvPr>
+        </p:nvSpPr>
+        <p:spPr/>
+        <p:txBody>
+          <a:bodyPr/>
+          <a:lstStyle/>
+          <a:p>
+            <a:fld id="{64F0D409-D3F6-4EEC-8C77-1F5E89989FFB}" type="slidenum">
+              <a:rPr lang="ko-KR" altLang="en-US" smtClean="0"/>
+              <a:pPr/>
+              <a:t>4</a:t>
+            </a:fld>
+            <a:endParaRPr lang="ko-KR" altLang="en-US"/>
+          </a:p>
+        </p:txBody>
+      </p:sp>
+    </p:spTree>
+    <p:extLst>
+      <p:ext uri="{BB962C8B-B14F-4D97-AF65-F5344CB8AC3E}">
+        <p14:creationId xmlns:p14="http://schemas.microsoft.com/office/powerpoint/2010/main" val="3832914358"/>
+      </p:ext>
+    </p:extLst>
+  </p:cSld>
+  <p:clrMapOvr>
+    <a:masterClrMapping/>
+  </p:clrMapOvr>
+</p:sld>
+</file>
+
+<file path=ppt/slides/slide40.xml><?xml version="1.0" encoding="utf-8"?>
+<p:sld xmlns:a="http://schemas.openxmlformats.org/drawingml/2006/main" xmlns:r="http://schemas.openxmlformats.org/officeDocument/2006/relationships" xmlns:p="http://schemas.openxmlformats.org/presentationml/2006/main">
+  <p:cSld>
+    <p:spTree>
+      <p:nvGrpSpPr>
+        <p:cNvPr id="1" name=""/>
+        <p:cNvGrpSpPr/>
+        <p:nvPr/>
+      </p:nvGrpSpPr>
+      <p:grpSpPr>
+        <a:xfrm>
+          <a:off x="0" y="0"/>
+          <a:ext cx="0" cy="0"/>
+          <a:chOff x="0" y="0"/>
+          <a:chExt cx="0" cy="0"/>
+        </a:xfrm>
+      </p:grpSpPr>
+      <p:sp>
+        <p:nvSpPr>
+          <p:cNvPr id="2" name="제목 1">
+            <a:extLst>
+              <a:ext uri="{FF2B5EF4-FFF2-40B4-BE49-F238E27FC236}">
+                <a16:creationId xmlns:a16="http://schemas.microsoft.com/office/drawing/2014/main" id="{2CA04278-A0DF-42CA-A1B3-DD675F950C6E}"/>
+              </a:ext>
+            </a:extLst>
+          </p:cNvPr>
+          <p:cNvSpPr>
+            <a:spLocks noGrp="1"/>
+          </p:cNvSpPr>
+          <p:nvPr>
+            <p:ph type="title"/>
+          </p:nvPr>
+        </p:nvSpPr>
+        <p:spPr/>
+        <p:txBody>
+          <a:bodyPr/>
+          <a:lstStyle/>
+          <a:p>
+            <a:r>
+              <a:rPr lang="en-US" altLang="ko-KR" dirty="0"/>
+              <a:t>GitHub Webhook </a:t>
+            </a:r>
+            <a:r>
+              <a:rPr lang="ko-KR" altLang="en-US" dirty="0"/>
+              <a:t>을 통한 </a:t>
+            </a:r>
+            <a:r>
+              <a:rPr lang="en-US" altLang="ko-KR" dirty="0"/>
+              <a:t>Jenkins </a:t>
+            </a:r>
+            <a:r>
+              <a:rPr lang="ko-KR" altLang="en-US" dirty="0"/>
+              <a:t>연동</a:t>
+            </a:r>
+          </a:p>
+        </p:txBody>
+      </p:sp>
+      <p:pic>
+        <p:nvPicPr>
+          <p:cNvPr id="5" name="내용 개체 틀 4">
+            <a:extLst>
+              <a:ext uri="{FF2B5EF4-FFF2-40B4-BE49-F238E27FC236}">
+                <a16:creationId xmlns:a16="http://schemas.microsoft.com/office/drawing/2014/main" id="{436CE153-B25B-4818-ABEA-B34F929DF4D1}"/>
+              </a:ext>
+            </a:extLst>
+          </p:cNvPr>
+          <p:cNvPicPr>
+            <a:picLocks noGrp="1" noChangeAspect="1"/>
+          </p:cNvPicPr>
+          <p:nvPr>
+            <p:ph idx="1"/>
+          </p:nvPr>
+        </p:nvPicPr>
+        <p:blipFill>
+          <a:blip r:embed="rId2"/>
+          <a:stretch>
+            <a:fillRect/>
+          </a:stretch>
+        </p:blipFill>
+        <p:spPr>
+          <a:xfrm>
+            <a:off x="395288" y="1526092"/>
+            <a:ext cx="8353425" cy="4334453"/>
+          </a:xfrm>
+          <a:prstGeom prst="rect">
+            <a:avLst/>
+          </a:prstGeom>
+        </p:spPr>
+      </p:pic>
+      <p:sp>
+        <p:nvSpPr>
+          <p:cNvPr id="4" name="슬라이드 번호 개체 틀 3">
+            <a:extLst>
+              <a:ext uri="{FF2B5EF4-FFF2-40B4-BE49-F238E27FC236}">
+                <a16:creationId xmlns:a16="http://schemas.microsoft.com/office/drawing/2014/main" id="{2CB74FB3-305B-4FB7-AA96-B745527E2388}"/>
+              </a:ext>
+            </a:extLst>
+          </p:cNvPr>
+          <p:cNvSpPr>
+            <a:spLocks noGrp="1"/>
+          </p:cNvSpPr>
+          <p:nvPr>
+            <p:ph type="sldNum" sz="quarter" idx="12"/>
+          </p:nvPr>
+        </p:nvSpPr>
+        <p:spPr/>
+        <p:txBody>
+          <a:bodyPr/>
+          <a:lstStyle/>
+          <a:p>
+            <a:fld id="{64F0D409-D3F6-4EEC-8C77-1F5E89989FFB}" type="slidenum">
+              <a:rPr lang="ko-KR" altLang="en-US" smtClean="0"/>
+              <a:t>40</a:t>
+            </a:fld>
+            <a:endParaRPr lang="ko-KR" altLang="en-US"/>
+          </a:p>
+        </p:txBody>
+      </p:sp>
+    </p:spTree>
+    <p:extLst>
+      <p:ext uri="{BB962C8B-B14F-4D97-AF65-F5344CB8AC3E}">
+        <p14:creationId xmlns:p14="http://schemas.microsoft.com/office/powerpoint/2010/main" val="3086328396"/>
+      </p:ext>
+    </p:extLst>
+  </p:cSld>
+  <p:clrMapOvr>
+    <a:masterClrMapping/>
+  </p:clrMapOvr>
+</p:sld>
+</file>
+
+<file path=ppt/slides/slide41.xml><?xml version="1.0" encoding="utf-8"?>
+<p:sld xmlns:a="http://schemas.openxmlformats.org/drawingml/2006/main" xmlns:r="http://schemas.openxmlformats.org/officeDocument/2006/relationships" xmlns:p="http://schemas.openxmlformats.org/presentationml/2006/main">
+  <p:cSld>
+    <p:spTree>
+      <p:nvGrpSpPr>
+        <p:cNvPr id="1" name=""/>
+        <p:cNvGrpSpPr/>
+        <p:nvPr/>
+      </p:nvGrpSpPr>
+      <p:grpSpPr>
+        <a:xfrm>
+          <a:off x="0" y="0"/>
+          <a:ext cx="0" cy="0"/>
+          <a:chOff x="0" y="0"/>
+          <a:chExt cx="0" cy="0"/>
+        </a:xfrm>
+      </p:grpSpPr>
+      <p:sp>
+        <p:nvSpPr>
+          <p:cNvPr id="2" name="제목 1">
+            <a:extLst>
+              <a:ext uri="{FF2B5EF4-FFF2-40B4-BE49-F238E27FC236}">
                 <a16:creationId xmlns:a16="http://schemas.microsoft.com/office/drawing/2014/main" id="{0153E2D7-E40F-4E34-9538-4B605974771D}"/>
               </a:ext>
             </a:extLst>
@@ -11395,7 +12372,7 @@
           <a:p>
             <a:fld id="{64F0D409-D3F6-4EEC-8C77-1F5E89989FFB}" type="slidenum">
               <a:rPr lang="ko-KR" altLang="en-US" smtClean="0"/>
-              <a:t>39</a:t>
+              <a:t>41</a:t>
             </a:fld>
             <a:endParaRPr lang="ko-KR" altLang="en-US"/>
           </a:p>
@@ -11518,461 +12495,7 @@
 </p:sld>
 </file>
 
-<file path=ppt/slides/slide4.xml><?xml version="1.0" encoding="utf-8"?>
-<p:sld xmlns:a="http://schemas.openxmlformats.org/drawingml/2006/main" xmlns:r="http://schemas.openxmlformats.org/officeDocument/2006/relationships" xmlns:p="http://schemas.openxmlformats.org/presentationml/2006/main">
-  <p:cSld>
-    <p:spTree>
-      <p:nvGrpSpPr>
-        <p:cNvPr id="1" name=""/>
-        <p:cNvGrpSpPr/>
-        <p:nvPr/>
-      </p:nvGrpSpPr>
-      <p:grpSpPr>
-        <a:xfrm>
-          <a:off x="0" y="0"/>
-          <a:ext cx="0" cy="0"/>
-          <a:chOff x="0" y="0"/>
-          <a:chExt cx="0" cy="0"/>
-        </a:xfrm>
-      </p:grpSpPr>
-      <p:sp>
-        <p:nvSpPr>
-          <p:cNvPr id="2" name="제목 1">
-            <a:extLst>
-              <a:ext uri="{FF2B5EF4-FFF2-40B4-BE49-F238E27FC236}">
-                <a16:creationId xmlns:a16="http://schemas.microsoft.com/office/drawing/2014/main" id="{411B5B24-B7F7-4C1E-AFF3-C770596B4669}"/>
-              </a:ext>
-            </a:extLst>
-          </p:cNvPr>
-          <p:cNvSpPr>
-            <a:spLocks noGrp="1"/>
-          </p:cNvSpPr>
-          <p:nvPr>
-            <p:ph type="title"/>
-          </p:nvPr>
-        </p:nvSpPr>
-        <p:spPr/>
-        <p:txBody>
-          <a:bodyPr/>
-          <a:lstStyle/>
-          <a:p>
-            <a:r>
-              <a:rPr lang="en-US" altLang="ko-KR" dirty="0"/>
-              <a:t>Deployment (or</a:t>
-            </a:r>
-            <a:r>
-              <a:rPr lang="ko-KR" altLang="en-US" dirty="0"/>
-              <a:t> </a:t>
-            </a:r>
-            <a:r>
-              <a:rPr lang="en-US" altLang="ko-KR" dirty="0"/>
-              <a:t>Delivery)</a:t>
-            </a:r>
-            <a:endParaRPr lang="ko-KR" altLang="en-US" dirty="0"/>
-          </a:p>
-        </p:txBody>
-      </p:sp>
-      <p:sp>
-        <p:nvSpPr>
-          <p:cNvPr id="3" name="내용 개체 틀 2">
-            <a:extLst>
-              <a:ext uri="{FF2B5EF4-FFF2-40B4-BE49-F238E27FC236}">
-                <a16:creationId xmlns:a16="http://schemas.microsoft.com/office/drawing/2014/main" id="{8DDCAD60-8E9F-4C4A-B625-51E7593057BF}"/>
-              </a:ext>
-            </a:extLst>
-          </p:cNvPr>
-          <p:cNvSpPr>
-            <a:spLocks noGrp="1"/>
-          </p:cNvSpPr>
-          <p:nvPr>
-            <p:ph idx="1"/>
-          </p:nvPr>
-        </p:nvSpPr>
-        <p:spPr/>
-        <p:txBody>
-          <a:bodyPr/>
-          <a:lstStyle/>
-          <a:p>
-            <a:r>
-              <a:rPr lang="ko-KR" altLang="en-US" sz="2000" dirty="0"/>
-              <a:t>고객에게 서비스를 제공하는 </a:t>
-            </a:r>
-            <a:r>
-              <a:rPr lang="en-US" altLang="ko-KR" sz="2000" dirty="0"/>
-              <a:t>Production </a:t>
-            </a:r>
-            <a:r>
-              <a:rPr lang="ko-KR" altLang="en-US" sz="2000" dirty="0"/>
-              <a:t>환경에 새로운 서비스를 배포</a:t>
-            </a:r>
-            <a:endParaRPr lang="en-US" altLang="ko-KR" sz="2000" dirty="0"/>
-          </a:p>
-          <a:p>
-            <a:pPr lvl="1"/>
-            <a:r>
-              <a:rPr lang="ko-KR" altLang="en-US" sz="1800" dirty="0"/>
-              <a:t>배포 이슈</a:t>
-            </a:r>
-            <a:endParaRPr lang="en-US" altLang="ko-KR" sz="1800" dirty="0"/>
-          </a:p>
-          <a:p>
-            <a:pPr lvl="2"/>
-            <a:r>
-              <a:rPr lang="ko-KR" altLang="en-US" sz="1600" dirty="0"/>
-              <a:t>가동 중지 시간으로 인한 서비스 가용성 </a:t>
-            </a:r>
-            <a:r>
-              <a:rPr lang="en-US" altLang="ko-KR" sz="1600" dirty="0"/>
-              <a:t>(availability) </a:t>
-            </a:r>
-            <a:r>
-              <a:rPr lang="ko-KR" altLang="en-US" sz="1600" dirty="0"/>
-              <a:t>저하</a:t>
-            </a:r>
-            <a:endParaRPr lang="en-US" altLang="ko-KR" sz="1600" dirty="0"/>
-          </a:p>
-          <a:p>
-            <a:pPr lvl="2"/>
-            <a:r>
-              <a:rPr lang="ko-KR" altLang="en-US" sz="1600" dirty="0"/>
-              <a:t>서비스의 연속성</a:t>
-            </a:r>
-            <a:r>
-              <a:rPr lang="en-US" altLang="ko-KR" sz="1600" dirty="0"/>
-              <a:t> </a:t>
-            </a:r>
-            <a:r>
-              <a:rPr lang="ko-KR" altLang="en-US" sz="1600" dirty="0"/>
-              <a:t>보장</a:t>
-            </a:r>
-            <a:r>
-              <a:rPr lang="en-US" altLang="ko-KR" sz="1600" dirty="0"/>
-              <a:t>: </a:t>
-            </a:r>
-            <a:r>
-              <a:rPr lang="ko-KR" altLang="en-US" sz="1600" dirty="0"/>
-              <a:t>정확한 데이터의 보존 및 이전</a:t>
-            </a:r>
-            <a:endParaRPr lang="en-US" altLang="ko-KR" sz="1600" dirty="0"/>
-          </a:p>
-          <a:p>
-            <a:pPr lvl="2"/>
-            <a:r>
-              <a:rPr lang="ko-KR" altLang="en-US" sz="1600" dirty="0"/>
-              <a:t>새로운 환경</a:t>
-            </a:r>
-            <a:r>
-              <a:rPr lang="en-US" altLang="ko-KR" sz="1600" dirty="0"/>
-              <a:t>(OS, DB </a:t>
-            </a:r>
-            <a:r>
-              <a:rPr lang="ko-KR" altLang="en-US" sz="1600" dirty="0"/>
-              <a:t>업데이트 등</a:t>
-            </a:r>
-            <a:r>
-              <a:rPr lang="en-US" altLang="ko-KR" sz="1600" dirty="0"/>
-              <a:t>)</a:t>
-            </a:r>
-            <a:r>
-              <a:rPr lang="ko-KR" altLang="en-US" sz="1600" dirty="0"/>
-              <a:t>을 적용하는 경우</a:t>
-            </a:r>
-            <a:r>
-              <a:rPr lang="en-US" altLang="ko-KR" sz="1600" dirty="0"/>
-              <a:t>, </a:t>
-            </a:r>
-            <a:r>
-              <a:rPr lang="ko-KR" altLang="en-US" sz="1600" dirty="0"/>
-              <a:t>그로 인한 문제점 발생 가능</a:t>
-            </a:r>
-            <a:endParaRPr lang="en-US" altLang="ko-KR" sz="1600" dirty="0"/>
-          </a:p>
-          <a:p>
-            <a:pPr lvl="2"/>
-            <a:r>
-              <a:rPr lang="ko-KR" altLang="en-US" sz="1600" dirty="0"/>
-              <a:t>배포 이전에 실제 사용 환경과 유사한 종류</a:t>
-            </a:r>
-            <a:r>
-              <a:rPr lang="en-US" altLang="ko-KR" sz="1600" dirty="0"/>
-              <a:t>, </a:t>
-            </a:r>
-            <a:r>
-              <a:rPr lang="ko-KR" altLang="en-US" sz="1600" dirty="0"/>
-              <a:t>강도의 테스트가 필수</a:t>
-            </a:r>
-            <a:endParaRPr lang="en-US" altLang="ko-KR" sz="1600" dirty="0"/>
-          </a:p>
-          <a:p>
-            <a:pPr lvl="2"/>
-            <a:endParaRPr lang="en-US" altLang="ko-KR" sz="1600" dirty="0"/>
-          </a:p>
-          <a:p>
-            <a:pPr lvl="1"/>
-            <a:r>
-              <a:rPr lang="ko-KR" altLang="en-US" sz="1800" dirty="0" err="1"/>
-              <a:t>무중단</a:t>
-            </a:r>
-            <a:r>
-              <a:rPr lang="ko-KR" altLang="en-US" sz="1800" dirty="0"/>
-              <a:t> 배포</a:t>
-            </a:r>
-            <a:r>
-              <a:rPr lang="en-US" altLang="ko-KR" sz="1800" dirty="0"/>
-              <a:t>: </a:t>
-            </a:r>
-            <a:r>
-              <a:rPr lang="ko-KR" altLang="en-US" sz="1800" dirty="0"/>
-              <a:t>완전히 새로운 환경을 구성하는 것이 핵심</a:t>
-            </a:r>
-            <a:endParaRPr lang="en-US" altLang="ko-KR" sz="1800" dirty="0"/>
-          </a:p>
-          <a:p>
-            <a:pPr lvl="2"/>
-            <a:r>
-              <a:rPr lang="ko-KR" altLang="en-US" sz="1600" dirty="0"/>
-              <a:t>예</a:t>
-            </a:r>
-            <a:r>
-              <a:rPr lang="en-US" altLang="ko-KR" sz="1600" dirty="0"/>
-              <a:t>) A, B </a:t>
-            </a:r>
-            <a:r>
-              <a:rPr lang="ko-KR" altLang="en-US" sz="1600" dirty="0"/>
-              <a:t>환경이 있다고 할 때</a:t>
-            </a:r>
-            <a:r>
-              <a:rPr lang="en-US" altLang="ko-KR" sz="1600" dirty="0"/>
-              <a:t>, </a:t>
-            </a:r>
-            <a:r>
-              <a:rPr lang="ko-KR" altLang="en-US" sz="1600" dirty="0"/>
-              <a:t>기존 배포는 </a:t>
-            </a:r>
-            <a:r>
-              <a:rPr lang="en-US" altLang="ko-KR" sz="1600" dirty="0"/>
-              <a:t>A, </a:t>
-            </a:r>
-            <a:r>
-              <a:rPr lang="ko-KR" altLang="en-US" sz="1600" dirty="0"/>
-              <a:t>새로운 버전의 테스트는 </a:t>
-            </a:r>
-            <a:r>
-              <a:rPr lang="en-US" altLang="ko-KR" sz="1600" dirty="0"/>
-              <a:t>B</a:t>
-            </a:r>
-            <a:r>
-              <a:rPr lang="ko-KR" altLang="en-US" sz="1600" dirty="0"/>
-              <a:t>에서 진행</a:t>
-            </a:r>
-            <a:endParaRPr lang="en-US" altLang="ko-KR" sz="1600" dirty="0"/>
-          </a:p>
-          <a:p>
-            <a:pPr lvl="2"/>
-            <a:r>
-              <a:rPr lang="en-US" altLang="ko-KR" sz="1600" dirty="0"/>
-              <a:t>B</a:t>
-            </a:r>
-            <a:r>
-              <a:rPr lang="ko-KR" altLang="en-US" sz="1600" dirty="0"/>
-              <a:t>환경에서 테스트 완료 후</a:t>
-            </a:r>
-            <a:r>
-              <a:rPr lang="en-US" altLang="ko-KR" sz="1600" dirty="0"/>
-              <a:t>, </a:t>
-            </a:r>
-            <a:r>
-              <a:rPr lang="ko-KR" altLang="en-US" sz="1600" dirty="0"/>
-              <a:t>서비스 </a:t>
-            </a:r>
-            <a:r>
-              <a:rPr lang="ko-KR" altLang="en-US" sz="1600" dirty="0" err="1"/>
-              <a:t>엔드포인트를</a:t>
-            </a:r>
-            <a:r>
-              <a:rPr lang="ko-KR" altLang="en-US" sz="1600" dirty="0"/>
-              <a:t> </a:t>
-            </a:r>
-            <a:r>
-              <a:rPr lang="en-US" altLang="ko-KR" sz="1600" dirty="0"/>
-              <a:t>A</a:t>
-            </a:r>
-            <a:r>
-              <a:rPr lang="ko-KR" altLang="en-US" sz="1600" dirty="0"/>
-              <a:t>에서 </a:t>
-            </a:r>
-            <a:r>
-              <a:rPr lang="en-US" altLang="ko-KR" sz="1600" dirty="0"/>
-              <a:t>B</a:t>
-            </a:r>
-            <a:r>
-              <a:rPr lang="ko-KR" altLang="en-US" sz="1600" dirty="0"/>
-              <a:t>로 변경해주면 </a:t>
-            </a:r>
-            <a:br>
-              <a:rPr lang="en-US" altLang="ko-KR" sz="1600" dirty="0"/>
-            </a:br>
-            <a:r>
-              <a:rPr lang="ko-KR" altLang="en-US" sz="1600" dirty="0"/>
-              <a:t>즉각 업데이트가 완료됨</a:t>
-            </a:r>
-            <a:r>
-              <a:rPr lang="en-US" altLang="ko-KR" sz="1600" dirty="0"/>
-              <a:t>. </a:t>
-            </a:r>
-            <a:r>
-              <a:rPr lang="ko-KR" altLang="en-US" sz="1600" dirty="0"/>
-              <a:t>이후 </a:t>
-            </a:r>
-            <a:r>
-              <a:rPr lang="en-US" altLang="ko-KR" sz="1600" dirty="0"/>
-              <a:t>A</a:t>
-            </a:r>
-            <a:r>
-              <a:rPr lang="ko-KR" altLang="en-US" sz="1600" dirty="0"/>
-              <a:t>환경은 정리하고</a:t>
-            </a:r>
-            <a:r>
-              <a:rPr lang="en-US" altLang="ko-KR" sz="1600" dirty="0"/>
-              <a:t>,</a:t>
-            </a:r>
-            <a:r>
-              <a:rPr lang="ko-KR" altLang="en-US" sz="1600" dirty="0"/>
-              <a:t> 다시 테스트 용도로 사용</a:t>
-            </a:r>
-            <a:endParaRPr lang="en-US" altLang="ko-KR" sz="1600" dirty="0"/>
-          </a:p>
-          <a:p>
-            <a:pPr lvl="3"/>
-            <a:r>
-              <a:rPr lang="en-US" altLang="ko-KR" sz="1400" dirty="0"/>
-              <a:t>IP</a:t>
-            </a:r>
-            <a:r>
-              <a:rPr lang="ko-KR" altLang="en-US" sz="1400" dirty="0"/>
-              <a:t> 주소 할당을 변경하거나</a:t>
-            </a:r>
-            <a:r>
-              <a:rPr lang="en-US" altLang="ko-KR" sz="1400" dirty="0"/>
-              <a:t>, </a:t>
-            </a:r>
-            <a:r>
-              <a:rPr lang="ko-KR" altLang="en-US" sz="1400" dirty="0"/>
-              <a:t>혹은 </a:t>
-            </a:r>
-            <a:r>
-              <a:rPr lang="en-US" altLang="ko-KR" sz="1400" dirty="0"/>
-              <a:t>DNS </a:t>
-            </a:r>
-            <a:r>
-              <a:rPr lang="ko-KR" altLang="en-US" sz="1400" dirty="0"/>
-              <a:t>레코드를 변경</a:t>
-            </a:r>
-            <a:endParaRPr lang="en-US" altLang="ko-KR" sz="1400" dirty="0"/>
-          </a:p>
-          <a:p>
-            <a:pPr lvl="3"/>
-            <a:r>
-              <a:rPr lang="ko-KR" altLang="en-US" sz="1400" dirty="0"/>
-              <a:t>두 시스템이 동일한 데이터로 작업하도록 시스템이 설계되어 있어야 함</a:t>
-            </a:r>
-            <a:endParaRPr lang="en-US" altLang="ko-KR" sz="1400" dirty="0"/>
-          </a:p>
-          <a:p>
-            <a:pPr lvl="2"/>
-            <a:r>
-              <a:rPr lang="ko-KR" altLang="en-US" sz="1600" dirty="0"/>
-              <a:t>혹은 완전히 새로운 환경을 배포 때마다 구성 </a:t>
-            </a:r>
-            <a:r>
-              <a:rPr lang="en-US" altLang="ko-KR" sz="1600" dirty="0"/>
-              <a:t>(Cloud </a:t>
-            </a:r>
-            <a:r>
-              <a:rPr lang="ko-KR" altLang="en-US" sz="1600" dirty="0"/>
-              <a:t>기반의 </a:t>
-            </a:r>
-            <a:r>
-              <a:rPr lang="en-US" altLang="ko-KR" sz="1600" dirty="0"/>
-              <a:t>VM, Container </a:t>
-            </a:r>
-            <a:r>
-              <a:rPr lang="ko-KR" altLang="en-US" sz="1600" dirty="0"/>
-              <a:t>환경</a:t>
-            </a:r>
-            <a:r>
-              <a:rPr lang="en-US" altLang="ko-KR" sz="1600" dirty="0"/>
-              <a:t>)</a:t>
-            </a:r>
-          </a:p>
-          <a:p>
-            <a:endParaRPr lang="en-US" altLang="ko-KR" sz="2200" dirty="0"/>
-          </a:p>
-          <a:p>
-            <a:pPr lvl="1"/>
-            <a:endParaRPr lang="en-US" altLang="ko-KR" sz="1800" dirty="0"/>
-          </a:p>
-          <a:p>
-            <a:pPr lvl="2"/>
-            <a:endParaRPr lang="en-US" altLang="ko-KR" sz="1600" dirty="0"/>
-          </a:p>
-          <a:p>
-            <a:pPr lvl="2"/>
-            <a:endParaRPr lang="en-US" altLang="ko-KR" sz="1600" dirty="0"/>
-          </a:p>
-          <a:p>
-            <a:pPr lvl="1"/>
-            <a:endParaRPr lang="en-US" altLang="ko-KR" sz="1800" dirty="0"/>
-          </a:p>
-          <a:p>
-            <a:endParaRPr lang="ko-KR" altLang="en-US" sz="2000" dirty="0"/>
-          </a:p>
-        </p:txBody>
-      </p:sp>
-      <p:sp>
-        <p:nvSpPr>
-          <p:cNvPr id="4" name="슬라이드 번호 개체 틀 3">
-            <a:extLst>
-              <a:ext uri="{FF2B5EF4-FFF2-40B4-BE49-F238E27FC236}">
-                <a16:creationId xmlns:a16="http://schemas.microsoft.com/office/drawing/2014/main" id="{76205DC8-024E-4210-A48D-A211DF18A37B}"/>
-              </a:ext>
-            </a:extLst>
-          </p:cNvPr>
-          <p:cNvSpPr>
-            <a:spLocks noGrp="1"/>
-          </p:cNvSpPr>
-          <p:nvPr>
-            <p:ph type="sldNum" sz="quarter" idx="12"/>
-          </p:nvPr>
-        </p:nvSpPr>
-        <p:spPr/>
-        <p:txBody>
-          <a:bodyPr/>
-          <a:lstStyle/>
-          <a:p>
-            <a:fld id="{64F0D409-D3F6-4EEC-8C77-1F5E89989FFB}" type="slidenum">
-              <a:rPr lang="ko-KR" altLang="en-US" smtClean="0"/>
-              <a:pPr/>
-              <a:t>4</a:t>
-            </a:fld>
-            <a:endParaRPr lang="ko-KR" altLang="en-US"/>
-          </a:p>
-        </p:txBody>
-      </p:sp>
-    </p:spTree>
-    <p:extLst>
-      <p:ext uri="{BB962C8B-B14F-4D97-AF65-F5344CB8AC3E}">
-        <p14:creationId xmlns:p14="http://schemas.microsoft.com/office/powerpoint/2010/main" val="3832914358"/>
-      </p:ext>
-    </p:extLst>
-  </p:cSld>
-  <p:clrMapOvr>
-    <a:masterClrMapping/>
-  </p:clrMapOvr>
-</p:sld>
-</file>
-
-<file path=ppt/slides/slide40.xml><?xml version="1.0" encoding="utf-8"?>
+<file path=ppt/slides/slide42.xml><?xml version="1.0" encoding="utf-8"?>
 <p:sld xmlns:a="http://schemas.openxmlformats.org/drawingml/2006/main" xmlns:r="http://schemas.openxmlformats.org/officeDocument/2006/relationships" xmlns:p="http://schemas.openxmlformats.org/presentationml/2006/main">
   <p:cSld>
     <p:spTree>
@@ -12203,7 +12726,7 @@
           <a:p>
             <a:fld id="{64F0D409-D3F6-4EEC-8C77-1F5E89989FFB}" type="slidenum">
               <a:rPr lang="ko-KR" altLang="en-US" smtClean="0"/>
-              <a:t>40</a:t>
+              <a:t>42</a:t>
             </a:fld>
             <a:endParaRPr lang="ko-KR" altLang="en-US"/>
           </a:p>
@@ -12274,7 +12797,7 @@
 </p:sld>
 </file>
 
-<file path=ppt/slides/slide41.xml><?xml version="1.0" encoding="utf-8"?>
+<file path=ppt/slides/slide43.xml><?xml version="1.0" encoding="utf-8"?>
 <p:sld xmlns:a="http://schemas.openxmlformats.org/drawingml/2006/main" xmlns:r="http://schemas.openxmlformats.org/officeDocument/2006/relationships" xmlns:p="http://schemas.openxmlformats.org/presentationml/2006/main">
   <p:cSld>
     <p:spTree>
@@ -12387,7 +12910,7 @@
           <a:p>
             <a:fld id="{64F0D409-D3F6-4EEC-8C77-1F5E89989FFB}" type="slidenum">
               <a:rPr lang="ko-KR" altLang="en-US" smtClean="0"/>
-              <a:t>41</a:t>
+              <a:t>43</a:t>
             </a:fld>
             <a:endParaRPr lang="ko-KR" altLang="en-US"/>
           </a:p>
@@ -12510,7 +13033,7 @@
 </p:sld>
 </file>
 
-<file path=ppt/slides/slide42.xml><?xml version="1.0" encoding="utf-8"?>
+<file path=ppt/slides/slide44.xml><?xml version="1.0" encoding="utf-8"?>
 <p:sld xmlns:a="http://schemas.openxmlformats.org/drawingml/2006/main" xmlns:r="http://schemas.openxmlformats.org/officeDocument/2006/relationships" xmlns:p="http://schemas.openxmlformats.org/presentationml/2006/main">
   <p:cSld>
     <p:spTree>
@@ -12607,7 +13130,7 @@
           <a:p>
             <a:fld id="{64F0D409-D3F6-4EEC-8C77-1F5E89989FFB}" type="slidenum">
               <a:rPr lang="ko-KR" altLang="en-US" smtClean="0"/>
-              <a:t>42</a:t>
+              <a:t>44</a:t>
             </a:fld>
             <a:endParaRPr lang="ko-KR" altLang="en-US"/>
           </a:p>
@@ -12730,7 +13253,7 @@
 </p:sld>
 </file>
 
-<file path=ppt/slides/slide43.xml><?xml version="1.0" encoding="utf-8"?>
+<file path=ppt/slides/slide45.xml><?xml version="1.0" encoding="utf-8"?>
 <p:sld xmlns:a="http://schemas.openxmlformats.org/drawingml/2006/main" xmlns:r="http://schemas.openxmlformats.org/officeDocument/2006/relationships" xmlns:p="http://schemas.openxmlformats.org/presentationml/2006/main">
   <p:cSld>
     <p:spTree>
@@ -12834,7 +13357,7 @@
           <a:p>
             <a:fld id="{64F0D409-D3F6-4EEC-8C77-1F5E89989FFB}" type="slidenum">
               <a:rPr lang="ko-KR" altLang="en-US" smtClean="0"/>
-              <a:t>43</a:t>
+              <a:t>45</a:t>
             </a:fld>
             <a:endParaRPr lang="ko-KR" altLang="en-US"/>
           </a:p>
@@ -12957,7 +13480,7 @@
 </p:sld>
 </file>
 
-<file path=ppt/slides/slide44.xml><?xml version="1.0" encoding="utf-8"?>
+<file path=ppt/slides/slide46.xml><?xml version="1.0" encoding="utf-8"?>
 <p:sld xmlns:a="http://schemas.openxmlformats.org/drawingml/2006/main" xmlns:r="http://schemas.openxmlformats.org/officeDocument/2006/relationships" xmlns:p="http://schemas.openxmlformats.org/presentationml/2006/main">
   <p:cSld>
     <p:spTree>
@@ -13069,7 +13592,7 @@
           <a:p>
             <a:fld id="{64F0D409-D3F6-4EEC-8C77-1F5E89989FFB}" type="slidenum">
               <a:rPr lang="ko-KR" altLang="en-US" smtClean="0"/>
-              <a:t>44</a:t>
+              <a:t>46</a:t>
             </a:fld>
             <a:endParaRPr lang="ko-KR" altLang="en-US"/>
           </a:p>
@@ -13210,478 +13733,6 @@
     <p:extLst>
       <p:ext uri="{BB962C8B-B14F-4D97-AF65-F5344CB8AC3E}">
         <p14:creationId xmlns:p14="http://schemas.microsoft.com/office/powerpoint/2010/main" val="2002913834"/>
-      </p:ext>
-    </p:extLst>
-  </p:cSld>
-  <p:clrMapOvr>
-    <a:masterClrMapping/>
-  </p:clrMapOvr>
-</p:sld>
-</file>
-
-<file path=ppt/slides/slide45.xml><?xml version="1.0" encoding="utf-8"?>
-<p:sld xmlns:a="http://schemas.openxmlformats.org/drawingml/2006/main" xmlns:r="http://schemas.openxmlformats.org/officeDocument/2006/relationships" xmlns:p="http://schemas.openxmlformats.org/presentationml/2006/main">
-  <p:cSld>
-    <p:spTree>
-      <p:nvGrpSpPr>
-        <p:cNvPr id="1" name=""/>
-        <p:cNvGrpSpPr/>
-        <p:nvPr/>
-      </p:nvGrpSpPr>
-      <p:grpSpPr>
-        <a:xfrm>
-          <a:off x="0" y="0"/>
-          <a:ext cx="0" cy="0"/>
-          <a:chOff x="0" y="0"/>
-          <a:chExt cx="0" cy="0"/>
-        </a:xfrm>
-      </p:grpSpPr>
-      <p:sp>
-        <p:nvSpPr>
-          <p:cNvPr id="2" name="제목 1">
-            <a:extLst>
-              <a:ext uri="{FF2B5EF4-FFF2-40B4-BE49-F238E27FC236}">
-                <a16:creationId xmlns:a16="http://schemas.microsoft.com/office/drawing/2014/main" id="{FB0373DA-A8BE-4146-851C-76F78F995D73}"/>
-              </a:ext>
-            </a:extLst>
-          </p:cNvPr>
-          <p:cNvSpPr>
-            <a:spLocks noGrp="1"/>
-          </p:cNvSpPr>
-          <p:nvPr>
-            <p:ph type="title"/>
-          </p:nvPr>
-        </p:nvSpPr>
-        <p:spPr/>
-        <p:txBody>
-          <a:bodyPr/>
-          <a:lstStyle/>
-          <a:p>
-            <a:r>
-              <a:rPr lang="en-US" altLang="ko-KR" dirty="0"/>
-              <a:t>Jenkins</a:t>
-            </a:r>
-            <a:endParaRPr lang="ko-KR" altLang="en-US" dirty="0"/>
-          </a:p>
-        </p:txBody>
-      </p:sp>
-      <p:sp>
-        <p:nvSpPr>
-          <p:cNvPr id="3" name="텍스트 개체 틀 2">
-            <a:extLst>
-              <a:ext uri="{FF2B5EF4-FFF2-40B4-BE49-F238E27FC236}">
-                <a16:creationId xmlns:a16="http://schemas.microsoft.com/office/drawing/2014/main" id="{70B2E06B-645D-43A9-8402-A40D14584C76}"/>
-              </a:ext>
-            </a:extLst>
-          </p:cNvPr>
-          <p:cNvSpPr>
-            <a:spLocks noGrp="1"/>
-          </p:cNvSpPr>
-          <p:nvPr>
-            <p:ph type="body" idx="1"/>
-          </p:nvPr>
-        </p:nvSpPr>
-        <p:spPr/>
-        <p:txBody>
-          <a:bodyPr/>
-          <a:lstStyle/>
-          <a:p>
-            <a:r>
-              <a:rPr lang="en-US" altLang="ko-KR" dirty="0" err="1"/>
-              <a:t>Todo</a:t>
-            </a:r>
-            <a:r>
-              <a:rPr lang="en-US" altLang="ko-KR" dirty="0"/>
-              <a:t> 1: Jenkins </a:t>
-            </a:r>
-            <a:r>
-              <a:rPr lang="ko-KR" altLang="en-US" dirty="0"/>
-              <a:t>서버 구축</a:t>
-            </a:r>
-            <a:endParaRPr lang="en-US" altLang="ko-KR" dirty="0"/>
-          </a:p>
-          <a:p>
-            <a:r>
-              <a:rPr lang="en-US" altLang="ko-KR" dirty="0" err="1"/>
-              <a:t>Todo</a:t>
-            </a:r>
-            <a:r>
-              <a:rPr lang="en-US" altLang="ko-KR" dirty="0"/>
-              <a:t> 2: Jenkins </a:t>
-            </a:r>
-            <a:r>
-              <a:rPr lang="ko-KR" altLang="en-US" dirty="0"/>
-              <a:t>작업 설정</a:t>
-            </a:r>
-            <a:endParaRPr lang="en-US" altLang="ko-KR" dirty="0"/>
-          </a:p>
-          <a:p>
-            <a:r>
-              <a:rPr lang="en-US" altLang="ko-KR" dirty="0" err="1">
-                <a:solidFill>
-                  <a:srgbClr val="FF0000"/>
-                </a:solidFill>
-              </a:rPr>
-              <a:t>Todo</a:t>
-            </a:r>
-            <a:r>
-              <a:rPr lang="en-US" altLang="ko-KR" dirty="0">
-                <a:solidFill>
-                  <a:srgbClr val="FF0000"/>
-                </a:solidFill>
-              </a:rPr>
-              <a:t> 3: Jenkins </a:t>
-            </a:r>
-            <a:r>
-              <a:rPr lang="ko-KR" altLang="en-US" dirty="0">
-                <a:solidFill>
-                  <a:srgbClr val="FF0000"/>
-                </a:solidFill>
-              </a:rPr>
-              <a:t>빌드 설정</a:t>
-            </a:r>
-          </a:p>
-          <a:p>
-            <a:endParaRPr lang="ko-KR" altLang="en-US" dirty="0">
-              <a:solidFill>
-                <a:srgbClr val="FF0000"/>
-              </a:solidFill>
-            </a:endParaRPr>
-          </a:p>
-        </p:txBody>
-      </p:sp>
-      <p:sp>
-        <p:nvSpPr>
-          <p:cNvPr id="4" name="슬라이드 번호 개체 틀 3">
-            <a:extLst>
-              <a:ext uri="{FF2B5EF4-FFF2-40B4-BE49-F238E27FC236}">
-                <a16:creationId xmlns:a16="http://schemas.microsoft.com/office/drawing/2014/main" id="{3C70A1F4-DAF1-4600-ADF3-7BE17A81844F}"/>
-              </a:ext>
-            </a:extLst>
-          </p:cNvPr>
-          <p:cNvSpPr>
-            <a:spLocks noGrp="1"/>
-          </p:cNvSpPr>
-          <p:nvPr>
-            <p:ph type="sldNum" sz="quarter" idx="12"/>
-          </p:nvPr>
-        </p:nvSpPr>
-        <p:spPr/>
-        <p:txBody>
-          <a:bodyPr/>
-          <a:lstStyle/>
-          <a:p>
-            <a:fld id="{64F0D409-D3F6-4EEC-8C77-1F5E89989FFB}" type="slidenum">
-              <a:rPr lang="ko-KR" altLang="en-US" smtClean="0"/>
-              <a:t>45</a:t>
-            </a:fld>
-            <a:endParaRPr lang="ko-KR" altLang="en-US"/>
-          </a:p>
-        </p:txBody>
-      </p:sp>
-    </p:spTree>
-    <p:extLst>
-      <p:ext uri="{BB962C8B-B14F-4D97-AF65-F5344CB8AC3E}">
-        <p14:creationId xmlns:p14="http://schemas.microsoft.com/office/powerpoint/2010/main" val="313506080"/>
-      </p:ext>
-    </p:extLst>
-  </p:cSld>
-  <p:clrMapOvr>
-    <a:masterClrMapping/>
-  </p:clrMapOvr>
-</p:sld>
-</file>
-
-<file path=ppt/slides/slide46.xml><?xml version="1.0" encoding="utf-8"?>
-<p:sld xmlns:a="http://schemas.openxmlformats.org/drawingml/2006/main" xmlns:r="http://schemas.openxmlformats.org/officeDocument/2006/relationships" xmlns:p="http://schemas.openxmlformats.org/presentationml/2006/main">
-  <p:cSld>
-    <p:spTree>
-      <p:nvGrpSpPr>
-        <p:cNvPr id="1" name=""/>
-        <p:cNvGrpSpPr/>
-        <p:nvPr/>
-      </p:nvGrpSpPr>
-      <p:grpSpPr>
-        <a:xfrm>
-          <a:off x="0" y="0"/>
-          <a:ext cx="0" cy="0"/>
-          <a:chOff x="0" y="0"/>
-          <a:chExt cx="0" cy="0"/>
-        </a:xfrm>
-      </p:grpSpPr>
-      <p:sp>
-        <p:nvSpPr>
-          <p:cNvPr id="2" name="제목 1">
-            <a:extLst>
-              <a:ext uri="{FF2B5EF4-FFF2-40B4-BE49-F238E27FC236}">
-                <a16:creationId xmlns:a16="http://schemas.microsoft.com/office/drawing/2014/main" id="{788DC982-F6A5-4418-8C59-289F0435FF2C}"/>
-              </a:ext>
-            </a:extLst>
-          </p:cNvPr>
-          <p:cNvSpPr>
-            <a:spLocks noGrp="1"/>
-          </p:cNvSpPr>
-          <p:nvPr>
-            <p:ph type="title"/>
-          </p:nvPr>
-        </p:nvSpPr>
-        <p:spPr/>
-        <p:txBody>
-          <a:bodyPr/>
-          <a:lstStyle/>
-          <a:p>
-            <a:r>
-              <a:rPr lang="ko-KR" altLang="en-US" dirty="0"/>
-              <a:t>빌드 설정</a:t>
-            </a:r>
-          </a:p>
-        </p:txBody>
-      </p:sp>
-      <p:sp>
-        <p:nvSpPr>
-          <p:cNvPr id="3" name="내용 개체 틀 2">
-            <a:extLst>
-              <a:ext uri="{FF2B5EF4-FFF2-40B4-BE49-F238E27FC236}">
-                <a16:creationId xmlns:a16="http://schemas.microsoft.com/office/drawing/2014/main" id="{A188D4A7-69A5-4AA6-8AC2-F60406EB16E3}"/>
-              </a:ext>
-            </a:extLst>
-          </p:cNvPr>
-          <p:cNvSpPr>
-            <a:spLocks noGrp="1"/>
-          </p:cNvSpPr>
-          <p:nvPr>
-            <p:ph idx="1"/>
-          </p:nvPr>
-        </p:nvSpPr>
-        <p:spPr/>
-        <p:txBody>
-          <a:bodyPr/>
-          <a:lstStyle/>
-          <a:p>
-            <a:r>
-              <a:rPr lang="en-US" altLang="ko-KR" sz="2000" dirty="0"/>
-              <a:t>GitHub </a:t>
-            </a:r>
-            <a:r>
-              <a:rPr lang="ko-KR" altLang="en-US" sz="2000" dirty="0"/>
-              <a:t>연동 테스트는 했으니</a:t>
-            </a:r>
-            <a:r>
-              <a:rPr lang="en-US" altLang="ko-KR" sz="2000" dirty="0"/>
-              <a:t>, </a:t>
-            </a:r>
-            <a:r>
-              <a:rPr lang="ko-KR" altLang="en-US" sz="2000" dirty="0"/>
-              <a:t>실제 빌드할 내용을 설정</a:t>
-            </a:r>
-            <a:endParaRPr lang="en-US" altLang="ko-KR" sz="2000" dirty="0"/>
-          </a:p>
-          <a:p>
-            <a:pPr marL="457200" indent="-457200">
-              <a:buFont typeface="+mj-lt"/>
-              <a:buAutoNum type="arabicPeriod"/>
-            </a:pPr>
-            <a:r>
-              <a:rPr lang="en-US" altLang="ko-KR" sz="2000" dirty="0"/>
-              <a:t>Test (integration)</a:t>
-            </a:r>
-          </a:p>
-          <a:p>
-            <a:pPr marL="914400" lvl="1" indent="-457200">
-              <a:buFont typeface="+mj-lt"/>
-              <a:buAutoNum type="arabicPeriod"/>
-            </a:pPr>
-            <a:r>
-              <a:rPr lang="en-US" altLang="ko-KR" sz="1800" dirty="0"/>
-              <a:t>SSH </a:t>
-            </a:r>
-            <a:r>
-              <a:rPr lang="ko-KR" altLang="en-US" sz="1800" dirty="0"/>
-              <a:t>를 이용해 </a:t>
-            </a:r>
-            <a:r>
-              <a:rPr lang="en-US" altLang="ko-KR" sz="1800" dirty="0"/>
-              <a:t>Git pull (</a:t>
-            </a:r>
-            <a:r>
-              <a:rPr lang="ko-KR" altLang="en-US" sz="1800" dirty="0"/>
-              <a:t>이미 </a:t>
-            </a:r>
-            <a:r>
-              <a:rPr lang="en-US" altLang="ko-KR" sz="1800" dirty="0"/>
-              <a:t>git clone </a:t>
-            </a:r>
-            <a:r>
-              <a:rPr lang="ko-KR" altLang="en-US" sz="1800" dirty="0"/>
-              <a:t>으로 환경이 구성되어 있음</a:t>
-            </a:r>
-            <a:r>
-              <a:rPr lang="en-US" altLang="ko-KR" sz="1800" dirty="0"/>
-              <a:t>)</a:t>
-            </a:r>
-          </a:p>
-          <a:p>
-            <a:pPr marL="914400" lvl="1" indent="-457200">
-              <a:buFont typeface="+mj-lt"/>
-              <a:buAutoNum type="arabicPeriod"/>
-            </a:pPr>
-            <a:r>
-              <a:rPr lang="ko-KR" altLang="en-US" sz="1800" dirty="0"/>
-              <a:t>이미 동작 중인 프로세스가 있다면 강제 종료</a:t>
-            </a:r>
-            <a:endParaRPr lang="en-US" altLang="ko-KR" sz="1800" dirty="0"/>
-          </a:p>
-          <a:p>
-            <a:pPr marL="914400" lvl="1" indent="-457200">
-              <a:buFont typeface="+mj-lt"/>
-              <a:buAutoNum type="arabicPeriod"/>
-            </a:pPr>
-            <a:r>
-              <a:rPr lang="en-US" altLang="ko-KR" sz="1800" dirty="0"/>
-              <a:t>Mocha</a:t>
-            </a:r>
-            <a:r>
-              <a:rPr lang="ko-KR" altLang="en-US" sz="1800" dirty="0"/>
-              <a:t>를 이용한 동작 테스트</a:t>
-            </a:r>
-            <a:endParaRPr lang="en-US" altLang="ko-KR" sz="1800" dirty="0"/>
-          </a:p>
-          <a:p>
-            <a:pPr marL="914400" lvl="1" indent="-457200">
-              <a:buFont typeface="+mj-lt"/>
-              <a:buAutoNum type="arabicPeriod"/>
-            </a:pPr>
-            <a:r>
-              <a:rPr lang="ko-KR" altLang="en-US" sz="1800" dirty="0"/>
-              <a:t>실패하면 중단</a:t>
-            </a:r>
-            <a:endParaRPr lang="en-US" altLang="ko-KR" sz="1800" dirty="0"/>
-          </a:p>
-          <a:p>
-            <a:pPr marL="457200" indent="-457200">
-              <a:buFont typeface="+mj-lt"/>
-              <a:buAutoNum type="arabicPeriod"/>
-            </a:pPr>
-            <a:r>
-              <a:rPr lang="en-US" altLang="ko-KR" sz="2000" dirty="0"/>
-              <a:t>Deploy</a:t>
-            </a:r>
-          </a:p>
-          <a:p>
-            <a:pPr marL="914400" lvl="1" indent="-457200">
-              <a:buFont typeface="+mj-lt"/>
-              <a:buAutoNum type="arabicPeriod"/>
-            </a:pPr>
-            <a:r>
-              <a:rPr lang="en-US" altLang="ko-KR" sz="1800" dirty="0"/>
-              <a:t>SSH </a:t>
-            </a:r>
-            <a:r>
-              <a:rPr lang="ko-KR" altLang="en-US" sz="1800" dirty="0"/>
-              <a:t>를 이용해 </a:t>
-            </a:r>
-            <a:r>
-              <a:rPr lang="en-US" altLang="ko-KR" sz="1800" dirty="0"/>
-              <a:t>Git pull (</a:t>
-            </a:r>
-            <a:r>
-              <a:rPr lang="ko-KR" altLang="en-US" sz="1800" dirty="0"/>
-              <a:t>이미 </a:t>
-            </a:r>
-            <a:r>
-              <a:rPr lang="en-US" altLang="ko-KR" sz="1800" dirty="0"/>
-              <a:t>git clone </a:t>
-            </a:r>
-            <a:r>
-              <a:rPr lang="ko-KR" altLang="en-US" sz="1800" dirty="0"/>
-              <a:t>으로 환경이 구성되어 있음</a:t>
-            </a:r>
-            <a:r>
-              <a:rPr lang="en-US" altLang="ko-KR" sz="1800" dirty="0"/>
-              <a:t>)</a:t>
-            </a:r>
-          </a:p>
-          <a:p>
-            <a:pPr marL="914400" lvl="1" indent="-457200">
-              <a:buFont typeface="+mj-lt"/>
-              <a:buAutoNum type="arabicPeriod"/>
-            </a:pPr>
-            <a:r>
-              <a:rPr lang="ko-KR" altLang="en-US" sz="1800" dirty="0"/>
-              <a:t>이미 동작 중인 프로세스가 있다면 강제 종료</a:t>
-            </a:r>
-            <a:endParaRPr lang="en-US" altLang="ko-KR" sz="1800" dirty="0"/>
-          </a:p>
-          <a:p>
-            <a:pPr marL="914400" lvl="1" indent="-457200">
-              <a:buFont typeface="+mj-lt"/>
-              <a:buAutoNum type="arabicPeriod"/>
-            </a:pPr>
-            <a:r>
-              <a:rPr lang="en-US" altLang="ko-KR" sz="1800" dirty="0">
-                <a:solidFill>
-                  <a:srgbClr val="FF0000"/>
-                </a:solidFill>
-              </a:rPr>
-              <a:t>execute </a:t>
-            </a:r>
-            <a:r>
-              <a:rPr lang="en-US" altLang="ko-KR" sz="1800" dirty="0" err="1">
-                <a:solidFill>
-                  <a:srgbClr val="FF0000"/>
-                </a:solidFill>
-              </a:rPr>
-              <a:t>nodejs</a:t>
-            </a:r>
-            <a:r>
-              <a:rPr lang="en-US" altLang="ko-KR" sz="1800" dirty="0">
-                <a:solidFill>
-                  <a:srgbClr val="FF0000"/>
-                </a:solidFill>
-              </a:rPr>
-              <a:t> index.js</a:t>
-            </a:r>
-            <a:endParaRPr lang="ko-KR" altLang="en-US" sz="1800" dirty="0">
-              <a:solidFill>
-                <a:srgbClr val="FF0000"/>
-              </a:solidFill>
-            </a:endParaRPr>
-          </a:p>
-        </p:txBody>
-      </p:sp>
-      <p:sp>
-        <p:nvSpPr>
-          <p:cNvPr id="4" name="슬라이드 번호 개체 틀 3">
-            <a:extLst>
-              <a:ext uri="{FF2B5EF4-FFF2-40B4-BE49-F238E27FC236}">
-                <a16:creationId xmlns:a16="http://schemas.microsoft.com/office/drawing/2014/main" id="{BBD4EEA6-93D6-428A-9B9E-1B25F0898765}"/>
-              </a:ext>
-            </a:extLst>
-          </p:cNvPr>
-          <p:cNvSpPr>
-            <a:spLocks noGrp="1"/>
-          </p:cNvSpPr>
-          <p:nvPr>
-            <p:ph type="sldNum" sz="quarter" idx="12"/>
-          </p:nvPr>
-        </p:nvSpPr>
-        <p:spPr/>
-        <p:txBody>
-          <a:bodyPr/>
-          <a:lstStyle/>
-          <a:p>
-            <a:fld id="{64F0D409-D3F6-4EEC-8C77-1F5E89989FFB}" type="slidenum">
-              <a:rPr lang="ko-KR" altLang="en-US" smtClean="0"/>
-              <a:t>46</a:t>
-            </a:fld>
-            <a:endParaRPr lang="ko-KR" altLang="en-US"/>
-          </a:p>
-        </p:txBody>
-      </p:sp>
-    </p:spTree>
-    <p:extLst>
-      <p:ext uri="{BB962C8B-B14F-4D97-AF65-F5344CB8AC3E}">
-        <p14:creationId xmlns:p14="http://schemas.microsoft.com/office/powerpoint/2010/main" val="4136510186"/>
       </p:ext>
     </p:extLst>
   </p:cSld>
@@ -13713,7 +13764,7 @@
           <p:cNvPr id="2" name="제목 1">
             <a:extLst>
               <a:ext uri="{FF2B5EF4-FFF2-40B4-BE49-F238E27FC236}">
-                <a16:creationId xmlns:a16="http://schemas.microsoft.com/office/drawing/2014/main" id="{1345D8BF-17C0-4A5F-9CDE-27C80B9E2D9B}"/>
+                <a16:creationId xmlns:a16="http://schemas.microsoft.com/office/drawing/2014/main" id="{FB0373DA-A8BE-4146-851C-76F78F995D73}"/>
               </a:ext>
             </a:extLst>
           </p:cNvPr>
@@ -13730,277 +13781,95 @@
           <a:lstStyle/>
           <a:p>
             <a:r>
+              <a:rPr lang="en-US" altLang="ko-KR" dirty="0"/>
+              <a:t>Jenkins</a:t>
+            </a:r>
+            <a:endParaRPr lang="ko-KR" altLang="en-US" dirty="0"/>
+          </a:p>
+        </p:txBody>
+      </p:sp>
+      <p:sp>
+        <p:nvSpPr>
+          <p:cNvPr id="3" name="텍스트 개체 틀 2">
+            <a:extLst>
+              <a:ext uri="{FF2B5EF4-FFF2-40B4-BE49-F238E27FC236}">
+                <a16:creationId xmlns:a16="http://schemas.microsoft.com/office/drawing/2014/main" id="{70B2E06B-645D-43A9-8402-A40D14584C76}"/>
+              </a:ext>
+            </a:extLst>
+          </p:cNvPr>
+          <p:cNvSpPr>
+            <a:spLocks noGrp="1"/>
+          </p:cNvSpPr>
+          <p:nvPr>
+            <p:ph type="body" idx="1"/>
+          </p:nvPr>
+        </p:nvSpPr>
+        <p:spPr/>
+        <p:txBody>
+          <a:bodyPr/>
+          <a:lstStyle/>
+          <a:p>
+            <a:r>
+              <a:rPr lang="en-US" altLang="ko-KR" dirty="0" err="1"/>
+              <a:t>Todo</a:t>
+            </a:r>
+            <a:r>
+              <a:rPr lang="en-US" altLang="ko-KR" dirty="0"/>
+              <a:t> 1: Jenkins </a:t>
+            </a:r>
+            <a:r>
               <a:rPr lang="ko-KR" altLang="en-US" dirty="0"/>
-              <a:t>이슈</a:t>
-            </a:r>
-          </a:p>
-        </p:txBody>
-      </p:sp>
-      <p:sp>
-        <p:nvSpPr>
-          <p:cNvPr id="3" name="내용 개체 틀 2">
-            <a:extLst>
-              <a:ext uri="{FF2B5EF4-FFF2-40B4-BE49-F238E27FC236}">
-                <a16:creationId xmlns:a16="http://schemas.microsoft.com/office/drawing/2014/main" id="{16ECD1F6-9509-487C-BD6F-BFD679A99095}"/>
-              </a:ext>
-            </a:extLst>
-          </p:cNvPr>
-          <p:cNvSpPr>
-            <a:spLocks noGrp="1"/>
-          </p:cNvSpPr>
-          <p:nvPr>
-            <p:ph idx="1"/>
-          </p:nvPr>
-        </p:nvSpPr>
-        <p:spPr/>
-        <p:txBody>
-          <a:bodyPr/>
-          <a:lstStyle/>
-          <a:p>
-            <a:r>
-              <a:rPr lang="en-US" altLang="ko-KR" sz="2000" dirty="0"/>
-              <a:t>Deployment Server </a:t>
-            </a:r>
-            <a:r>
-              <a:rPr lang="ko-KR" altLang="en-US" sz="2000" dirty="0"/>
-              <a:t>에서 이미 동작 중인 </a:t>
-            </a:r>
-            <a:r>
-              <a:rPr lang="ko-KR" altLang="en-US" sz="2000" dirty="0" err="1"/>
-              <a:t>챗봇</a:t>
-            </a:r>
-            <a:r>
-              <a:rPr lang="ko-KR" altLang="en-US" sz="2000" dirty="0"/>
-              <a:t> 서버</a:t>
-            </a:r>
-            <a:endParaRPr lang="en-US" altLang="ko-KR" sz="2000" dirty="0"/>
-          </a:p>
-          <a:p>
-            <a:pPr lvl="1"/>
-            <a:r>
-              <a:rPr lang="ko-KR" altLang="en-US" sz="1800" dirty="0"/>
-              <a:t>이미 </a:t>
-            </a:r>
-            <a:r>
-              <a:rPr lang="en-US" altLang="ko-KR" sz="1800" dirty="0"/>
-              <a:t>deploy server </a:t>
-            </a:r>
-            <a:r>
-              <a:rPr lang="ko-KR" altLang="en-US" sz="1800" dirty="0"/>
-              <a:t>에서 </a:t>
-            </a:r>
-            <a:r>
-              <a:rPr lang="ko-KR" altLang="en-US" sz="1800" dirty="0" err="1"/>
-              <a:t>챗봇</a:t>
-            </a:r>
-            <a:r>
-              <a:rPr lang="ko-KR" altLang="en-US" sz="1800" dirty="0"/>
-              <a:t> 서버가 서비스 중이라는 점</a:t>
-            </a:r>
-            <a:endParaRPr lang="en-US" altLang="ko-KR" sz="1800" dirty="0"/>
-          </a:p>
-          <a:p>
-            <a:pPr lvl="1"/>
-            <a:r>
-              <a:rPr lang="ko-KR" altLang="en-US" sz="1800" dirty="0"/>
-              <a:t>따라서 기존 </a:t>
-            </a:r>
-            <a:r>
-              <a:rPr lang="ko-KR" altLang="en-US" sz="1800" dirty="0" err="1"/>
-              <a:t>챗봇들</a:t>
-            </a:r>
-            <a:r>
-              <a:rPr lang="ko-KR" altLang="en-US" sz="1800" dirty="0"/>
-              <a:t> 외에 추가로 테스트를 위한 </a:t>
-            </a:r>
-            <a:r>
-              <a:rPr lang="ko-KR" altLang="en-US" sz="1800" dirty="0" err="1"/>
-              <a:t>챗봇을</a:t>
-            </a:r>
-            <a:r>
-              <a:rPr lang="ko-KR" altLang="en-US" sz="1800" dirty="0"/>
-              <a:t> 추가해야 함</a:t>
-            </a:r>
-            <a:endParaRPr lang="en-US" altLang="ko-KR" sz="1800" dirty="0"/>
-          </a:p>
-          <a:p>
-            <a:pPr lvl="1"/>
-            <a:r>
-              <a:rPr lang="en-US" altLang="ko-KR" sz="1800" dirty="0"/>
-              <a:t>(</a:t>
-            </a:r>
-            <a:r>
-              <a:rPr lang="ko-KR" altLang="en-US" sz="1800" dirty="0"/>
-              <a:t>편의상</a:t>
-            </a:r>
-            <a:r>
-              <a:rPr lang="en-US" altLang="ko-KR" sz="1800" dirty="0"/>
-              <a:t>,</a:t>
-            </a:r>
-            <a:r>
-              <a:rPr lang="ko-KR" altLang="en-US" sz="1800" dirty="0"/>
-              <a:t> </a:t>
-            </a:r>
-            <a:r>
-              <a:rPr lang="en-US" altLang="ko-KR" sz="1800" dirty="0"/>
-              <a:t>deploy server</a:t>
-            </a:r>
-            <a:r>
-              <a:rPr lang="ko-KR" altLang="en-US" sz="1800" dirty="0"/>
-              <a:t>의 </a:t>
-            </a:r>
-            <a:r>
-              <a:rPr lang="ko-KR" altLang="en-US" sz="1800" dirty="0" err="1"/>
-              <a:t>챗봇</a:t>
-            </a:r>
-            <a:r>
-              <a:rPr lang="ko-KR" altLang="en-US" sz="1800" dirty="0"/>
-              <a:t> 서버는 동작을 멈추고 진행할 것</a:t>
-            </a:r>
-            <a:r>
-              <a:rPr lang="en-US" altLang="ko-KR" sz="1800" dirty="0"/>
-              <a:t>)</a:t>
-            </a:r>
-          </a:p>
-          <a:p>
-            <a:r>
-              <a:rPr lang="en-US" altLang="ko-KR" sz="2000" dirty="0"/>
-              <a:t>GitHub project </a:t>
-            </a:r>
-            <a:r>
-              <a:rPr lang="ko-KR" altLang="en-US" sz="2000" dirty="0"/>
-              <a:t>가</a:t>
-            </a:r>
-            <a:r>
-              <a:rPr lang="en-US" altLang="ko-KR" sz="2000" dirty="0"/>
-              <a:t> private </a:t>
-            </a:r>
-            <a:r>
-              <a:rPr lang="ko-KR" altLang="en-US" sz="2000" dirty="0"/>
-              <a:t>인 경우</a:t>
-            </a:r>
-            <a:r>
-              <a:rPr lang="en-US" altLang="ko-KR" sz="2000" dirty="0"/>
-              <a:t>, </a:t>
-            </a:r>
-            <a:r>
-              <a:rPr lang="ko-KR" altLang="en-US" sz="2000" dirty="0"/>
-              <a:t>자동으로 </a:t>
-            </a:r>
-            <a:r>
-              <a:rPr lang="en-US" altLang="ko-KR" sz="2000" dirty="0"/>
-              <a:t>pull </a:t>
-            </a:r>
-            <a:r>
-              <a:rPr lang="ko-KR" altLang="en-US" sz="2000" dirty="0"/>
-              <a:t>이 안됨</a:t>
-            </a:r>
-            <a:endParaRPr lang="en-US" altLang="ko-KR" sz="2000" dirty="0"/>
-          </a:p>
-          <a:p>
-            <a:pPr lvl="1"/>
-            <a:r>
-              <a:rPr lang="en-US" altLang="ko-KR" sz="1800" dirty="0"/>
-              <a:t>ID, PW</a:t>
-            </a:r>
-            <a:r>
-              <a:rPr lang="ko-KR" altLang="en-US" sz="1800" dirty="0"/>
-              <a:t>를 입력해야 하기 때문</a:t>
-            </a:r>
-            <a:endParaRPr lang="en-US" altLang="ko-KR" sz="1800" dirty="0"/>
-          </a:p>
-          <a:p>
-            <a:pPr lvl="1"/>
-            <a:r>
-              <a:rPr lang="en-US" altLang="ko-KR" sz="1800" dirty="0"/>
-              <a:t>$ git config </a:t>
-            </a:r>
-            <a:r>
-              <a:rPr lang="en-US" altLang="ko-KR" sz="1800" dirty="0" err="1"/>
-              <a:t>credential.helper</a:t>
-            </a:r>
-            <a:r>
-              <a:rPr lang="en-US" altLang="ko-KR" sz="1800" dirty="0"/>
-              <a:t> store</a:t>
-            </a:r>
-          </a:p>
-          <a:p>
-            <a:pPr lvl="1"/>
-            <a:r>
-              <a:rPr lang="en-US" altLang="ko-KR" sz="1800" dirty="0"/>
-              <a:t>$ git config --global </a:t>
-            </a:r>
-            <a:r>
-              <a:rPr lang="en-US" altLang="ko-KR" sz="1800" dirty="0" err="1"/>
-              <a:t>credential.helper</a:t>
-            </a:r>
-            <a:r>
-              <a:rPr lang="en-US" altLang="ko-KR" sz="1800" dirty="0"/>
-              <a:t> 'cache --timeout 7200’</a:t>
-            </a:r>
-          </a:p>
-          <a:p>
-            <a:pPr lvl="2"/>
-            <a:r>
-              <a:rPr lang="en-US" altLang="ko-KR" sz="1600" dirty="0"/>
-              <a:t>7200</a:t>
-            </a:r>
-            <a:r>
-              <a:rPr lang="ko-KR" altLang="en-US" sz="1600" dirty="0"/>
-              <a:t>초 동안 다시 로그인할 필요 없음 </a:t>
-            </a:r>
-            <a:r>
-              <a:rPr lang="en-US" altLang="ko-KR" sz="1600" dirty="0"/>
-              <a:t>(</a:t>
-            </a:r>
-            <a:r>
-              <a:rPr lang="ko-KR" altLang="en-US" sz="1600" dirty="0"/>
-              <a:t>일주일</a:t>
-            </a:r>
-            <a:r>
-              <a:rPr lang="en-US" altLang="ko-KR" sz="1600" dirty="0"/>
-              <a:t>: 604800</a:t>
-            </a:r>
-            <a:r>
-              <a:rPr lang="ko-KR" altLang="en-US" sz="1600" dirty="0"/>
-              <a:t>초</a:t>
-            </a:r>
-            <a:r>
-              <a:rPr lang="en-US" altLang="ko-KR" sz="1600" dirty="0"/>
-              <a:t>)</a:t>
-            </a:r>
-          </a:p>
-          <a:p>
-            <a:pPr lvl="2"/>
-            <a:r>
-              <a:rPr lang="en-US" altLang="ko-KR" sz="1600" dirty="0"/>
-              <a:t>Private repo</a:t>
-            </a:r>
-            <a:r>
-              <a:rPr lang="ko-KR" altLang="en-US" sz="1600" dirty="0"/>
-              <a:t>를 쓸 경우</a:t>
-            </a:r>
-            <a:r>
-              <a:rPr lang="en-US" altLang="ko-KR" sz="1600" dirty="0"/>
-              <a:t>, </a:t>
-            </a:r>
-            <a:r>
-              <a:rPr lang="ko-KR" altLang="en-US" sz="1600" dirty="0"/>
-              <a:t>로그인 정보는 정기적으로 관리할 필요가 있음</a:t>
-            </a:r>
-            <a:endParaRPr lang="en-US" altLang="ko-KR" sz="1600" dirty="0"/>
-          </a:p>
-          <a:p>
-            <a:pPr lvl="1"/>
-            <a:r>
-              <a:rPr lang="en-US" altLang="ko-KR" sz="1800" dirty="0"/>
-              <a:t>$ git pull	&lt;- </a:t>
-            </a:r>
-            <a:r>
-              <a:rPr lang="ko-KR" altLang="en-US" sz="1800" dirty="0"/>
-              <a:t>여기서 한 번 로그인</a:t>
-            </a:r>
-            <a:endParaRPr lang="en-US" altLang="ko-KR" sz="1800" dirty="0"/>
+              <a:t>서버 구축</a:t>
+            </a:r>
+            <a:endParaRPr lang="en-US" altLang="ko-KR" dirty="0"/>
+          </a:p>
+          <a:p>
+            <a:r>
+              <a:rPr lang="en-US" altLang="ko-KR" dirty="0" err="1"/>
+              <a:t>Todo</a:t>
+            </a:r>
+            <a:r>
+              <a:rPr lang="en-US" altLang="ko-KR" dirty="0"/>
+              <a:t> 2: Jenkins </a:t>
+            </a:r>
+            <a:r>
+              <a:rPr lang="ko-KR" altLang="en-US" dirty="0"/>
+              <a:t>작업 설정</a:t>
+            </a:r>
+            <a:endParaRPr lang="en-US" altLang="ko-KR" dirty="0"/>
+          </a:p>
+          <a:p>
+            <a:r>
+              <a:rPr lang="en-US" altLang="ko-KR" dirty="0" err="1">
+                <a:solidFill>
+                  <a:srgbClr val="FF0000"/>
+                </a:solidFill>
+              </a:rPr>
+              <a:t>Todo</a:t>
+            </a:r>
+            <a:r>
+              <a:rPr lang="en-US" altLang="ko-KR" dirty="0">
+                <a:solidFill>
+                  <a:srgbClr val="FF0000"/>
+                </a:solidFill>
+              </a:rPr>
+              <a:t> 3: Jenkins </a:t>
+            </a:r>
+            <a:r>
+              <a:rPr lang="ko-KR" altLang="en-US" dirty="0">
+                <a:solidFill>
+                  <a:srgbClr val="FF0000"/>
+                </a:solidFill>
+              </a:rPr>
+              <a:t>빌드 설정</a:t>
+            </a:r>
+          </a:p>
+          <a:p>
+            <a:endParaRPr lang="ko-KR" altLang="en-US" dirty="0">
+              <a:solidFill>
+                <a:srgbClr val="FF0000"/>
+              </a:solidFill>
+            </a:endParaRPr>
           </a:p>
         </p:txBody>
       </p:sp>
@@ -14009,7 +13878,7 @@
           <p:cNvPr id="4" name="슬라이드 번호 개체 틀 3">
             <a:extLst>
               <a:ext uri="{FF2B5EF4-FFF2-40B4-BE49-F238E27FC236}">
-                <a16:creationId xmlns:a16="http://schemas.microsoft.com/office/drawing/2014/main" id="{D9953A8B-DBEB-4A10-B1BB-FEBF12D6C3BC}"/>
+                <a16:creationId xmlns:a16="http://schemas.microsoft.com/office/drawing/2014/main" id="{3C70A1F4-DAF1-4600-ADF3-7BE17A81844F}"/>
               </a:ext>
             </a:extLst>
           </p:cNvPr>
@@ -14036,7 +13905,7 @@
     </p:spTree>
     <p:extLst>
       <p:ext uri="{BB962C8B-B14F-4D97-AF65-F5344CB8AC3E}">
-        <p14:creationId xmlns:p14="http://schemas.microsoft.com/office/powerpoint/2010/main" val="570950441"/>
+        <p14:creationId xmlns:p14="http://schemas.microsoft.com/office/powerpoint/2010/main" val="313506080"/>
       </p:ext>
     </p:extLst>
   </p:cSld>
@@ -14068,7 +13937,7 @@
           <p:cNvPr id="2" name="제목 1">
             <a:extLst>
               <a:ext uri="{FF2B5EF4-FFF2-40B4-BE49-F238E27FC236}">
-                <a16:creationId xmlns:a16="http://schemas.microsoft.com/office/drawing/2014/main" id="{27054DB4-51E0-4CE4-9CFC-67B4A620C055}"/>
+                <a16:creationId xmlns:a16="http://schemas.microsoft.com/office/drawing/2014/main" id="{788DC982-F6A5-4418-8C59-289F0435FF2C}"/>
               </a:ext>
             </a:extLst>
           </p:cNvPr>
@@ -14088,55 +13957,227 @@
               <a:rPr lang="ko-KR" altLang="en-US" dirty="0"/>
               <a:t>빌드 설정</a:t>
             </a:r>
-            <a:r>
-              <a:rPr lang="en-US" altLang="ko-KR" dirty="0"/>
-              <a:t>: </a:t>
-            </a:r>
-            <a:r>
-              <a:rPr lang="ko-KR" altLang="en-US" dirty="0"/>
-              <a:t>빌드 단계 추가</a:t>
-            </a:r>
-          </a:p>
-        </p:txBody>
-      </p:sp>
-      <p:pic>
-        <p:nvPicPr>
-          <p:cNvPr id="5" name="내용 개체 틀 4">
-            <a:extLst>
-              <a:ext uri="{FF2B5EF4-FFF2-40B4-BE49-F238E27FC236}">
-                <a16:creationId xmlns:a16="http://schemas.microsoft.com/office/drawing/2014/main" id="{92B0BDD3-CE97-43A1-A245-4DA508AAB219}"/>
-              </a:ext>
-            </a:extLst>
-          </p:cNvPr>
-          <p:cNvPicPr>
-            <a:picLocks noGrp="1" noChangeAspect="1"/>
-          </p:cNvPicPr>
+          </a:p>
+        </p:txBody>
+      </p:sp>
+      <p:sp>
+        <p:nvSpPr>
+          <p:cNvPr id="3" name="내용 개체 틀 2">
+            <a:extLst>
+              <a:ext uri="{FF2B5EF4-FFF2-40B4-BE49-F238E27FC236}">
+                <a16:creationId xmlns:a16="http://schemas.microsoft.com/office/drawing/2014/main" id="{A188D4A7-69A5-4AA6-8AC2-F60406EB16E3}"/>
+              </a:ext>
+            </a:extLst>
+          </p:cNvPr>
+          <p:cNvSpPr>
+            <a:spLocks noGrp="1"/>
+          </p:cNvSpPr>
           <p:nvPr>
             <p:ph idx="1"/>
           </p:nvPr>
-        </p:nvPicPr>
-        <p:blipFill>
-          <a:blip r:embed="rId2"/>
-          <a:stretch>
-            <a:fillRect/>
-          </a:stretch>
-        </p:blipFill>
-        <p:spPr>
-          <a:xfrm>
-            <a:off x="1004888" y="1188244"/>
-            <a:ext cx="7134225" cy="5010150"/>
-          </a:xfrm>
-          <a:prstGeom prst="rect">
-            <a:avLst/>
-          </a:prstGeom>
-        </p:spPr>
-      </p:pic>
+        </p:nvSpPr>
+        <p:spPr/>
+        <p:txBody>
+          <a:bodyPr/>
+          <a:lstStyle/>
+          <a:p>
+            <a:r>
+              <a:rPr lang="en-US" altLang="ko-KR" sz="2000" dirty="0"/>
+              <a:t>GitHub </a:t>
+            </a:r>
+            <a:r>
+              <a:rPr lang="ko-KR" altLang="en-US" sz="2000" dirty="0"/>
+              <a:t>연동 테스트는 했으니</a:t>
+            </a:r>
+            <a:r>
+              <a:rPr lang="en-US" altLang="ko-KR" sz="2000" dirty="0"/>
+              <a:t>, </a:t>
+            </a:r>
+            <a:r>
+              <a:rPr lang="ko-KR" altLang="en-US" sz="2000" dirty="0"/>
+              <a:t>실제 빌드할 내용을 설정</a:t>
+            </a:r>
+            <a:endParaRPr lang="en-US" altLang="ko-KR" sz="2000" dirty="0"/>
+          </a:p>
+          <a:p>
+            <a:pPr marL="457200" indent="-457200">
+              <a:buFont typeface="+mj-lt"/>
+              <a:buAutoNum type="arabicPeriod"/>
+            </a:pPr>
+            <a:r>
+              <a:rPr lang="en-US" altLang="ko-KR" sz="2000" dirty="0"/>
+              <a:t>Test (integration)</a:t>
+            </a:r>
+          </a:p>
+          <a:p>
+            <a:pPr marL="914400" lvl="1" indent="-457200">
+              <a:buFont typeface="+mj-lt"/>
+              <a:buAutoNum type="arabicPeriod"/>
+            </a:pPr>
+            <a:r>
+              <a:rPr lang="en-US" altLang="ko-KR" sz="1800" dirty="0"/>
+              <a:t>SSH </a:t>
+            </a:r>
+            <a:r>
+              <a:rPr lang="ko-KR" altLang="en-US" sz="1800" dirty="0"/>
+              <a:t>를 이용해 </a:t>
+            </a:r>
+            <a:r>
+              <a:rPr lang="en-US" altLang="ko-KR" sz="1800" dirty="0"/>
+              <a:t>Git pull (</a:t>
+            </a:r>
+            <a:r>
+              <a:rPr lang="ko-KR" altLang="en-US" sz="1800" dirty="0"/>
+              <a:t>이미 </a:t>
+            </a:r>
+            <a:r>
+              <a:rPr lang="en-US" altLang="ko-KR" sz="1800" dirty="0"/>
+              <a:t>git clone </a:t>
+            </a:r>
+            <a:r>
+              <a:rPr lang="ko-KR" altLang="en-US" sz="1800" dirty="0"/>
+              <a:t>으로 환경이 구성되어 있음</a:t>
+            </a:r>
+            <a:r>
+              <a:rPr lang="en-US" altLang="ko-KR" sz="1800" dirty="0"/>
+              <a:t>)</a:t>
+            </a:r>
+          </a:p>
+          <a:p>
+            <a:pPr marL="914400" lvl="1" indent="-457200">
+              <a:buFont typeface="+mj-lt"/>
+              <a:buAutoNum type="arabicPeriod"/>
+            </a:pPr>
+            <a:r>
+              <a:rPr lang="ko-KR" altLang="en-US" sz="1800" dirty="0"/>
+              <a:t>이미 동작 중인 프로세스가 있다면 강제 종료</a:t>
+            </a:r>
+            <a:endParaRPr lang="en-US" altLang="ko-KR" sz="1800" dirty="0"/>
+          </a:p>
+          <a:p>
+            <a:pPr marL="914400" lvl="1" indent="-457200">
+              <a:buFont typeface="+mj-lt"/>
+              <a:buAutoNum type="arabicPeriod"/>
+            </a:pPr>
+            <a:r>
+              <a:rPr lang="en-US" altLang="ko-KR" sz="1800" dirty="0"/>
+              <a:t>Mocha</a:t>
+            </a:r>
+            <a:r>
+              <a:rPr lang="ko-KR" altLang="en-US" sz="1800" dirty="0"/>
+              <a:t>를 이용한 동작 테스트</a:t>
+            </a:r>
+            <a:endParaRPr lang="en-US" altLang="ko-KR" sz="1800" dirty="0"/>
+          </a:p>
+          <a:p>
+            <a:pPr marL="914400" lvl="1" indent="-457200">
+              <a:buFont typeface="+mj-lt"/>
+              <a:buAutoNum type="arabicPeriod"/>
+            </a:pPr>
+            <a:r>
+              <a:rPr lang="ko-KR" altLang="en-US" sz="1800" dirty="0"/>
+              <a:t>실패하면 중단</a:t>
+            </a:r>
+            <a:endParaRPr lang="en-US" altLang="ko-KR" sz="1800" dirty="0"/>
+          </a:p>
+          <a:p>
+            <a:pPr marL="457200" indent="-457200">
+              <a:buFont typeface="+mj-lt"/>
+              <a:buAutoNum type="arabicPeriod"/>
+            </a:pPr>
+            <a:r>
+              <a:rPr lang="en-US" altLang="ko-KR" sz="2000" dirty="0"/>
+              <a:t>Deploy</a:t>
+            </a:r>
+          </a:p>
+          <a:p>
+            <a:pPr marL="914400" lvl="1" indent="-457200">
+              <a:buFont typeface="+mj-lt"/>
+              <a:buAutoNum type="arabicPeriod"/>
+            </a:pPr>
+            <a:r>
+              <a:rPr lang="en-US" altLang="ko-KR" sz="1800" dirty="0"/>
+              <a:t>SSH </a:t>
+            </a:r>
+            <a:r>
+              <a:rPr lang="ko-KR" altLang="en-US" sz="1800" dirty="0"/>
+              <a:t>를 이용해 </a:t>
+            </a:r>
+            <a:r>
+              <a:rPr lang="en-US" altLang="ko-KR" sz="1800" dirty="0"/>
+              <a:t>Git pull (</a:t>
+            </a:r>
+            <a:r>
+              <a:rPr lang="ko-KR" altLang="en-US" sz="1800" dirty="0"/>
+              <a:t>이미 </a:t>
+            </a:r>
+            <a:r>
+              <a:rPr lang="en-US" altLang="ko-KR" sz="1800" dirty="0"/>
+              <a:t>git clone </a:t>
+            </a:r>
+            <a:r>
+              <a:rPr lang="ko-KR" altLang="en-US" sz="1800" dirty="0"/>
+              <a:t>으로 환경이 구성되어 있음</a:t>
+            </a:r>
+            <a:r>
+              <a:rPr lang="en-US" altLang="ko-KR" sz="1800" dirty="0"/>
+              <a:t>)</a:t>
+            </a:r>
+          </a:p>
+          <a:p>
+            <a:pPr marL="914400" lvl="1" indent="-457200">
+              <a:buFont typeface="+mj-lt"/>
+              <a:buAutoNum type="arabicPeriod"/>
+            </a:pPr>
+            <a:r>
+              <a:rPr lang="ko-KR" altLang="en-US" sz="1800" dirty="0"/>
+              <a:t>이미 동작 중인 프로세스가 있다면 강제 종료</a:t>
+            </a:r>
+            <a:endParaRPr lang="en-US" altLang="ko-KR" sz="1800" dirty="0"/>
+          </a:p>
+          <a:p>
+            <a:pPr marL="914400" lvl="1" indent="-457200">
+              <a:buFont typeface="+mj-lt"/>
+              <a:buAutoNum type="arabicPeriod"/>
+            </a:pPr>
+            <a:r>
+              <a:rPr lang="en-US" altLang="ko-KR" sz="1800" dirty="0">
+                <a:solidFill>
+                  <a:srgbClr val="FF0000"/>
+                </a:solidFill>
+              </a:rPr>
+              <a:t>execute </a:t>
+            </a:r>
+            <a:r>
+              <a:rPr lang="en-US" altLang="ko-KR" sz="1800" dirty="0" err="1">
+                <a:solidFill>
+                  <a:srgbClr val="FF0000"/>
+                </a:solidFill>
+              </a:rPr>
+              <a:t>nodejs</a:t>
+            </a:r>
+            <a:r>
+              <a:rPr lang="en-US" altLang="ko-KR" sz="1800" dirty="0">
+                <a:solidFill>
+                  <a:srgbClr val="FF0000"/>
+                </a:solidFill>
+              </a:rPr>
+              <a:t> index.js</a:t>
+            </a:r>
+            <a:endParaRPr lang="ko-KR" altLang="en-US" sz="1800" dirty="0">
+              <a:solidFill>
+                <a:srgbClr val="FF0000"/>
+              </a:solidFill>
+            </a:endParaRPr>
+          </a:p>
+        </p:txBody>
+      </p:sp>
       <p:sp>
         <p:nvSpPr>
           <p:cNvPr id="4" name="슬라이드 번호 개체 틀 3">
             <a:extLst>
               <a:ext uri="{FF2B5EF4-FFF2-40B4-BE49-F238E27FC236}">
-                <a16:creationId xmlns:a16="http://schemas.microsoft.com/office/drawing/2014/main" id="{50044BE6-E5F5-417B-B4B9-61B0942AA389}"/>
+                <a16:creationId xmlns:a16="http://schemas.microsoft.com/office/drawing/2014/main" id="{BBD4EEA6-93D6-428A-9B9E-1B25F0898765}"/>
               </a:ext>
             </a:extLst>
           </p:cNvPr>
@@ -14160,62 +14201,10 @@
           </a:p>
         </p:txBody>
       </p:sp>
-      <p:sp>
-        <p:nvSpPr>
-          <p:cNvPr id="6" name="직사각형 5">
-            <a:extLst>
-              <a:ext uri="{FF2B5EF4-FFF2-40B4-BE49-F238E27FC236}">
-                <a16:creationId xmlns:a16="http://schemas.microsoft.com/office/drawing/2014/main" id="{5EE5000B-2E34-46CD-8642-34A8B084D5ED}"/>
-              </a:ext>
-            </a:extLst>
-          </p:cNvPr>
-          <p:cNvSpPr/>
-          <p:nvPr/>
-        </p:nvSpPr>
-        <p:spPr>
-          <a:xfrm>
-            <a:off x="1149370" y="5577196"/>
-            <a:ext cx="2934358" cy="317577"/>
-          </a:xfrm>
-          <a:prstGeom prst="rect">
-            <a:avLst/>
-          </a:prstGeom>
-          <a:noFill/>
-          <a:ln w="28575">
-            <a:solidFill>
-              <a:srgbClr val="FF0000"/>
-            </a:solidFill>
-          </a:ln>
-        </p:spPr>
-        <p:style>
-          <a:lnRef idx="2">
-            <a:schemeClr val="accent1">
-              <a:shade val="50000"/>
-            </a:schemeClr>
-          </a:lnRef>
-          <a:fillRef idx="1">
-            <a:schemeClr val="accent1"/>
-          </a:fillRef>
-          <a:effectRef idx="0">
-            <a:schemeClr val="accent1"/>
-          </a:effectRef>
-          <a:fontRef idx="minor">
-            <a:schemeClr val="lt1"/>
-          </a:fontRef>
-        </p:style>
-        <p:txBody>
-          <a:bodyPr rtlCol="0" anchor="ctr"/>
-          <a:lstStyle/>
-          <a:p>
-            <a:pPr algn="ctr"/>
-            <a:endParaRPr lang="ko-KR" altLang="en-US" dirty="0"/>
-          </a:p>
-        </p:txBody>
-      </p:sp>
     </p:spTree>
     <p:extLst>
       <p:ext uri="{BB962C8B-B14F-4D97-AF65-F5344CB8AC3E}">
-        <p14:creationId xmlns:p14="http://schemas.microsoft.com/office/powerpoint/2010/main" val="3693246043"/>
+        <p14:creationId xmlns:p14="http://schemas.microsoft.com/office/powerpoint/2010/main" val="4136510186"/>
       </p:ext>
     </p:extLst>
   </p:cSld>
@@ -14247,7 +14236,7 @@
           <p:cNvPr id="2" name="제목 1">
             <a:extLst>
               <a:ext uri="{FF2B5EF4-FFF2-40B4-BE49-F238E27FC236}">
-                <a16:creationId xmlns:a16="http://schemas.microsoft.com/office/drawing/2014/main" id="{0B0CD048-230A-4593-BCC6-0BFB4B92A0EA}"/>
+                <a16:creationId xmlns:a16="http://schemas.microsoft.com/office/drawing/2014/main" id="{1345D8BF-17C0-4A5F-9CDE-27C80B9E2D9B}"/>
               </a:ext>
             </a:extLst>
           </p:cNvPr>
@@ -14264,21 +14253,277 @@
           <a:lstStyle/>
           <a:p>
             <a:r>
-              <a:rPr lang="en-US" altLang="ko-KR" dirty="0"/>
+              <a:rPr lang="ko-KR" altLang="en-US" dirty="0"/>
+              <a:t>이슈</a:t>
+            </a:r>
+          </a:p>
+        </p:txBody>
+      </p:sp>
+      <p:sp>
+        <p:nvSpPr>
+          <p:cNvPr id="3" name="내용 개체 틀 2">
+            <a:extLst>
+              <a:ext uri="{FF2B5EF4-FFF2-40B4-BE49-F238E27FC236}">
+                <a16:creationId xmlns:a16="http://schemas.microsoft.com/office/drawing/2014/main" id="{16ECD1F6-9509-487C-BD6F-BFD679A99095}"/>
+              </a:ext>
+            </a:extLst>
+          </p:cNvPr>
+          <p:cNvSpPr>
+            <a:spLocks noGrp="1"/>
+          </p:cNvSpPr>
+          <p:nvPr>
+            <p:ph idx="1"/>
+          </p:nvPr>
+        </p:nvSpPr>
+        <p:spPr/>
+        <p:txBody>
+          <a:bodyPr/>
+          <a:lstStyle/>
+          <a:p>
+            <a:r>
+              <a:rPr lang="en-US" altLang="ko-KR" sz="2000" dirty="0"/>
+              <a:t>Deployment Server </a:t>
+            </a:r>
+            <a:r>
+              <a:rPr lang="ko-KR" altLang="en-US" sz="2000" dirty="0"/>
+              <a:t>에서 이미 동작 중인 </a:t>
+            </a:r>
+            <a:r>
+              <a:rPr lang="ko-KR" altLang="en-US" sz="2000" dirty="0" err="1"/>
+              <a:t>챗봇</a:t>
+            </a:r>
+            <a:r>
+              <a:rPr lang="ko-KR" altLang="en-US" sz="2000" dirty="0"/>
+              <a:t> 서버</a:t>
+            </a:r>
+            <a:endParaRPr lang="en-US" altLang="ko-KR" sz="2000" dirty="0"/>
+          </a:p>
+          <a:p>
+            <a:pPr lvl="1"/>
+            <a:r>
+              <a:rPr lang="ko-KR" altLang="en-US" sz="1800" dirty="0"/>
+              <a:t>이미 </a:t>
+            </a:r>
+            <a:r>
+              <a:rPr lang="en-US" altLang="ko-KR" sz="1800" dirty="0"/>
+              <a:t>deploy server </a:t>
+            </a:r>
+            <a:r>
+              <a:rPr lang="ko-KR" altLang="en-US" sz="1800" dirty="0"/>
+              <a:t>에서 </a:t>
+            </a:r>
+            <a:r>
+              <a:rPr lang="ko-KR" altLang="en-US" sz="1800" dirty="0" err="1"/>
+              <a:t>챗봇</a:t>
+            </a:r>
+            <a:r>
+              <a:rPr lang="ko-KR" altLang="en-US" sz="1800" dirty="0"/>
+              <a:t> 서버가 서비스 중이라는 점</a:t>
+            </a:r>
+            <a:endParaRPr lang="en-US" altLang="ko-KR" sz="1800" dirty="0"/>
+          </a:p>
+          <a:p>
+            <a:pPr lvl="1"/>
+            <a:r>
+              <a:rPr lang="ko-KR" altLang="en-US" sz="1800" dirty="0"/>
+              <a:t>따라서 기존 </a:t>
+            </a:r>
+            <a:r>
+              <a:rPr lang="ko-KR" altLang="en-US" sz="1800" dirty="0" err="1"/>
+              <a:t>챗봇들</a:t>
+            </a:r>
+            <a:r>
+              <a:rPr lang="ko-KR" altLang="en-US" sz="1800" dirty="0"/>
+              <a:t> 외에 추가로 테스트를 위한 </a:t>
+            </a:r>
+            <a:r>
+              <a:rPr lang="ko-KR" altLang="en-US" sz="1800" dirty="0" err="1"/>
+              <a:t>챗봇을</a:t>
+            </a:r>
+            <a:r>
+              <a:rPr lang="ko-KR" altLang="en-US" sz="1800" dirty="0"/>
+              <a:t> 추가해야 함</a:t>
+            </a:r>
+            <a:endParaRPr lang="en-US" altLang="ko-KR" sz="1800" dirty="0"/>
+          </a:p>
+          <a:p>
+            <a:pPr lvl="1"/>
+            <a:r>
+              <a:rPr lang="en-US" altLang="ko-KR" sz="1800" dirty="0"/>
               <a:t>(</a:t>
             </a:r>
             <a:r>
-              <a:rPr lang="ko-KR" altLang="en-US" dirty="0"/>
-              <a:t>빌드 설정</a:t>
-            </a:r>
-            <a:r>
-              <a:rPr lang="en-US" altLang="ko-KR" dirty="0"/>
-              <a:t>) 0. </a:t>
-            </a:r>
-            <a:r>
-              <a:rPr lang="ko-KR" altLang="en-US" dirty="0"/>
-              <a:t>서비스 중지</a:t>
-            </a:r>
+              <a:rPr lang="ko-KR" altLang="en-US" sz="1800" dirty="0"/>
+              <a:t>편의상</a:t>
+            </a:r>
+            <a:r>
+              <a:rPr lang="en-US" altLang="ko-KR" sz="1800" dirty="0"/>
+              <a:t>,</a:t>
+            </a:r>
+            <a:r>
+              <a:rPr lang="ko-KR" altLang="en-US" sz="1800" dirty="0"/>
+              <a:t> </a:t>
+            </a:r>
+            <a:r>
+              <a:rPr lang="en-US" altLang="ko-KR" sz="1800" dirty="0"/>
+              <a:t>deploy server</a:t>
+            </a:r>
+            <a:r>
+              <a:rPr lang="ko-KR" altLang="en-US" sz="1800" dirty="0"/>
+              <a:t>의 </a:t>
+            </a:r>
+            <a:r>
+              <a:rPr lang="ko-KR" altLang="en-US" sz="1800" dirty="0" err="1"/>
+              <a:t>챗봇</a:t>
+            </a:r>
+            <a:r>
+              <a:rPr lang="ko-KR" altLang="en-US" sz="1800" dirty="0"/>
+              <a:t> 서버는 동작을 멈추고 진행할 것</a:t>
+            </a:r>
+            <a:r>
+              <a:rPr lang="en-US" altLang="ko-KR" sz="1800" dirty="0"/>
+              <a:t>)</a:t>
+            </a:r>
+          </a:p>
+          <a:p>
+            <a:r>
+              <a:rPr lang="en-US" altLang="ko-KR" sz="2000" dirty="0"/>
+              <a:t>GitHub project </a:t>
+            </a:r>
+            <a:r>
+              <a:rPr lang="ko-KR" altLang="en-US" sz="2000" dirty="0"/>
+              <a:t>가</a:t>
+            </a:r>
+            <a:r>
+              <a:rPr lang="en-US" altLang="ko-KR" sz="2000" dirty="0"/>
+              <a:t> private </a:t>
+            </a:r>
+            <a:r>
+              <a:rPr lang="ko-KR" altLang="en-US" sz="2000" dirty="0"/>
+              <a:t>인 경우</a:t>
+            </a:r>
+            <a:r>
+              <a:rPr lang="en-US" altLang="ko-KR" sz="2000" dirty="0"/>
+              <a:t>, </a:t>
+            </a:r>
+            <a:r>
+              <a:rPr lang="ko-KR" altLang="en-US" sz="2000" dirty="0"/>
+              <a:t>자동으로 </a:t>
+            </a:r>
+            <a:r>
+              <a:rPr lang="en-US" altLang="ko-KR" sz="2000" dirty="0"/>
+              <a:t>pull </a:t>
+            </a:r>
+            <a:r>
+              <a:rPr lang="ko-KR" altLang="en-US" sz="2000" dirty="0"/>
+              <a:t>이 안됨</a:t>
+            </a:r>
+            <a:endParaRPr lang="en-US" altLang="ko-KR" sz="2000" dirty="0"/>
+          </a:p>
+          <a:p>
+            <a:pPr lvl="1"/>
+            <a:r>
+              <a:rPr lang="en-US" altLang="ko-KR" sz="1800" dirty="0"/>
+              <a:t>ID, PW</a:t>
+            </a:r>
+            <a:r>
+              <a:rPr lang="ko-KR" altLang="en-US" sz="1800" dirty="0"/>
+              <a:t>를 입력해야 하기 때문</a:t>
+            </a:r>
+            <a:endParaRPr lang="en-US" altLang="ko-KR" sz="1800" dirty="0"/>
+          </a:p>
+          <a:p>
+            <a:pPr lvl="1"/>
+            <a:r>
+              <a:rPr lang="en-US" altLang="ko-KR" sz="1800" dirty="0"/>
+              <a:t>$ git config </a:t>
+            </a:r>
+            <a:r>
+              <a:rPr lang="en-US" altLang="ko-KR" sz="1800" dirty="0" err="1"/>
+              <a:t>credential.helper</a:t>
+            </a:r>
+            <a:r>
+              <a:rPr lang="en-US" altLang="ko-KR" sz="1800" dirty="0"/>
+              <a:t> store</a:t>
+            </a:r>
+          </a:p>
+          <a:p>
+            <a:pPr lvl="1"/>
+            <a:r>
+              <a:rPr lang="en-US" altLang="ko-KR" sz="1800" dirty="0"/>
+              <a:t>$ git config --global </a:t>
+            </a:r>
+            <a:r>
+              <a:rPr lang="en-US" altLang="ko-KR" sz="1800" dirty="0" err="1"/>
+              <a:t>credential.helper</a:t>
+            </a:r>
+            <a:r>
+              <a:rPr lang="en-US" altLang="ko-KR" sz="1800" dirty="0"/>
+              <a:t> 'cache --timeout 7200’</a:t>
+            </a:r>
+          </a:p>
+          <a:p>
+            <a:pPr lvl="2"/>
+            <a:r>
+              <a:rPr lang="en-US" altLang="ko-KR" sz="1600" dirty="0"/>
+              <a:t>7200</a:t>
+            </a:r>
+            <a:r>
+              <a:rPr lang="ko-KR" altLang="en-US" sz="1600" dirty="0"/>
+              <a:t>초 동안 다시 로그인할 필요 없음 </a:t>
+            </a:r>
+            <a:r>
+              <a:rPr lang="en-US" altLang="ko-KR" sz="1600" dirty="0"/>
+              <a:t>(</a:t>
+            </a:r>
+            <a:r>
+              <a:rPr lang="ko-KR" altLang="en-US" sz="1600" dirty="0"/>
+              <a:t>일주일</a:t>
+            </a:r>
+            <a:r>
+              <a:rPr lang="en-US" altLang="ko-KR" sz="1600" dirty="0"/>
+              <a:t>: 604800</a:t>
+            </a:r>
+            <a:r>
+              <a:rPr lang="ko-KR" altLang="en-US" sz="1600" dirty="0"/>
+              <a:t>초</a:t>
+            </a:r>
+            <a:r>
+              <a:rPr lang="en-US" altLang="ko-KR" sz="1600" dirty="0"/>
+              <a:t>)</a:t>
+            </a:r>
+          </a:p>
+          <a:p>
+            <a:pPr lvl="2"/>
+            <a:r>
+              <a:rPr lang="en-US" altLang="ko-KR" sz="1600" dirty="0"/>
+              <a:t>Private repo</a:t>
+            </a:r>
+            <a:r>
+              <a:rPr lang="ko-KR" altLang="en-US" sz="1600" dirty="0"/>
+              <a:t>를 쓸 경우</a:t>
+            </a:r>
+            <a:r>
+              <a:rPr lang="en-US" altLang="ko-KR" sz="1600" dirty="0"/>
+              <a:t>, </a:t>
+            </a:r>
+            <a:r>
+              <a:rPr lang="ko-KR" altLang="en-US" sz="1600" dirty="0"/>
+              <a:t>로그인 정보는 정기적으로 관리할 필요가 있음</a:t>
+            </a:r>
+            <a:endParaRPr lang="en-US" altLang="ko-KR" sz="1600" dirty="0"/>
+          </a:p>
+          <a:p>
+            <a:pPr lvl="1"/>
+            <a:r>
+              <a:rPr lang="en-US" altLang="ko-KR" sz="1800" dirty="0"/>
+              <a:t>$ git pull	&lt;- </a:t>
+            </a:r>
+            <a:r>
+              <a:rPr lang="ko-KR" altLang="en-US" sz="1800" dirty="0"/>
+              <a:t>여기서 한 번 로그인</a:t>
+            </a:r>
+            <a:endParaRPr lang="en-US" altLang="ko-KR" sz="1800" dirty="0"/>
           </a:p>
         </p:txBody>
       </p:sp>
@@ -14287,7 +14532,7 @@
           <p:cNvPr id="4" name="슬라이드 번호 개체 틀 3">
             <a:extLst>
               <a:ext uri="{FF2B5EF4-FFF2-40B4-BE49-F238E27FC236}">
-                <a16:creationId xmlns:a16="http://schemas.microsoft.com/office/drawing/2014/main" id="{D9BF03C7-8B19-4090-A7F6-088320A5368D}"/>
+                <a16:creationId xmlns:a16="http://schemas.microsoft.com/office/drawing/2014/main" id="{D9953A8B-DBEB-4A10-B1BB-FEBF12D6C3BC}"/>
               </a:ext>
             </a:extLst>
           </p:cNvPr>
@@ -14311,47 +14556,10 @@
           </a:p>
         </p:txBody>
       </p:sp>
-      <p:pic>
-        <p:nvPicPr>
-          <p:cNvPr id="14" name="내용 개체 틀 13">
-            <a:extLst>
-              <a:ext uri="{FF2B5EF4-FFF2-40B4-BE49-F238E27FC236}">
-                <a16:creationId xmlns:a16="http://schemas.microsoft.com/office/drawing/2014/main" id="{97F874C5-8E17-4B88-812A-DE0DCBB45BF3}"/>
-              </a:ext>
-            </a:extLst>
-          </p:cNvPr>
-          <p:cNvPicPr>
-            <a:picLocks noGrp="1" noChangeAspect="1"/>
-          </p:cNvPicPr>
-          <p:nvPr>
-            <p:ph idx="1"/>
-          </p:nvPr>
-        </p:nvPicPr>
-        <p:blipFill>
-          <a:blip r:embed="rId2"/>
-          <a:stretch>
-            <a:fillRect/>
-          </a:stretch>
-        </p:blipFill>
-        <p:spPr>
-          <a:xfrm>
-            <a:off x="647700" y="1059656"/>
-            <a:ext cx="7848600" cy="5267325"/>
-          </a:xfrm>
-          <a:prstGeom prst="rect">
-            <a:avLst/>
-          </a:prstGeom>
-          <a:ln>
-            <a:solidFill>
-              <a:schemeClr val="accent1"/>
-            </a:solidFill>
-          </a:ln>
-        </p:spPr>
-      </p:pic>
     </p:spTree>
     <p:extLst>
       <p:ext uri="{BB962C8B-B14F-4D97-AF65-F5344CB8AC3E}">
-        <p14:creationId xmlns:p14="http://schemas.microsoft.com/office/powerpoint/2010/main" val="2429821537"/>
+        <p14:creationId xmlns:p14="http://schemas.microsoft.com/office/powerpoint/2010/main" val="570950441"/>
       </p:ext>
     </p:extLst>
   </p:cSld>
@@ -14706,6 +14914,321 @@
           <a:chExt cx="0" cy="0"/>
         </a:xfrm>
       </p:grpSpPr>
+      <p:sp>
+        <p:nvSpPr>
+          <p:cNvPr id="2" name="제목 1">
+            <a:extLst>
+              <a:ext uri="{FF2B5EF4-FFF2-40B4-BE49-F238E27FC236}">
+                <a16:creationId xmlns:a16="http://schemas.microsoft.com/office/drawing/2014/main" id="{27054DB4-51E0-4CE4-9CFC-67B4A620C055}"/>
+              </a:ext>
+            </a:extLst>
+          </p:cNvPr>
+          <p:cNvSpPr>
+            <a:spLocks noGrp="1"/>
+          </p:cNvSpPr>
+          <p:nvPr>
+            <p:ph type="title"/>
+          </p:nvPr>
+        </p:nvSpPr>
+        <p:spPr/>
+        <p:txBody>
+          <a:bodyPr/>
+          <a:lstStyle/>
+          <a:p>
+            <a:r>
+              <a:rPr lang="ko-KR" altLang="en-US" dirty="0"/>
+              <a:t>빌드 설정</a:t>
+            </a:r>
+            <a:r>
+              <a:rPr lang="en-US" altLang="ko-KR" dirty="0"/>
+              <a:t>: </a:t>
+            </a:r>
+            <a:r>
+              <a:rPr lang="ko-KR" altLang="en-US" dirty="0"/>
+              <a:t>빌드 단계 추가</a:t>
+            </a:r>
+          </a:p>
+        </p:txBody>
+      </p:sp>
+      <p:pic>
+        <p:nvPicPr>
+          <p:cNvPr id="5" name="내용 개체 틀 4">
+            <a:extLst>
+              <a:ext uri="{FF2B5EF4-FFF2-40B4-BE49-F238E27FC236}">
+                <a16:creationId xmlns:a16="http://schemas.microsoft.com/office/drawing/2014/main" id="{92B0BDD3-CE97-43A1-A245-4DA508AAB219}"/>
+              </a:ext>
+            </a:extLst>
+          </p:cNvPr>
+          <p:cNvPicPr>
+            <a:picLocks noGrp="1" noChangeAspect="1"/>
+          </p:cNvPicPr>
+          <p:nvPr>
+            <p:ph idx="1"/>
+          </p:nvPr>
+        </p:nvPicPr>
+        <p:blipFill>
+          <a:blip r:embed="rId2"/>
+          <a:stretch>
+            <a:fillRect/>
+          </a:stretch>
+        </p:blipFill>
+        <p:spPr>
+          <a:xfrm>
+            <a:off x="1004888" y="1188244"/>
+            <a:ext cx="7134225" cy="5010150"/>
+          </a:xfrm>
+          <a:prstGeom prst="rect">
+            <a:avLst/>
+          </a:prstGeom>
+        </p:spPr>
+      </p:pic>
+      <p:sp>
+        <p:nvSpPr>
+          <p:cNvPr id="4" name="슬라이드 번호 개체 틀 3">
+            <a:extLst>
+              <a:ext uri="{FF2B5EF4-FFF2-40B4-BE49-F238E27FC236}">
+                <a16:creationId xmlns:a16="http://schemas.microsoft.com/office/drawing/2014/main" id="{50044BE6-E5F5-417B-B4B9-61B0942AA389}"/>
+              </a:ext>
+            </a:extLst>
+          </p:cNvPr>
+          <p:cNvSpPr>
+            <a:spLocks noGrp="1"/>
+          </p:cNvSpPr>
+          <p:nvPr>
+            <p:ph type="sldNum" sz="quarter" idx="12"/>
+          </p:nvPr>
+        </p:nvSpPr>
+        <p:spPr/>
+        <p:txBody>
+          <a:bodyPr/>
+          <a:lstStyle/>
+          <a:p>
+            <a:fld id="{64F0D409-D3F6-4EEC-8C77-1F5E89989FFB}" type="slidenum">
+              <a:rPr lang="ko-KR" altLang="en-US" smtClean="0"/>
+              <a:t>50</a:t>
+            </a:fld>
+            <a:endParaRPr lang="ko-KR" altLang="en-US"/>
+          </a:p>
+        </p:txBody>
+      </p:sp>
+      <p:sp>
+        <p:nvSpPr>
+          <p:cNvPr id="6" name="직사각형 5">
+            <a:extLst>
+              <a:ext uri="{FF2B5EF4-FFF2-40B4-BE49-F238E27FC236}">
+                <a16:creationId xmlns:a16="http://schemas.microsoft.com/office/drawing/2014/main" id="{5EE5000B-2E34-46CD-8642-34A8B084D5ED}"/>
+              </a:ext>
+            </a:extLst>
+          </p:cNvPr>
+          <p:cNvSpPr/>
+          <p:nvPr/>
+        </p:nvSpPr>
+        <p:spPr>
+          <a:xfrm>
+            <a:off x="1149370" y="5577196"/>
+            <a:ext cx="2934358" cy="317577"/>
+          </a:xfrm>
+          <a:prstGeom prst="rect">
+            <a:avLst/>
+          </a:prstGeom>
+          <a:noFill/>
+          <a:ln w="28575">
+            <a:solidFill>
+              <a:srgbClr val="FF0000"/>
+            </a:solidFill>
+          </a:ln>
+        </p:spPr>
+        <p:style>
+          <a:lnRef idx="2">
+            <a:schemeClr val="accent1">
+              <a:shade val="50000"/>
+            </a:schemeClr>
+          </a:lnRef>
+          <a:fillRef idx="1">
+            <a:schemeClr val="accent1"/>
+          </a:fillRef>
+          <a:effectRef idx="0">
+            <a:schemeClr val="accent1"/>
+          </a:effectRef>
+          <a:fontRef idx="minor">
+            <a:schemeClr val="lt1"/>
+          </a:fontRef>
+        </p:style>
+        <p:txBody>
+          <a:bodyPr rtlCol="0" anchor="ctr"/>
+          <a:lstStyle/>
+          <a:p>
+            <a:pPr algn="ctr"/>
+            <a:endParaRPr lang="ko-KR" altLang="en-US" dirty="0"/>
+          </a:p>
+        </p:txBody>
+      </p:sp>
+    </p:spTree>
+    <p:extLst>
+      <p:ext uri="{BB962C8B-B14F-4D97-AF65-F5344CB8AC3E}">
+        <p14:creationId xmlns:p14="http://schemas.microsoft.com/office/powerpoint/2010/main" val="3693246043"/>
+      </p:ext>
+    </p:extLst>
+  </p:cSld>
+  <p:clrMapOvr>
+    <a:masterClrMapping/>
+  </p:clrMapOvr>
+</p:sld>
+</file>
+
+<file path=ppt/slides/slide51.xml><?xml version="1.0" encoding="utf-8"?>
+<p:sld xmlns:a="http://schemas.openxmlformats.org/drawingml/2006/main" xmlns:r="http://schemas.openxmlformats.org/officeDocument/2006/relationships" xmlns:p="http://schemas.openxmlformats.org/presentationml/2006/main">
+  <p:cSld>
+    <p:spTree>
+      <p:nvGrpSpPr>
+        <p:cNvPr id="1" name=""/>
+        <p:cNvGrpSpPr/>
+        <p:nvPr/>
+      </p:nvGrpSpPr>
+      <p:grpSpPr>
+        <a:xfrm>
+          <a:off x="0" y="0"/>
+          <a:ext cx="0" cy="0"/>
+          <a:chOff x="0" y="0"/>
+          <a:chExt cx="0" cy="0"/>
+        </a:xfrm>
+      </p:grpSpPr>
+      <p:sp>
+        <p:nvSpPr>
+          <p:cNvPr id="2" name="제목 1">
+            <a:extLst>
+              <a:ext uri="{FF2B5EF4-FFF2-40B4-BE49-F238E27FC236}">
+                <a16:creationId xmlns:a16="http://schemas.microsoft.com/office/drawing/2014/main" id="{0B0CD048-230A-4593-BCC6-0BFB4B92A0EA}"/>
+              </a:ext>
+            </a:extLst>
+          </p:cNvPr>
+          <p:cNvSpPr>
+            <a:spLocks noGrp="1"/>
+          </p:cNvSpPr>
+          <p:nvPr>
+            <p:ph type="title"/>
+          </p:nvPr>
+        </p:nvSpPr>
+        <p:spPr/>
+        <p:txBody>
+          <a:bodyPr/>
+          <a:lstStyle/>
+          <a:p>
+            <a:r>
+              <a:rPr lang="en-US" altLang="ko-KR" dirty="0"/>
+              <a:t>(</a:t>
+            </a:r>
+            <a:r>
+              <a:rPr lang="ko-KR" altLang="en-US" dirty="0"/>
+              <a:t>빌드 설정</a:t>
+            </a:r>
+            <a:r>
+              <a:rPr lang="en-US" altLang="ko-KR" dirty="0"/>
+              <a:t>) 0. </a:t>
+            </a:r>
+            <a:r>
+              <a:rPr lang="ko-KR" altLang="en-US" dirty="0"/>
+              <a:t>서비스 중지</a:t>
+            </a:r>
+          </a:p>
+        </p:txBody>
+      </p:sp>
+      <p:sp>
+        <p:nvSpPr>
+          <p:cNvPr id="4" name="슬라이드 번호 개체 틀 3">
+            <a:extLst>
+              <a:ext uri="{FF2B5EF4-FFF2-40B4-BE49-F238E27FC236}">
+                <a16:creationId xmlns:a16="http://schemas.microsoft.com/office/drawing/2014/main" id="{D9BF03C7-8B19-4090-A7F6-088320A5368D}"/>
+              </a:ext>
+            </a:extLst>
+          </p:cNvPr>
+          <p:cNvSpPr>
+            <a:spLocks noGrp="1"/>
+          </p:cNvSpPr>
+          <p:nvPr>
+            <p:ph type="sldNum" sz="quarter" idx="12"/>
+          </p:nvPr>
+        </p:nvSpPr>
+        <p:spPr/>
+        <p:txBody>
+          <a:bodyPr/>
+          <a:lstStyle/>
+          <a:p>
+            <a:fld id="{64F0D409-D3F6-4EEC-8C77-1F5E89989FFB}" type="slidenum">
+              <a:rPr lang="ko-KR" altLang="en-US" smtClean="0"/>
+              <a:t>51</a:t>
+            </a:fld>
+            <a:endParaRPr lang="ko-KR" altLang="en-US"/>
+          </a:p>
+        </p:txBody>
+      </p:sp>
+      <p:pic>
+        <p:nvPicPr>
+          <p:cNvPr id="14" name="내용 개체 틀 13">
+            <a:extLst>
+              <a:ext uri="{FF2B5EF4-FFF2-40B4-BE49-F238E27FC236}">
+                <a16:creationId xmlns:a16="http://schemas.microsoft.com/office/drawing/2014/main" id="{97F874C5-8E17-4B88-812A-DE0DCBB45BF3}"/>
+              </a:ext>
+            </a:extLst>
+          </p:cNvPr>
+          <p:cNvPicPr>
+            <a:picLocks noGrp="1" noChangeAspect="1"/>
+          </p:cNvPicPr>
+          <p:nvPr>
+            <p:ph idx="1"/>
+          </p:nvPr>
+        </p:nvPicPr>
+        <p:blipFill>
+          <a:blip r:embed="rId2"/>
+          <a:stretch>
+            <a:fillRect/>
+          </a:stretch>
+        </p:blipFill>
+        <p:spPr>
+          <a:xfrm>
+            <a:off x="647700" y="1059656"/>
+            <a:ext cx="7848600" cy="5267325"/>
+          </a:xfrm>
+          <a:prstGeom prst="rect">
+            <a:avLst/>
+          </a:prstGeom>
+          <a:ln>
+            <a:solidFill>
+              <a:schemeClr val="accent1"/>
+            </a:solidFill>
+          </a:ln>
+        </p:spPr>
+      </p:pic>
+    </p:spTree>
+    <p:extLst>
+      <p:ext uri="{BB962C8B-B14F-4D97-AF65-F5344CB8AC3E}">
+        <p14:creationId xmlns:p14="http://schemas.microsoft.com/office/powerpoint/2010/main" val="2429821537"/>
+      </p:ext>
+    </p:extLst>
+  </p:cSld>
+  <p:clrMapOvr>
+    <a:masterClrMapping/>
+  </p:clrMapOvr>
+</p:sld>
+</file>
+
+<file path=ppt/slides/slide52.xml><?xml version="1.0" encoding="utf-8"?>
+<p:sld xmlns:a="http://schemas.openxmlformats.org/drawingml/2006/main" xmlns:r="http://schemas.openxmlformats.org/officeDocument/2006/relationships" xmlns:p="http://schemas.openxmlformats.org/presentationml/2006/main">
+  <p:cSld>
+    <p:spTree>
+      <p:nvGrpSpPr>
+        <p:cNvPr id="1" name=""/>
+        <p:cNvGrpSpPr/>
+        <p:nvPr/>
+      </p:nvGrpSpPr>
+      <p:grpSpPr>
+        <a:xfrm>
+          <a:off x="0" y="0"/>
+          <a:ext cx="0" cy="0"/>
+          <a:chOff x="0" y="0"/>
+          <a:chExt cx="0" cy="0"/>
+        </a:xfrm>
+      </p:grpSpPr>
       <p:pic>
         <p:nvPicPr>
           <p:cNvPr id="17" name="내용 개체 틀 16">
@@ -14803,7 +15326,7 @@
           <a:p>
             <a:fld id="{64F0D409-D3F6-4EEC-8C77-1F5E89989FFB}" type="slidenum">
               <a:rPr lang="ko-KR" altLang="en-US" smtClean="0"/>
-              <a:t>50</a:t>
+              <a:t>52</a:t>
             </a:fld>
             <a:endParaRPr lang="ko-KR" altLang="en-US"/>
           </a:p>
@@ -14897,8 +15420,8 @@
         </p:nvSpPr>
         <p:spPr>
           <a:xfrm>
-            <a:off x="5739413" y="4292311"/>
-            <a:ext cx="2159649" cy="646331"/>
+            <a:off x="5786067" y="3898029"/>
+            <a:ext cx="2159649" cy="1477328"/>
           </a:xfrm>
           <a:prstGeom prst="rect">
             <a:avLst/>
@@ -14973,11 +15496,62 @@
               </a:rPr>
               <a:t>를 넣을 것</a:t>
             </a:r>
-            <a:endParaRPr lang="en-US" altLang="ko-KR" dirty="0">
-              <a:solidFill>
-                <a:srgbClr val="FF0000"/>
-              </a:solidFill>
-            </a:endParaRPr>
+            <a:r>
+              <a:rPr lang="en-US" altLang="ko-KR" dirty="0">
+                <a:solidFill>
+                  <a:srgbClr val="FF0000"/>
+                </a:solidFill>
+              </a:rPr>
+              <a:t>(</a:t>
+            </a:r>
+            <a:r>
+              <a:rPr lang="en-US" altLang="ko-KR" dirty="0" err="1">
+                <a:solidFill>
+                  <a:srgbClr val="FF0000"/>
+                </a:solidFill>
+              </a:rPr>
+              <a:t>fienter</a:t>
+            </a:r>
+            <a:r>
+              <a:rPr lang="en-US" altLang="ko-KR" dirty="0">
+                <a:solidFill>
+                  <a:srgbClr val="FF0000"/>
+                </a:solidFill>
+              </a:rPr>
+              <a:t> </a:t>
+            </a:r>
+            <a:r>
+              <a:rPr lang="ko-KR" altLang="en-US" dirty="0">
+                <a:solidFill>
+                  <a:srgbClr val="FF0000"/>
+                </a:solidFill>
+              </a:rPr>
+              <a:t>가 아닌 </a:t>
+            </a:r>
+            <a:r>
+              <a:rPr lang="en-US" altLang="ko-KR" dirty="0">
+                <a:solidFill>
+                  <a:srgbClr val="FF0000"/>
+                </a:solidFill>
+              </a:rPr>
+              <a:t>“enter” key</a:t>
+            </a:r>
+            <a:r>
+              <a:rPr lang="ko-KR" altLang="en-US" dirty="0">
+                <a:solidFill>
+                  <a:srgbClr val="FF0000"/>
+                </a:solidFill>
+              </a:rPr>
+              <a:t>를 누르라는 뜻</a:t>
+            </a:r>
+            <a:r>
+              <a:rPr lang="en-US" altLang="ko-KR" dirty="0">
+                <a:solidFill>
+                  <a:srgbClr val="FF0000"/>
+                </a:solidFill>
+              </a:rPr>
+              <a:t>)</a:t>
+            </a:r>
           </a:p>
         </p:txBody>
       </p:sp>
@@ -14994,7 +15568,7 @@
 </p:sld>
 </file>
 
-<file path=ppt/slides/slide51.xml><?xml version="1.0" encoding="utf-8"?>
+<file path=ppt/slides/slide53.xml><?xml version="1.0" encoding="utf-8"?>
 <p:sld xmlns:a="http://schemas.openxmlformats.org/drawingml/2006/main" xmlns:r="http://schemas.openxmlformats.org/officeDocument/2006/relationships" xmlns:p="http://schemas.openxmlformats.org/presentationml/2006/main">
   <p:cSld>
     <p:spTree>
@@ -15359,7 +15933,7 @@
           <a:p>
             <a:fld id="{64F0D409-D3F6-4EEC-8C77-1F5E89989FFB}" type="slidenum">
               <a:rPr lang="ko-KR" altLang="en-US" smtClean="0"/>
-              <a:t>51</a:t>
+              <a:t>53</a:t>
             </a:fld>
             <a:endParaRPr lang="ko-KR" altLang="en-US"/>
           </a:p>
@@ -15476,7 +16050,7 @@
 </p:sld>
 </file>
 
-<file path=ppt/slides/slide52.xml><?xml version="1.0" encoding="utf-8"?>
+<file path=ppt/slides/slide54.xml><?xml version="1.0" encoding="utf-8"?>
 <p:sld xmlns:a="http://schemas.openxmlformats.org/drawingml/2006/main" xmlns:r="http://schemas.openxmlformats.org/officeDocument/2006/relationships" xmlns:p="http://schemas.openxmlformats.org/presentationml/2006/main">
   <p:cSld>
     <p:spTree>
@@ -15576,7 +16150,7 @@
           <a:p>
             <a:fld id="{64F0D409-D3F6-4EEC-8C77-1F5E89989FFB}" type="slidenum">
               <a:rPr lang="ko-KR" altLang="en-US" smtClean="0"/>
-              <a:t>52</a:t>
+              <a:t>54</a:t>
             </a:fld>
             <a:endParaRPr lang="ko-KR" altLang="en-US"/>
           </a:p>
@@ -15647,7 +16221,7 @@
 </p:sld>
 </file>
 
-<file path=ppt/slides/slide53.xml><?xml version="1.0" encoding="utf-8"?>
+<file path=ppt/slides/slide55.xml><?xml version="1.0" encoding="utf-8"?>
 <p:sld xmlns:a="http://schemas.openxmlformats.org/drawingml/2006/main" xmlns:r="http://schemas.openxmlformats.org/officeDocument/2006/relationships" xmlns:p="http://schemas.openxmlformats.org/presentationml/2006/main">
   <p:cSld>
     <p:spTree>
@@ -15752,7 +16326,7 @@
           <a:p>
             <a:fld id="{64F0D409-D3F6-4EEC-8C77-1F5E89989FFB}" type="slidenum">
               <a:rPr lang="ko-KR" altLang="en-US" smtClean="0"/>
-              <a:t>53</a:t>
+              <a:t>55</a:t>
             </a:fld>
             <a:endParaRPr lang="ko-KR" altLang="en-US"/>
           </a:p>
@@ -15793,6 +16367,74 @@
           </a:ln>
         </p:spPr>
       </p:pic>
+      <p:sp>
+        <p:nvSpPr>
+          <p:cNvPr id="6" name="TextBox 5">
+            <a:extLst>
+              <a:ext uri="{FF2B5EF4-FFF2-40B4-BE49-F238E27FC236}">
+                <a16:creationId xmlns:a16="http://schemas.microsoft.com/office/drawing/2014/main" id="{A15A50E1-6745-4D4F-BF22-D070B34E4679}"/>
+              </a:ext>
+            </a:extLst>
+          </p:cNvPr>
+          <p:cNvSpPr txBox="1"/>
+          <p:nvPr/>
+        </p:nvSpPr>
+        <p:spPr>
+          <a:xfrm>
+            <a:off x="486561" y="3791824"/>
+            <a:ext cx="3926048" cy="1200329"/>
+          </a:xfrm>
+          <a:prstGeom prst="rect">
+            <a:avLst/>
+          </a:prstGeom>
+          <a:noFill/>
+        </p:spPr>
+        <p:txBody>
+          <a:bodyPr wrap="square" rtlCol="0">
+            <a:spAutoFit/>
+          </a:bodyPr>
+          <a:lstStyle/>
+          <a:p>
+            <a:r>
+              <a:rPr lang="ko-KR" altLang="en-US" dirty="0">
+                <a:solidFill>
+                  <a:srgbClr val="FF0000"/>
+                </a:solidFill>
+              </a:rPr>
+              <a:t>만일 단 한글자라도 오타나 띄어쓰기가 맞지 않는다면 무조건 오류가 발생하니 꼭꼭 </a:t>
+            </a:r>
+            <a:r>
+              <a:rPr lang="ko-KR" altLang="en-US" dirty="0" err="1">
+                <a:solidFill>
+                  <a:srgbClr val="FF0000"/>
+                </a:solidFill>
+              </a:rPr>
+              <a:t>꼼꼼이</a:t>
+            </a:r>
+            <a:r>
+              <a:rPr lang="ko-KR" altLang="en-US" dirty="0">
+                <a:solidFill>
+                  <a:srgbClr val="FF0000"/>
+                </a:solidFill>
+              </a:rPr>
+              <a:t> 확인 할 것</a:t>
+            </a:r>
+            <a:r>
+              <a:rPr lang="en-US" altLang="ko-KR" dirty="0">
+                <a:solidFill>
+                  <a:srgbClr val="FF0000"/>
+                </a:solidFill>
+              </a:rPr>
+              <a:t>!!</a:t>
+            </a:r>
+            <a:endParaRPr lang="ko-KR" altLang="en-US" dirty="0">
+              <a:solidFill>
+                <a:srgbClr val="FF0000"/>
+              </a:solidFill>
+            </a:endParaRPr>
+          </a:p>
+        </p:txBody>
+      </p:sp>
     </p:spTree>
     <p:extLst>
       <p:ext uri="{BB962C8B-B14F-4D97-AF65-F5344CB8AC3E}">
@@ -15806,7 +16448,7 @@
 </p:sld>
 </file>
 
-<file path=ppt/slides/slide54.xml><?xml version="1.0" encoding="utf-8"?>
+<file path=ppt/slides/slide56.xml><?xml version="1.0" encoding="utf-8"?>
 <p:sld xmlns:a="http://schemas.openxmlformats.org/drawingml/2006/main" xmlns:r="http://schemas.openxmlformats.org/officeDocument/2006/relationships" xmlns:p="http://schemas.openxmlformats.org/presentationml/2006/main">
   <p:cSld>
     <p:spTree>
@@ -15915,7 +16557,7 @@
           <a:p>
             <a:fld id="{64F0D409-D3F6-4EEC-8C77-1F5E89989FFB}" type="slidenum">
               <a:rPr lang="ko-KR" altLang="en-US" smtClean="0"/>
-              <a:t>54</a:t>
+              <a:t>56</a:t>
             </a:fld>
             <a:endParaRPr lang="ko-KR" altLang="en-US"/>
           </a:p>
@@ -16239,7 +16881,7 @@
 </p:sld>
 </file>
 
-<file path=ppt/slides/slide55.xml><?xml version="1.0" encoding="utf-8"?>
+<file path=ppt/slides/slide57.xml><?xml version="1.0" encoding="utf-8"?>
 <p:sld xmlns:a="http://schemas.openxmlformats.org/drawingml/2006/main" xmlns:r="http://schemas.openxmlformats.org/officeDocument/2006/relationships" xmlns:p="http://schemas.openxmlformats.org/presentationml/2006/main">
   <p:cSld>
     <p:spTree>
@@ -16353,7 +16995,7 @@
           <a:p>
             <a:fld id="{64F0D409-D3F6-4EEC-8C77-1F5E89989FFB}" type="slidenum">
               <a:rPr lang="ko-KR" altLang="en-US" smtClean="0"/>
-              <a:t>55</a:t>
+              <a:t>57</a:t>
             </a:fld>
             <a:endParaRPr lang="ko-KR" altLang="en-US"/>
           </a:p>
@@ -16447,7 +17089,7 @@
 </p:sld>
 </file>
 
-<file path=ppt/slides/slide56.xml><?xml version="1.0" encoding="utf-8"?>
+<file path=ppt/slides/slide58.xml><?xml version="1.0" encoding="utf-8"?>
 <p:sld xmlns:a="http://schemas.openxmlformats.org/drawingml/2006/main" xmlns:r="http://schemas.openxmlformats.org/officeDocument/2006/relationships" xmlns:p="http://schemas.openxmlformats.org/presentationml/2006/main">
   <p:cSld>
     <p:spTree>
@@ -16557,7 +17199,7 @@
           <a:p>
             <a:fld id="{64F0D409-D3F6-4EEC-8C77-1F5E89989FFB}" type="slidenum">
               <a:rPr lang="ko-KR" altLang="en-US" smtClean="0"/>
-              <a:t>56</a:t>
+              <a:t>58</a:t>
             </a:fld>
             <a:endParaRPr lang="ko-KR" altLang="en-US"/>
           </a:p>
@@ -16611,7 +17253,7 @@
 </p:sld>
 </file>
 
-<file path=ppt/slides/slide57.xml><?xml version="1.0" encoding="utf-8"?>
+<file path=ppt/slides/slide59.xml><?xml version="1.0" encoding="utf-8"?>
 <p:sld xmlns:a="http://schemas.openxmlformats.org/drawingml/2006/main" xmlns:r="http://schemas.openxmlformats.org/officeDocument/2006/relationships" xmlns:p="http://schemas.openxmlformats.org/presentationml/2006/main">
   <p:cSld>
     <p:spTree>
@@ -16891,7 +17533,7 @@
             <a:fld id="{64F0D409-D3F6-4EEC-8C77-1F5E89989FFB}" type="slidenum">
               <a:rPr lang="ko-KR" altLang="en-US" smtClean="0"/>
               <a:pPr/>
-              <a:t>57</a:t>
+              <a:t>59</a:t>
             </a:fld>
             <a:endParaRPr lang="ko-KR" altLang="en-US"/>
           </a:p>
@@ -18379,15 +19021,7 @@
             </a:r>
             <a:r>
               <a:rPr lang="ko-KR" altLang="en-US" sz="1800" dirty="0"/>
-              <a:t> </a:t>
-            </a:r>
-            <a:r>
-              <a:rPr lang="ko-KR" altLang="en-US" sz="1800" dirty="0" err="1"/>
-              <a:t>파일ㅇ느</a:t>
-            </a:r>
-            <a:r>
-              <a:rPr lang="ko-KR" altLang="en-US" sz="1800" dirty="0"/>
-              <a:t> </a:t>
+              <a:t> 파일 </a:t>
             </a:r>
             <a:endParaRPr lang="en-US" altLang="ko-KR" sz="1800" dirty="0"/>
           </a:p>

--- a/Slides/15. 개발 프로세스 실습 3.pptx
+++ b/Slides/15. 개발 프로세스 실습 3.pptx
@@ -8747,6 +8747,53 @@
       </p:grpSpPr>
       <p:sp>
         <p:nvSpPr>
+          <p:cNvPr id="2" name="제목 1">
+            <a:extLst>
+              <a:ext uri="{FF2B5EF4-FFF2-40B4-BE49-F238E27FC236}">
+                <a16:creationId xmlns:a16="http://schemas.microsoft.com/office/drawing/2014/main" id="{F0ADE731-4214-4D7F-80D2-14256BAC60B2}"/>
+              </a:ext>
+            </a:extLst>
+          </p:cNvPr>
+          <p:cNvSpPr>
+            <a:spLocks noGrp="1"/>
+          </p:cNvSpPr>
+          <p:nvPr>
+            <p:ph type="title"/>
+          </p:nvPr>
+        </p:nvSpPr>
+        <p:spPr/>
+        <p:txBody>
+          <a:bodyPr>
+            <a:normAutofit fontScale="90000"/>
+          </a:bodyPr>
+          <a:lstStyle/>
+          <a:p>
+            <a:r>
+              <a:rPr lang="en-US" altLang="ko-KR" dirty="0"/>
+              <a:t>(</a:t>
+            </a:r>
+            <a:r>
+              <a:rPr lang="ko-KR" altLang="en-US" dirty="0"/>
+              <a:t>각 인스턴스 별로 서로 다른 </a:t>
+            </a:r>
+            <a:r>
+              <a:rPr lang="en-US" altLang="ko-KR" dirty="0"/>
+              <a:t>Key </a:t>
+            </a:r>
+            <a:r>
+              <a:rPr lang="ko-KR" altLang="en-US" dirty="0"/>
+              <a:t>를 쓸 경우</a:t>
+            </a:r>
+            <a:r>
+              <a:rPr lang="en-US" altLang="ko-KR" dirty="0"/>
+              <a:t>)</a:t>
+            </a:r>
+            <a:endParaRPr lang="ko-KR" altLang="en-US" dirty="0"/>
+          </a:p>
+        </p:txBody>
+      </p:sp>
+      <p:sp>
+        <p:nvSpPr>
           <p:cNvPr id="4" name="슬라이드 번호 개체 틀 3">
             <a:extLst>
               <a:ext uri="{FF2B5EF4-FFF2-40B4-BE49-F238E27FC236}">
@@ -9162,7 +9209,7 @@
           </p:cNvPicPr>
           <p:nvPr/>
         </p:nvPicPr>
-        <p:blipFill>
+        <p:blipFill rotWithShape="1">
           <a:blip r:embed="rId3">
             <a:extLst>
               <a:ext uri="{28A0092B-C50C-407E-A947-70E740481C1C}">
@@ -9170,14 +9217,13 @@
               </a:ext>
             </a:extLst>
           </a:blip>
-          <a:stretch>
-            <a:fillRect/>
-          </a:stretch>
+          <a:srcRect r="6868"/>
+          <a:stretch/>
         </p:blipFill>
         <p:spPr>
           <a:xfrm>
             <a:off x="419450" y="5096909"/>
-            <a:ext cx="9144000" cy="625231"/>
+            <a:ext cx="8516003" cy="625231"/>
           </a:xfrm>
           <a:prstGeom prst="rect">
             <a:avLst/>
@@ -9233,6 +9279,58 @@
           <a:p>
             <a:pPr algn="ctr"/>
             <a:endParaRPr lang="ko-KR" altLang="en-US"/>
+          </a:p>
+        </p:txBody>
+      </p:sp>
+      <p:sp>
+        <p:nvSpPr>
+          <p:cNvPr id="8" name="제목 1">
+            <a:extLst>
+              <a:ext uri="{FF2B5EF4-FFF2-40B4-BE49-F238E27FC236}">
+                <a16:creationId xmlns:a16="http://schemas.microsoft.com/office/drawing/2014/main" id="{E88C2659-DCCB-46FC-ABCD-D6B176999B1C}"/>
+              </a:ext>
+            </a:extLst>
+          </p:cNvPr>
+          <p:cNvSpPr>
+            <a:spLocks noGrp="1"/>
+          </p:cNvSpPr>
+          <p:nvPr>
+            <p:ph type="title"/>
+          </p:nvPr>
+        </p:nvSpPr>
+        <p:spPr>
+          <a:xfrm>
+            <a:off x="395536" y="161935"/>
+            <a:ext cx="8352928" cy="708226"/>
+          </a:xfrm>
+        </p:spPr>
+        <p:txBody>
+          <a:bodyPr>
+            <a:normAutofit fontScale="90000"/>
+          </a:bodyPr>
+          <a:lstStyle/>
+          <a:p>
+            <a:r>
+              <a:rPr lang="en-US" altLang="ko-KR" dirty="0"/>
+              <a:t>(</a:t>
+            </a:r>
+            <a:r>
+              <a:rPr lang="ko-KR" altLang="en-US" dirty="0"/>
+              <a:t>각 인스턴스 별로 서로 다른 </a:t>
+            </a:r>
+            <a:r>
+              <a:rPr lang="en-US" altLang="ko-KR" dirty="0"/>
+              <a:t>Key </a:t>
+            </a:r>
+            <a:r>
+              <a:rPr lang="ko-KR" altLang="en-US" dirty="0"/>
+              <a:t>를 쓸 경우</a:t>
+            </a:r>
+            <a:r>
+              <a:rPr lang="en-US" altLang="ko-KR" dirty="0"/>
+              <a:t>)</a:t>
+            </a:r>
+            <a:endParaRPr lang="ko-KR" altLang="en-US" dirty="0"/>
           </a:p>
         </p:txBody>
       </p:sp>
@@ -15421,7 +15519,7 @@
         <p:spPr>
           <a:xfrm>
             <a:off x="5786067" y="3898029"/>
-            <a:ext cx="2159649" cy="1477328"/>
+            <a:ext cx="2159649" cy="646331"/>
           </a:xfrm>
           <a:prstGeom prst="rect">
             <a:avLst/>
@@ -15494,64 +15592,13 @@
                   <a:srgbClr val="FF0000"/>
                 </a:solidFill>
               </a:rPr>
-              <a:t>를 넣을 것</a:t>
-            </a:r>
-            <a:r>
-              <a:rPr lang="en-US" altLang="ko-KR" dirty="0">
-                <a:solidFill>
-                  <a:srgbClr val="FF0000"/>
-                </a:solidFill>
-              </a:rPr>
-              <a:t>(</a:t>
-            </a:r>
-            <a:r>
-              <a:rPr lang="en-US" altLang="ko-KR" dirty="0" err="1">
-                <a:solidFill>
-                  <a:srgbClr val="FF0000"/>
-                </a:solidFill>
-              </a:rPr>
-              <a:t>fienter</a:t>
-            </a:r>
-            <a:r>
-              <a:rPr lang="en-US" altLang="ko-KR" dirty="0">
-                <a:solidFill>
-                  <a:srgbClr val="FF0000"/>
-                </a:solidFill>
-              </a:rPr>
-              <a:t> </a:t>
-            </a:r>
-            <a:r>
-              <a:rPr lang="ko-KR" altLang="en-US" dirty="0">
-                <a:solidFill>
-                  <a:srgbClr val="FF0000"/>
-                </a:solidFill>
-              </a:rPr>
-              <a:t>가 아닌 </a:t>
-            </a:r>
-            <a:r>
-              <a:rPr lang="en-US" altLang="ko-KR" dirty="0">
-                <a:solidFill>
-                  <a:srgbClr val="FF0000"/>
-                </a:solidFill>
-              </a:rPr>
-              <a:t>“enter” key</a:t>
-            </a:r>
-            <a:r>
-              <a:rPr lang="ko-KR" altLang="en-US" dirty="0">
-                <a:solidFill>
-                  <a:srgbClr val="FF0000"/>
-                </a:solidFill>
-              </a:rPr>
-              <a:t>를 누르라는 뜻</a:t>
-            </a:r>
-            <a:r>
-              <a:rPr lang="en-US" altLang="ko-KR" dirty="0">
-                <a:solidFill>
-                  <a:srgbClr val="FF0000"/>
-                </a:solidFill>
-              </a:rPr>
-              <a:t>)</a:t>
-            </a:r>
+              <a:t>를 누를 것</a:t>
+            </a:r>
+            <a:endParaRPr lang="en-US" altLang="ko-KR" dirty="0">
+              <a:solidFill>
+                <a:srgbClr val="FF0000"/>
+              </a:solidFill>
+            </a:endParaRPr>
           </a:p>
         </p:txBody>
       </p:sp>
@@ -16027,7 +16074,7 @@
                   <a:srgbClr val="FF0000"/>
                 </a:solidFill>
               </a:rPr>
-              <a:t>를 넣을 것</a:t>
+              <a:t>를 누를 것</a:t>
             </a:r>
             <a:endParaRPr lang="en-US" altLang="ko-KR" dirty="0">
               <a:solidFill>
@@ -16382,7 +16429,7 @@
         <p:spPr>
           <a:xfrm>
             <a:off x="486561" y="3791824"/>
-            <a:ext cx="3926048" cy="1200329"/>
+            <a:ext cx="3926048" cy="1477328"/>
           </a:xfrm>
           <a:prstGeom prst="rect">
             <a:avLst/>
@@ -16395,29 +16442,47 @@
           </a:bodyPr>
           <a:lstStyle/>
           <a:p>
+            <a:pPr marL="285750" indent="-285750">
+              <a:buFont typeface="Arial" panose="020B0604020202020204" pitchFamily="34" charset="0"/>
+              <a:buChar char="•"/>
+            </a:pPr>
+            <a:r>
+              <a:rPr lang="en-US" altLang="ko-KR" dirty="0">
+                <a:solidFill>
+                  <a:srgbClr val="FF0000"/>
+                </a:solidFill>
+              </a:rPr>
+              <a:t>(</a:t>
+            </a:r>
             <a:r>
               <a:rPr lang="ko-KR" altLang="en-US" dirty="0">
                 <a:solidFill>
                   <a:srgbClr val="FF0000"/>
                 </a:solidFill>
               </a:rPr>
-              <a:t>만일 단 한글자라도 오타나 띄어쓰기가 맞지 않는다면 무조건 오류가 발생하니 꼭꼭 </a:t>
-            </a:r>
-            <a:r>
-              <a:rPr lang="ko-KR" altLang="en-US" dirty="0" err="1">
+              <a:t>학생들의 오류 피드백</a:t>
+            </a:r>
+            <a:r>
+              <a:rPr lang="en-US" altLang="ko-KR" dirty="0">
                 <a:solidFill>
                   <a:srgbClr val="FF0000"/>
                 </a:solidFill>
               </a:rPr>
-              <a:t>꼼꼼이</a:t>
-            </a:r>
+              <a:t>)</a:t>
+            </a:r>
+          </a:p>
+          <a:p>
+            <a:pPr marL="285750" indent="-285750">
+              <a:buFont typeface="Arial" panose="020B0604020202020204" pitchFamily="34" charset="0"/>
+              <a:buChar char="•"/>
+            </a:pPr>
             <a:r>
               <a:rPr lang="ko-KR" altLang="en-US" dirty="0">
                 <a:solidFill>
                   <a:srgbClr val="FF0000"/>
                 </a:solidFill>
               </a:rPr>
-              <a:t> 확인 할 것</a:t>
+              <a:t>한 글자라도 오타나 띄어쓰기가 맞지 않는다면 무조건 오류가 발생하니 꼭꼭 꼼꼼히 확인 할 것</a:t>
             </a:r>
             <a:r>
               <a:rPr lang="en-US" altLang="ko-KR" dirty="0">
@@ -16427,11 +16492,28 @@
               </a:rPr>
               <a:t>!!</a:t>
             </a:r>
-            <a:endParaRPr lang="ko-KR" altLang="en-US" dirty="0">
-              <a:solidFill>
-                <a:srgbClr val="FF0000"/>
-              </a:solidFill>
-            </a:endParaRPr>
+          </a:p>
+          <a:p>
+            <a:pPr marL="285750" indent="-285750">
+              <a:buFont typeface="Arial" panose="020B0604020202020204" pitchFamily="34" charset="0"/>
+              <a:buChar char="•"/>
+            </a:pPr>
+            <a:r>
+              <a:rPr lang="en-US" altLang="ko-KR" dirty="0">
+                <a:solidFill>
+                  <a:srgbClr val="FF0000"/>
+                </a:solidFill>
+              </a:rPr>
+              <a:t>Echo </a:t>
+            </a:r>
+            <a:r>
+              <a:rPr lang="ko-KR" altLang="en-US" dirty="0">
+                <a:solidFill>
+                  <a:srgbClr val="FF0000"/>
+                </a:solidFill>
+              </a:rPr>
+              <a:t>뒤의 메시지 따옴표 형식 확인</a:t>
+            </a:r>
           </a:p>
         </p:txBody>
       </p:sp>
@@ -16598,104 +16680,6 @@
           </a:ln>
         </p:spPr>
       </p:pic>
-      <p:sp>
-        <p:nvSpPr>
-          <p:cNvPr id="11" name="직사각형 10">
-            <a:extLst>
-              <a:ext uri="{FF2B5EF4-FFF2-40B4-BE49-F238E27FC236}">
-                <a16:creationId xmlns:a16="http://schemas.microsoft.com/office/drawing/2014/main" id="{DC7A7331-F26A-4C01-AA63-37797CB9AB37}"/>
-              </a:ext>
-            </a:extLst>
-          </p:cNvPr>
-          <p:cNvSpPr/>
-          <p:nvPr/>
-        </p:nvSpPr>
-        <p:spPr>
-          <a:xfrm>
-            <a:off x="6355701" y="5685306"/>
-            <a:ext cx="2159649" cy="646331"/>
-          </a:xfrm>
-          <a:prstGeom prst="rect">
-            <a:avLst/>
-          </a:prstGeom>
-        </p:spPr>
-        <p:txBody>
-          <a:bodyPr wrap="square">
-            <a:spAutoFit/>
-          </a:bodyPr>
-          <a:lstStyle/>
-          <a:p>
-            <a:r>
-              <a:rPr lang="en-US" altLang="ko-KR" dirty="0">
-                <a:solidFill>
-                  <a:srgbClr val="FF0000"/>
-                </a:solidFill>
-              </a:rPr>
-              <a:t>* </a:t>
-            </a:r>
-            <a:r>
-              <a:rPr lang="ko-KR" altLang="en-US" dirty="0">
-                <a:solidFill>
-                  <a:srgbClr val="FF0000"/>
-                </a:solidFill>
-              </a:rPr>
-              <a:t>마지막 </a:t>
-            </a:r>
-            <a:r>
-              <a:rPr lang="en-US" altLang="ko-KR" dirty="0">
-                <a:solidFill>
-                  <a:srgbClr val="FF0000"/>
-                </a:solidFill>
-              </a:rPr>
-              <a:t>fi</a:t>
-            </a:r>
-            <a:r>
-              <a:rPr lang="ko-KR" altLang="en-US" dirty="0">
-                <a:solidFill>
-                  <a:srgbClr val="FF0000"/>
-                </a:solidFill>
-              </a:rPr>
-              <a:t> 뒤에 </a:t>
-            </a:r>
-            <a:endParaRPr lang="en-US" altLang="ko-KR" dirty="0">
-              <a:solidFill>
-                <a:srgbClr val="FF0000"/>
-              </a:solidFill>
-            </a:endParaRPr>
-          </a:p>
-          <a:p>
-            <a:r>
-              <a:rPr lang="ko-KR" altLang="en-US" dirty="0">
-                <a:solidFill>
-                  <a:srgbClr val="FF0000"/>
-                </a:solidFill>
-              </a:rPr>
-              <a:t>꼭 </a:t>
-            </a:r>
-            <a:r>
-              <a:rPr lang="en-US" altLang="ko-KR" dirty="0">
-                <a:solidFill>
-                  <a:srgbClr val="FF0000"/>
-                </a:solidFill>
-              </a:rPr>
-              <a:t>enter </a:t>
-            </a:r>
-            <a:r>
-              <a:rPr lang="ko-KR" altLang="en-US" dirty="0">
-                <a:solidFill>
-                  <a:srgbClr val="FF0000"/>
-                </a:solidFill>
-              </a:rPr>
-              <a:t>를 넣을 것</a:t>
-            </a:r>
-            <a:endParaRPr lang="en-US" altLang="ko-KR" dirty="0">
-              <a:solidFill>
-                <a:srgbClr val="FF0000"/>
-              </a:solidFill>
-            </a:endParaRPr>
-          </a:p>
-        </p:txBody>
-      </p:sp>
       <p:sp>
         <p:nvSpPr>
           <p:cNvPr id="15" name="직사각형 14">
